--- a/smart-authorization-presentation.pptx
+++ b/smart-authorization-presentation.pptx
@@ -359,7 +359,7 @@
           <a:p>
             <a:fld id="{5943B5BA-8FE1-4769-B5B1-BD8C362CA2D3}" type="datetimeFigureOut">
               <a:rPr lang="en-US" smtClean="0"/>
-              <a:t>3/14/2017</a:t>
+              <a:t>5/3/2019</a:t>
             </a:fld>
             <a:endParaRPr lang="en-US"/>
           </a:p>
@@ -9022,7 +9022,7 @@
           <a:p>
             <a:fld id="{DC509093-0A88-4CE0-881F-99629760210A}" type="datetimeFigureOut">
               <a:rPr lang="en-US" smtClean="0"/>
-              <a:t>3/14/2017</a:t>
+              <a:t>5/3/2019</a:t>
             </a:fld>
             <a:endParaRPr lang="en-US"/>
           </a:p>
@@ -9190,7 +9190,7 @@
           <a:p>
             <a:fld id="{DC509093-0A88-4CE0-881F-99629760210A}" type="datetimeFigureOut">
               <a:rPr lang="en-US" smtClean="0"/>
-              <a:t>3/14/2017</a:t>
+              <a:t>5/3/2019</a:t>
             </a:fld>
             <a:endParaRPr lang="en-US"/>
           </a:p>
@@ -9368,7 +9368,7 @@
           <a:p>
             <a:fld id="{DC509093-0A88-4CE0-881F-99629760210A}" type="datetimeFigureOut">
               <a:rPr lang="en-US" smtClean="0"/>
-              <a:t>3/14/2017</a:t>
+              <a:t>5/3/2019</a:t>
             </a:fld>
             <a:endParaRPr lang="en-US"/>
           </a:p>
@@ -10636,7 +10636,7 @@
           <a:p>
             <a:fld id="{DC509093-0A88-4CE0-881F-99629760210A}" type="datetimeFigureOut">
               <a:rPr lang="en-US" smtClean="0"/>
-              <a:t>3/14/2017</a:t>
+              <a:t>5/3/2019</a:t>
             </a:fld>
             <a:endParaRPr lang="en-US"/>
           </a:p>
@@ -11650,7 +11650,7 @@
           <a:p>
             <a:fld id="{DC509093-0A88-4CE0-881F-99629760210A}" type="datetimeFigureOut">
               <a:rPr lang="en-US" smtClean="0"/>
-              <a:t>3/14/2017</a:t>
+              <a:t>5/3/2019</a:t>
             </a:fld>
             <a:endParaRPr lang="en-US"/>
           </a:p>
@@ -11935,7 +11935,7 @@
           <a:p>
             <a:fld id="{DC509093-0A88-4CE0-881F-99629760210A}" type="datetimeFigureOut">
               <a:rPr lang="en-US" smtClean="0"/>
-              <a:t>3/14/2017</a:t>
+              <a:t>5/3/2019</a:t>
             </a:fld>
             <a:endParaRPr lang="en-US"/>
           </a:p>
@@ -12354,7 +12354,7 @@
           <a:p>
             <a:fld id="{DC509093-0A88-4CE0-881F-99629760210A}" type="datetimeFigureOut">
               <a:rPr lang="en-US" smtClean="0"/>
-              <a:t>3/14/2017</a:t>
+              <a:t>5/3/2019</a:t>
             </a:fld>
             <a:endParaRPr lang="en-US"/>
           </a:p>
@@ -12471,7 +12471,7 @@
           <a:p>
             <a:fld id="{DC509093-0A88-4CE0-881F-99629760210A}" type="datetimeFigureOut">
               <a:rPr lang="en-US" smtClean="0"/>
-              <a:t>3/14/2017</a:t>
+              <a:t>5/3/2019</a:t>
             </a:fld>
             <a:endParaRPr lang="en-US"/>
           </a:p>
@@ -12566,7 +12566,7 @@
           <a:p>
             <a:fld id="{DC509093-0A88-4CE0-881F-99629760210A}" type="datetimeFigureOut">
               <a:rPr lang="en-US" smtClean="0"/>
-              <a:t>3/14/2017</a:t>
+              <a:t>5/3/2019</a:t>
             </a:fld>
             <a:endParaRPr lang="en-US"/>
           </a:p>
@@ -12841,7 +12841,7 @@
           <a:p>
             <a:fld id="{DC509093-0A88-4CE0-881F-99629760210A}" type="datetimeFigureOut">
               <a:rPr lang="en-US" smtClean="0"/>
-              <a:t>3/14/2017</a:t>
+              <a:t>5/3/2019</a:t>
             </a:fld>
             <a:endParaRPr lang="en-US"/>
           </a:p>
@@ -13093,7 +13093,7 @@
           <a:p>
             <a:fld id="{DC509093-0A88-4CE0-881F-99629760210A}" type="datetimeFigureOut">
               <a:rPr lang="en-US" smtClean="0"/>
-              <a:t>3/14/2017</a:t>
+              <a:t>5/3/2019</a:t>
             </a:fld>
             <a:endParaRPr lang="en-US"/>
           </a:p>
@@ -13304,7 +13304,7 @@
           <a:p>
             <a:fld id="{DC509093-0A88-4CE0-881F-99629760210A}" type="datetimeFigureOut">
               <a:rPr lang="en-US" smtClean="0"/>
-              <a:t>3/14/2017</a:t>
+              <a:t>5/3/2019</a:t>
             </a:fld>
             <a:endParaRPr lang="en-US"/>
           </a:p>
@@ -14375,7 +14375,7 @@
         <p:spPr>
           <a:xfrm>
             <a:off x="577456" y="4201442"/>
-            <a:ext cx="5548313" cy="215443"/>
+            <a:ext cx="6280544" cy="215443"/>
           </a:xfrm>
         </p:spPr>
         <p:txBody>
@@ -14384,7 +14384,7 @@
           <a:p>
             <a:r>
               <a:rPr lang="en-US" dirty="0"/>
-              <a:t>Software Architect – Edge Professional Services</a:t>
+              <a:t>Associate Lead Software Engineer – Edge Professional Services</a:t>
             </a:r>
           </a:p>
         </p:txBody>
@@ -14412,8 +14412,20 @@
           <a:lstStyle/>
           <a:p>
             <a:r>
+              <a:rPr lang="en-US"/>
+              <a:t>May </a:t>
+            </a:r>
+            <a:r>
               <a:rPr lang="en-US" dirty="0"/>
-              <a:t>March 14-15, 2017</a:t>
+              <a:t>6</a:t>
+            </a:r>
+            <a:r>
+              <a:rPr lang="en-US"/>
+              <a:t>-9th</a:t>
+            </a:r>
+            <a:r>
+              <a:rPr lang="en-US" dirty="0"/>
+              <a:t>, 2019</a:t>
             </a:r>
           </a:p>
         </p:txBody>
@@ -18213,9 +18225,12 @@
           <a:p>
             <a:pPr algn="ctr"/>
             <a:r>
-              <a:rPr lang="en-US" sz="3200" dirty="0"/>
-              <a:t>http://fhir.cerner.com/</a:t>
-            </a:r>
+              <a:rPr lang="en-US" sz="3200" dirty="0">
+                <a:hlinkClick r:id="rId2"/>
+              </a:rPr>
+              <a:t>https://fhir.cerner.com/authorization/</a:t>
+            </a:r>
+            <a:endParaRPr lang="en-US" sz="3200" dirty="0"/>
           </a:p>
         </p:txBody>
       </p:sp>

--- a/smart-authorization-presentation.pptx
+++ b/smart-authorization-presentation.pptx
@@ -14357,8 +14357,13 @@
           <a:p>
             <a:r>
               <a:rPr lang="en-US" dirty="0"/>
-              <a:t>Brian Heits</a:t>
-            </a:r>
+              <a:t>&lt;</a:t>
+            </a:r>
+            <a:r>
+              <a:rPr lang="en-US"/>
+              <a:t>Trainer name&gt;</a:t>
+            </a:r>
+            <a:endParaRPr lang="en-US" dirty="0"/>
           </a:p>
         </p:txBody>
       </p:sp>
@@ -14384,7 +14389,7 @@
           <a:p>
             <a:r>
               <a:rPr lang="en-US" dirty="0"/>
-              <a:t>Associate Lead Software Engineer – Edge Professional Services</a:t>
+              <a:t>&lt;Trainer role&gt; – Edge Professional Services</a:t>
             </a:r>
           </a:p>
         </p:txBody>
@@ -14412,20 +14417,8 @@
           <a:lstStyle/>
           <a:p>
             <a:r>
-              <a:rPr lang="en-US"/>
-              <a:t>May </a:t>
-            </a:r>
-            <a:r>
               <a:rPr lang="en-US" dirty="0"/>
-              <a:t>6</a:t>
-            </a:r>
-            <a:r>
-              <a:rPr lang="en-US"/>
-              <a:t>-9th</a:t>
-            </a:r>
-            <a:r>
-              <a:rPr lang="en-US" dirty="0"/>
-              <a:t>, 2019</a:t>
+              <a:t>March 6th, 2019</a:t>
             </a:r>
           </a:p>
         </p:txBody>

--- a/smart-authorization-presentation.pptx
+++ b/smart-authorization-presentation.pptx
@@ -359,7 +359,7 @@
           <a:p>
             <a:fld id="{5943B5BA-8FE1-4769-B5B1-BD8C362CA2D3}" type="datetimeFigureOut">
               <a:rPr lang="en-US" smtClean="0"/>
-              <a:t>5/3/2019</a:t>
+              <a:t>7/11/2019</a:t>
             </a:fld>
             <a:endParaRPr lang="en-US"/>
           </a:p>
@@ -9022,7 +9022,7 @@
           <a:p>
             <a:fld id="{DC509093-0A88-4CE0-881F-99629760210A}" type="datetimeFigureOut">
               <a:rPr lang="en-US" smtClean="0"/>
-              <a:t>5/3/2019</a:t>
+              <a:t>7/11/2019</a:t>
             </a:fld>
             <a:endParaRPr lang="en-US"/>
           </a:p>
@@ -9190,7 +9190,7 @@
           <a:p>
             <a:fld id="{DC509093-0A88-4CE0-881F-99629760210A}" type="datetimeFigureOut">
               <a:rPr lang="en-US" smtClean="0"/>
-              <a:t>5/3/2019</a:t>
+              <a:t>7/11/2019</a:t>
             </a:fld>
             <a:endParaRPr lang="en-US"/>
           </a:p>
@@ -9368,7 +9368,7 @@
           <a:p>
             <a:fld id="{DC509093-0A88-4CE0-881F-99629760210A}" type="datetimeFigureOut">
               <a:rPr lang="en-US" smtClean="0"/>
-              <a:t>5/3/2019</a:t>
+              <a:t>7/11/2019</a:t>
             </a:fld>
             <a:endParaRPr lang="en-US"/>
           </a:p>
@@ -10636,7 +10636,7 @@
           <a:p>
             <a:fld id="{DC509093-0A88-4CE0-881F-99629760210A}" type="datetimeFigureOut">
               <a:rPr lang="en-US" smtClean="0"/>
-              <a:t>5/3/2019</a:t>
+              <a:t>7/11/2019</a:t>
             </a:fld>
             <a:endParaRPr lang="en-US"/>
           </a:p>
@@ -11650,7 +11650,7 @@
           <a:p>
             <a:fld id="{DC509093-0A88-4CE0-881F-99629760210A}" type="datetimeFigureOut">
               <a:rPr lang="en-US" smtClean="0"/>
-              <a:t>5/3/2019</a:t>
+              <a:t>7/11/2019</a:t>
             </a:fld>
             <a:endParaRPr lang="en-US"/>
           </a:p>
@@ -11935,7 +11935,7 @@
           <a:p>
             <a:fld id="{DC509093-0A88-4CE0-881F-99629760210A}" type="datetimeFigureOut">
               <a:rPr lang="en-US" smtClean="0"/>
-              <a:t>5/3/2019</a:t>
+              <a:t>7/11/2019</a:t>
             </a:fld>
             <a:endParaRPr lang="en-US"/>
           </a:p>
@@ -12354,7 +12354,7 @@
           <a:p>
             <a:fld id="{DC509093-0A88-4CE0-881F-99629760210A}" type="datetimeFigureOut">
               <a:rPr lang="en-US" smtClean="0"/>
-              <a:t>5/3/2019</a:t>
+              <a:t>7/11/2019</a:t>
             </a:fld>
             <a:endParaRPr lang="en-US"/>
           </a:p>
@@ -12471,7 +12471,7 @@
           <a:p>
             <a:fld id="{DC509093-0A88-4CE0-881F-99629760210A}" type="datetimeFigureOut">
               <a:rPr lang="en-US" smtClean="0"/>
-              <a:t>5/3/2019</a:t>
+              <a:t>7/11/2019</a:t>
             </a:fld>
             <a:endParaRPr lang="en-US"/>
           </a:p>
@@ -12566,7 +12566,7 @@
           <a:p>
             <a:fld id="{DC509093-0A88-4CE0-881F-99629760210A}" type="datetimeFigureOut">
               <a:rPr lang="en-US" smtClean="0"/>
-              <a:t>5/3/2019</a:t>
+              <a:t>7/11/2019</a:t>
             </a:fld>
             <a:endParaRPr lang="en-US"/>
           </a:p>
@@ -12841,7 +12841,7 @@
           <a:p>
             <a:fld id="{DC509093-0A88-4CE0-881F-99629760210A}" type="datetimeFigureOut">
               <a:rPr lang="en-US" smtClean="0"/>
-              <a:t>5/3/2019</a:t>
+              <a:t>7/11/2019</a:t>
             </a:fld>
             <a:endParaRPr lang="en-US"/>
           </a:p>
@@ -13093,7 +13093,7 @@
           <a:p>
             <a:fld id="{DC509093-0A88-4CE0-881F-99629760210A}" type="datetimeFigureOut">
               <a:rPr lang="en-US" smtClean="0"/>
-              <a:t>5/3/2019</a:t>
+              <a:t>7/11/2019</a:t>
             </a:fld>
             <a:endParaRPr lang="en-US"/>
           </a:p>
@@ -13304,7 +13304,7 @@
           <a:p>
             <a:fld id="{DC509093-0A88-4CE0-881F-99629760210A}" type="datetimeFigureOut">
               <a:rPr lang="en-US" smtClean="0"/>
-              <a:t>5/3/2019</a:t>
+              <a:t>7/11/2019</a:t>
             </a:fld>
             <a:endParaRPr lang="en-US"/>
           </a:p>
@@ -14357,13 +14357,8 @@
           <a:p>
             <a:r>
               <a:rPr lang="en-US" dirty="0"/>
-              <a:t>&lt;</a:t>
-            </a:r>
-            <a:r>
-              <a:rPr lang="en-US"/>
-              <a:t>Trainer name&gt;</a:t>
-            </a:r>
-            <a:endParaRPr lang="en-US" dirty="0"/>
+              <a:t>Brian Heits</a:t>
+            </a:r>
           </a:p>
         </p:txBody>
       </p:sp>
@@ -14389,36 +14384,7 @@
           <a:p>
             <a:r>
               <a:rPr lang="en-US" dirty="0"/>
-              <a:t>&lt;Trainer role&gt; – Edge Professional Services</a:t>
-            </a:r>
-          </a:p>
-        </p:txBody>
-      </p:sp>
-      <p:sp>
-        <p:nvSpPr>
-          <p:cNvPr id="4" name="Text Placeholder 3"/>
-          <p:cNvSpPr>
-            <a:spLocks noGrp="1"/>
-          </p:cNvSpPr>
-          <p:nvPr>
-            <p:ph type="body" sz="quarter" idx="13"/>
-          </p:nvPr>
-        </p:nvSpPr>
-        <p:spPr>
-          <a:xfrm>
-            <a:off x="577456" y="4518418"/>
-            <a:ext cx="5548313" cy="215443"/>
-          </a:xfrm>
-        </p:spPr>
-        <p:txBody>
-          <a:bodyPr>
-            <a:normAutofit fontScale="77500" lnSpcReduction="20000"/>
-          </a:bodyPr>
-          <a:lstStyle/>
-          <a:p>
-            <a:r>
-              <a:rPr lang="en-US" dirty="0"/>
-              <a:t>March 6th, 2019</a:t>
+              <a:t>Associate Lead Software Engineer – Edge Professional Services</a:t>
             </a:r>
           </a:p>
         </p:txBody>

--- a/smart-authorization-presentation.pptx
+++ b/smart-authorization-presentation.pptx
@@ -6,7 +6,7 @@
     <p:sldMasterId id="2147483660" r:id="rId2"/>
   </p:sldMasterIdLst>
   <p:notesMasterIdLst>
-    <p:notesMasterId r:id="rId139"/>
+    <p:notesMasterId r:id="rId138"/>
   </p:notesMasterIdLst>
   <p:sldIdLst>
     <p:sldId id="396" r:id="rId3"/>
@@ -139,12 +139,11 @@
     <p:sldId id="337" r:id="rId130"/>
     <p:sldId id="338" r:id="rId131"/>
     <p:sldId id="339" r:id="rId132"/>
-    <p:sldId id="333" r:id="rId133"/>
-    <p:sldId id="326" r:id="rId134"/>
-    <p:sldId id="391" r:id="rId135"/>
-    <p:sldId id="327" r:id="rId136"/>
-    <p:sldId id="328" r:id="rId137"/>
-    <p:sldId id="390" r:id="rId138"/>
+    <p:sldId id="326" r:id="rId133"/>
+    <p:sldId id="391" r:id="rId134"/>
+    <p:sldId id="327" r:id="rId135"/>
+    <p:sldId id="328" r:id="rId136"/>
+    <p:sldId id="390" r:id="rId137"/>
   </p:sldIdLst>
   <p:sldSz cx="9144000" cy="5143500" type="screen16x9"/>
   <p:notesSz cx="6858000" cy="9144000"/>
@@ -268,6 +267,35 @@
 </p:cmAuthorLst>
 </file>
 
+<file path=ppt/changesInfos/changesInfo1.xml><?xml version="1.0" encoding="utf-8"?>
+<pc:chgInfo xmlns:a="http://schemas.openxmlformats.org/drawingml/2006/main" xmlns:r="http://schemas.openxmlformats.org/officeDocument/2006/relationships" xmlns:ac="http://schemas.microsoft.com/office/drawing/2013/main/command" xmlns:pc="http://schemas.microsoft.com/office/powerpoint/2013/main/command">
+  <pc:docChgLst>
+    <pc:chgData name="Heits,Brian" userId="4566fefd-61b7-4c5a-b683-1c8fdafc2832" providerId="ADAL" clId="{F8F79B01-75A8-4257-9A02-27ED2733A343}"/>
+    <pc:docChg chg="custSel modSld">
+      <pc:chgData name="Heits,Brian" userId="4566fefd-61b7-4c5a-b683-1c8fdafc2832" providerId="ADAL" clId="{F8F79B01-75A8-4257-9A02-27ED2733A343}" dt="2019-10-15T00:16:07.438" v="29" actId="20577"/>
+      <pc:docMkLst>
+        <pc:docMk/>
+      </pc:docMkLst>
+      <pc:sldChg chg="modSp">
+        <pc:chgData name="Heits,Brian" userId="4566fefd-61b7-4c5a-b683-1c8fdafc2832" providerId="ADAL" clId="{F8F79B01-75A8-4257-9A02-27ED2733A343}" dt="2019-10-15T00:16:07.438" v="29" actId="20577"/>
+        <pc:sldMkLst>
+          <pc:docMk/>
+          <pc:sldMk cId="1046300523" sldId="396"/>
+        </pc:sldMkLst>
+        <pc:spChg chg="mod">
+          <ac:chgData name="Heits,Brian" userId="4566fefd-61b7-4c5a-b683-1c8fdafc2832" providerId="ADAL" clId="{F8F79B01-75A8-4257-9A02-27ED2733A343}" dt="2019-10-15T00:16:07.438" v="29" actId="20577"/>
+          <ac:spMkLst>
+            <pc:docMk/>
+            <pc:sldMk cId="1046300523" sldId="396"/>
+            <ac:spMk id="4" creationId="{00000000-0000-0000-0000-000000000000}"/>
+          </ac:spMkLst>
+        </pc:spChg>
+      </pc:sldChg>
+    </pc:docChg>
+  </pc:docChgLst>
+</pc:chgInfo>
+</file>
+
 <file path=ppt/comments/comment1.xml><?xml version="1.0" encoding="utf-8"?>
 <p:cmLst xmlns:a="http://schemas.openxmlformats.org/drawingml/2006/main" xmlns:r="http://schemas.openxmlformats.org/officeDocument/2006/relationships" xmlns:p="http://schemas.openxmlformats.org/presentationml/2006/main">
   <p:cm authorId="0" dt="2014-08-25T11:42:53.754" idx="1">
@@ -359,7 +387,7 @@
           <a:p>
             <a:fld id="{5943B5BA-8FE1-4769-B5B1-BD8C362CA2D3}" type="datetimeFigureOut">
               <a:rPr lang="en-US" smtClean="0"/>
-              <a:t>7/11/2019</a:t>
+              <a:t>10/14/2019</a:t>
             </a:fld>
             <a:endParaRPr lang="en-US"/>
           </a:p>
@@ -8222,14 +8250,7 @@
           <a:bodyPr/>
           <a:lstStyle/>
           <a:p>
-            <a:r>
-              <a:rPr lang="en-US" dirty="0"/>
-              <a:t>Similar to the user authorization workflow, fetch the FHIR Conformance document and retrieve the “token</a:t>
-            </a:r>
-            <a:r>
-              <a:rPr lang="en-US"/>
-              <a:t>” endpoint.</a:t>
-            </a:r>
+            <a:endParaRPr lang="en-US" dirty="0"/>
           </a:p>
         </p:txBody>
       </p:sp>
@@ -8259,7 +8280,7 @@
     </p:spTree>
     <p:extLst>
       <p:ext uri="{BB962C8B-B14F-4D97-AF65-F5344CB8AC3E}">
-        <p14:creationId xmlns:p14="http://schemas.microsoft.com/office/powerpoint/2010/main" val="581380717"/>
+        <p14:creationId xmlns:p14="http://schemas.microsoft.com/office/powerpoint/2010/main" val="3275023001"/>
       </p:ext>
     </p:extLst>
   </p:cSld>
@@ -8318,6 +8339,14 @@
           <a:bodyPr/>
           <a:lstStyle/>
           <a:p>
+            <a:r>
+              <a:rPr lang="en-US" dirty="0"/>
+              <a:t>Our authorization guide has more</a:t>
+            </a:r>
+            <a:r>
+              <a:rPr lang="en-US" baseline="0" dirty="0"/>
+              <a:t> comprehensive guidance on many topics, including many of the special use cases we briefly touched on today, such as OpenID Connect.  We encourage you to read these guides, as well as the underlying specifications to become more acquainted with the security models in use.</a:t>
+            </a:r>
             <a:endParaRPr lang="en-US" dirty="0"/>
           </a:p>
         </p:txBody>
@@ -8409,11 +8438,19 @@
           <a:p>
             <a:r>
               <a:rPr lang="en-US" dirty="0"/>
-              <a:t>Our authorization guide has more</a:t>
+              <a:t>Understanding the specifications and our guidance will help you in</a:t>
             </a:r>
             <a:r>
               <a:rPr lang="en-US" baseline="0" dirty="0"/>
-              <a:t> comprehensive guidance on many topics, including many of the special use cases we briefly touched on today, such as OpenID Connect.  We encourage you to read these guides, as well as the underlying specifications to become more acquainted with the security models in use.</a:t>
+              <a:t> c</a:t>
+            </a:r>
+            <a:r>
+              <a:rPr lang="en-US" dirty="0"/>
+              <a:t>reating a threat model for your</a:t>
+            </a:r>
+            <a:r>
+              <a:rPr lang="en-US" baseline="0" dirty="0"/>
+              <a:t> application; doing so can help you to identify where your risks are, and help advise end users and/or organizations as to how to best protect themselves.</a:t>
             </a:r>
             <a:endParaRPr lang="en-US" dirty="0"/>
           </a:p>
@@ -8506,19 +8543,11 @@
           <a:p>
             <a:r>
               <a:rPr lang="en-US" dirty="0"/>
-              <a:t>Understanding the specifications and our guidance will help you in</a:t>
+              <a:t>The</a:t>
             </a:r>
             <a:r>
               <a:rPr lang="en-US" baseline="0" dirty="0"/>
-              <a:t> c</a:t>
-            </a:r>
-            <a:r>
-              <a:rPr lang="en-US" dirty="0"/>
-              <a:t>reating a threat model for your</a:t>
-            </a:r>
-            <a:r>
-              <a:rPr lang="en-US" baseline="0" dirty="0"/>
-              <a:t> application; doing so can help you to identify where your risks are, and help advise end users and/or organizations as to how to best protect themselves.</a:t>
+              <a:t> OAuth2 framework is a relatively new security framework in the web industry, and relies heavily on the behaviors of user agents (browsers) and operating systems.  As this is an area that is rapidly evolving, new risks and threats may emerge that could require changes to your application to remain secure.  Staying connected with the OAuth2 and SMART on FHIR communities are the best way to ensure your application remains secure and functional.</a:t>
             </a:r>
             <a:endParaRPr lang="en-US" dirty="0"/>
           </a:p>
@@ -8609,14 +8638,6 @@
           <a:bodyPr/>
           <a:lstStyle/>
           <a:p>
-            <a:r>
-              <a:rPr lang="en-US" dirty="0"/>
-              <a:t>The</a:t>
-            </a:r>
-            <a:r>
-              <a:rPr lang="en-US" baseline="0" dirty="0"/>
-              <a:t> OAuth2 framework is a relatively new security framework in the web industry, and relies heavily on the behaviors of user agents (browsers) and operating systems.  As this is an area that is rapidly evolving, new risks and threats may emerge that could require changes to your application to remain secure.  Staying connected with the OAuth2 and SMART on FHIR communities are the best way to ensure your application remains secure and functional.</a:t>
-            </a:r>
             <a:endParaRPr lang="en-US" dirty="0"/>
           </a:p>
         </p:txBody>
@@ -8639,95 +8660,6 @@
             <a:fld id="{6B689994-7BD6-4410-875F-2CADCD92BFF6}" type="slidenum">
               <a:rPr lang="en-US" smtClean="0"/>
               <a:t>135</a:t>
-            </a:fld>
-            <a:endParaRPr lang="en-US"/>
-          </a:p>
-        </p:txBody>
-      </p:sp>
-    </p:spTree>
-    <p:extLst>
-      <p:ext uri="{BB962C8B-B14F-4D97-AF65-F5344CB8AC3E}">
-        <p14:creationId xmlns:p14="http://schemas.microsoft.com/office/powerpoint/2010/main" val="3275023001"/>
-      </p:ext>
-    </p:extLst>
-  </p:cSld>
-  <p:clrMapOvr>
-    <a:masterClrMapping/>
-  </p:clrMapOvr>
-</p:notes>
-</file>
-
-<file path=ppt/notesSlides/notesSlide86.xml><?xml version="1.0" encoding="utf-8"?>
-<p:notes xmlns:a="http://schemas.openxmlformats.org/drawingml/2006/main" xmlns:r="http://schemas.openxmlformats.org/officeDocument/2006/relationships" xmlns:p="http://schemas.openxmlformats.org/presentationml/2006/main">
-  <p:cSld>
-    <p:spTree>
-      <p:nvGrpSpPr>
-        <p:cNvPr id="1" name=""/>
-        <p:cNvGrpSpPr/>
-        <p:nvPr/>
-      </p:nvGrpSpPr>
-      <p:grpSpPr>
-        <a:xfrm>
-          <a:off x="0" y="0"/>
-          <a:ext cx="0" cy="0"/>
-          <a:chOff x="0" y="0"/>
-          <a:chExt cx="0" cy="0"/>
-        </a:xfrm>
-      </p:grpSpPr>
-      <p:sp>
-        <p:nvSpPr>
-          <p:cNvPr id="2" name="Slide Image Placeholder 1"/>
-          <p:cNvSpPr>
-            <a:spLocks noGrp="1" noRot="1" noChangeAspect="1"/>
-          </p:cNvSpPr>
-          <p:nvPr>
-            <p:ph type="sldImg"/>
-          </p:nvPr>
-        </p:nvSpPr>
-        <p:spPr>
-          <a:xfrm>
-            <a:off x="381000" y="685800"/>
-            <a:ext cx="6096000" cy="3429000"/>
-          </a:xfrm>
-        </p:spPr>
-      </p:sp>
-      <p:sp>
-        <p:nvSpPr>
-          <p:cNvPr id="3" name="Notes Placeholder 2"/>
-          <p:cNvSpPr>
-            <a:spLocks noGrp="1"/>
-          </p:cNvSpPr>
-          <p:nvPr>
-            <p:ph type="body" idx="1"/>
-          </p:nvPr>
-        </p:nvSpPr>
-        <p:spPr/>
-        <p:txBody>
-          <a:bodyPr/>
-          <a:lstStyle/>
-          <a:p>
-            <a:endParaRPr lang="en-US" dirty="0"/>
-          </a:p>
-        </p:txBody>
-      </p:sp>
-      <p:sp>
-        <p:nvSpPr>
-          <p:cNvPr id="4" name="Slide Number Placeholder 3"/>
-          <p:cNvSpPr>
-            <a:spLocks noGrp="1"/>
-          </p:cNvSpPr>
-          <p:nvPr>
-            <p:ph type="sldNum" sz="quarter" idx="10"/>
-          </p:nvPr>
-        </p:nvSpPr>
-        <p:spPr/>
-        <p:txBody>
-          <a:bodyPr/>
-          <a:lstStyle/>
-          <a:p>
-            <a:fld id="{6B689994-7BD6-4410-875F-2CADCD92BFF6}" type="slidenum">
-              <a:rPr lang="en-US" smtClean="0"/>
-              <a:t>136</a:t>
             </a:fld>
             <a:endParaRPr lang="en-US"/>
           </a:p>
@@ -9022,7 +8954,7 @@
           <a:p>
             <a:fld id="{DC509093-0A88-4CE0-881F-99629760210A}" type="datetimeFigureOut">
               <a:rPr lang="en-US" smtClean="0"/>
-              <a:t>7/11/2019</a:t>
+              <a:t>10/14/2019</a:t>
             </a:fld>
             <a:endParaRPr lang="en-US"/>
           </a:p>
@@ -9190,7 +9122,7 @@
           <a:p>
             <a:fld id="{DC509093-0A88-4CE0-881F-99629760210A}" type="datetimeFigureOut">
               <a:rPr lang="en-US" smtClean="0"/>
-              <a:t>7/11/2019</a:t>
+              <a:t>10/14/2019</a:t>
             </a:fld>
             <a:endParaRPr lang="en-US"/>
           </a:p>
@@ -9368,7 +9300,7 @@
           <a:p>
             <a:fld id="{DC509093-0A88-4CE0-881F-99629760210A}" type="datetimeFigureOut">
               <a:rPr lang="en-US" smtClean="0"/>
-              <a:t>7/11/2019</a:t>
+              <a:t>10/14/2019</a:t>
             </a:fld>
             <a:endParaRPr lang="en-US"/>
           </a:p>
@@ -10636,7 +10568,7 @@
           <a:p>
             <a:fld id="{DC509093-0A88-4CE0-881F-99629760210A}" type="datetimeFigureOut">
               <a:rPr lang="en-US" smtClean="0"/>
-              <a:t>7/11/2019</a:t>
+              <a:t>10/14/2019</a:t>
             </a:fld>
             <a:endParaRPr lang="en-US"/>
           </a:p>
@@ -11650,7 +11582,7 @@
           <a:p>
             <a:fld id="{DC509093-0A88-4CE0-881F-99629760210A}" type="datetimeFigureOut">
               <a:rPr lang="en-US" smtClean="0"/>
-              <a:t>7/11/2019</a:t>
+              <a:t>10/14/2019</a:t>
             </a:fld>
             <a:endParaRPr lang="en-US"/>
           </a:p>
@@ -11935,7 +11867,7 @@
           <a:p>
             <a:fld id="{DC509093-0A88-4CE0-881F-99629760210A}" type="datetimeFigureOut">
               <a:rPr lang="en-US" smtClean="0"/>
-              <a:t>7/11/2019</a:t>
+              <a:t>10/14/2019</a:t>
             </a:fld>
             <a:endParaRPr lang="en-US"/>
           </a:p>
@@ -12354,7 +12286,7 @@
           <a:p>
             <a:fld id="{DC509093-0A88-4CE0-881F-99629760210A}" type="datetimeFigureOut">
               <a:rPr lang="en-US" smtClean="0"/>
-              <a:t>7/11/2019</a:t>
+              <a:t>10/14/2019</a:t>
             </a:fld>
             <a:endParaRPr lang="en-US"/>
           </a:p>
@@ -12471,7 +12403,7 @@
           <a:p>
             <a:fld id="{DC509093-0A88-4CE0-881F-99629760210A}" type="datetimeFigureOut">
               <a:rPr lang="en-US" smtClean="0"/>
-              <a:t>7/11/2019</a:t>
+              <a:t>10/14/2019</a:t>
             </a:fld>
             <a:endParaRPr lang="en-US"/>
           </a:p>
@@ -12566,7 +12498,7 @@
           <a:p>
             <a:fld id="{DC509093-0A88-4CE0-881F-99629760210A}" type="datetimeFigureOut">
               <a:rPr lang="en-US" smtClean="0"/>
-              <a:t>7/11/2019</a:t>
+              <a:t>10/14/2019</a:t>
             </a:fld>
             <a:endParaRPr lang="en-US"/>
           </a:p>
@@ -12841,7 +12773,7 @@
           <a:p>
             <a:fld id="{DC509093-0A88-4CE0-881F-99629760210A}" type="datetimeFigureOut">
               <a:rPr lang="en-US" smtClean="0"/>
-              <a:t>7/11/2019</a:t>
+              <a:t>10/14/2019</a:t>
             </a:fld>
             <a:endParaRPr lang="en-US"/>
           </a:p>
@@ -13093,7 +13025,7 @@
           <a:p>
             <a:fld id="{DC509093-0A88-4CE0-881F-99629760210A}" type="datetimeFigureOut">
               <a:rPr lang="en-US" smtClean="0"/>
-              <a:t>7/11/2019</a:t>
+              <a:t>10/14/2019</a:t>
             </a:fld>
             <a:endParaRPr lang="en-US"/>
           </a:p>
@@ -13304,7 +13236,7 @@
           <a:p>
             <a:fld id="{DC509093-0A88-4CE0-881F-99629760210A}" type="datetimeFigureOut">
               <a:rPr lang="en-US" smtClean="0"/>
-              <a:t>7/11/2019</a:t>
+              <a:t>10/14/2019</a:t>
             </a:fld>
             <a:endParaRPr lang="en-US"/>
           </a:p>
@@ -14389,6 +14321,55 @@
           </a:p>
         </p:txBody>
       </p:sp>
+      <p:sp>
+        <p:nvSpPr>
+          <p:cNvPr id="4" name="Text Placeholder 3"/>
+          <p:cNvSpPr>
+            <a:spLocks noGrp="1"/>
+          </p:cNvSpPr>
+          <p:nvPr>
+            <p:ph type="body" sz="quarter" idx="13"/>
+          </p:nvPr>
+        </p:nvSpPr>
+        <p:spPr>
+          <a:xfrm>
+            <a:off x="577456" y="4518418"/>
+            <a:ext cx="5548313" cy="215443"/>
+          </a:xfrm>
+        </p:spPr>
+        <p:txBody>
+          <a:bodyPr>
+            <a:normAutofit fontScale="77500" lnSpcReduction="20000"/>
+          </a:bodyPr>
+          <a:lstStyle/>
+          <a:p>
+            <a:r>
+              <a:rPr lang="en-US"/>
+              <a:t>October 15</a:t>
+            </a:r>
+            <a:r>
+              <a:rPr lang="en-US" baseline="30000"/>
+              <a:t>th</a:t>
+            </a:r>
+            <a:r>
+              <a:rPr lang="en-US"/>
+              <a:t> </a:t>
+            </a:r>
+            <a:r>
+              <a:rPr lang="en-US" dirty="0"/>
+              <a:t>– 17</a:t>
+            </a:r>
+            <a:r>
+              <a:rPr lang="en-US" baseline="30000" dirty="0"/>
+              <a:t>th</a:t>
+            </a:r>
+            <a:r>
+              <a:rPr lang="en-US" dirty="0"/>
+              <a:t>, 2019</a:t>
+            </a:r>
+          </a:p>
+        </p:txBody>
+      </p:sp>
       <p:pic>
         <p:nvPicPr>
           <p:cNvPr id="8" name="Picture 7"/>
@@ -17380,8 +17361,8 @@
         </p:nvSpPr>
         <p:spPr>
           <a:xfrm>
-            <a:off x="457200" y="1811122"/>
-            <a:ext cx="8153400" cy="1569660"/>
+            <a:off x="457200" y="2303563"/>
+            <a:ext cx="8153400" cy="584775"/>
           </a:xfrm>
           <a:prstGeom prst="rect">
             <a:avLst/>
@@ -17396,12 +17377,8 @@
           <a:p>
             <a:pPr algn="ctr"/>
             <a:r>
-              <a:rPr lang="en-US" sz="3200" b="1" dirty="0"/>
-              <a:t>Note</a:t>
-            </a:r>
-            <a:r>
               <a:rPr lang="en-US" sz="3200" dirty="0"/>
-              <a:t>:  Few Cerner FHIR® services currently support direct access via client credentials grant.  Additional support is coming in 2017.</a:t>
+              <a:t>Other Recommendations</a:t>
             </a:r>
           </a:p>
         </p:txBody>
@@ -17409,7 +17386,7 @@
     </p:spTree>
     <p:extLst>
       <p:ext uri="{BB962C8B-B14F-4D97-AF65-F5344CB8AC3E}">
-        <p14:creationId xmlns:p14="http://schemas.microsoft.com/office/powerpoint/2010/main" val="3727043706"/>
+        <p14:creationId xmlns:p14="http://schemas.microsoft.com/office/powerpoint/2010/main" val="3470733078"/>
       </p:ext>
     </p:extLst>
   </p:cSld>
@@ -17444,8 +17421,8 @@
         </p:nvSpPr>
         <p:spPr>
           <a:xfrm>
-            <a:off x="457200" y="2303563"/>
-            <a:ext cx="8153400" cy="584775"/>
+            <a:off x="469900" y="1318678"/>
+            <a:ext cx="8153400" cy="2554545"/>
           </a:xfrm>
           <a:prstGeom prst="rect">
             <a:avLst/>
@@ -17461,7 +17438,18 @@
             <a:pPr algn="ctr"/>
             <a:r>
               <a:rPr lang="en-US" sz="3200" dirty="0"/>
-              <a:t>Other Recommendations</a:t>
+              <a:t>Read the specifications and our comprehensive authorization guide @ code.cerner.com</a:t>
+            </a:r>
+          </a:p>
+          <a:p>
+            <a:pPr algn="ctr"/>
+            <a:endParaRPr lang="en-US" sz="3200" dirty="0"/>
+          </a:p>
+          <a:p>
+            <a:pPr algn="ctr"/>
+            <a:r>
+              <a:rPr lang="en-US" sz="3200" dirty="0"/>
+              <a:t>Updated guide and specifications to be published soon.</a:t>
             </a:r>
           </a:p>
         </p:txBody>
@@ -17469,7 +17457,7 @@
     </p:spTree>
     <p:extLst>
       <p:ext uri="{BB962C8B-B14F-4D97-AF65-F5344CB8AC3E}">
-        <p14:creationId xmlns:p14="http://schemas.microsoft.com/office/powerpoint/2010/main" val="3470733078"/>
+        <p14:creationId xmlns:p14="http://schemas.microsoft.com/office/powerpoint/2010/main" val="1057774442"/>
       </p:ext>
     </p:extLst>
   </p:cSld>
@@ -17504,8 +17492,8 @@
         </p:nvSpPr>
         <p:spPr>
           <a:xfrm>
-            <a:off x="469900" y="1318678"/>
-            <a:ext cx="8153400" cy="2554545"/>
+            <a:off x="457200" y="2303563"/>
+            <a:ext cx="8153400" cy="584775"/>
           </a:xfrm>
           <a:prstGeom prst="rect">
             <a:avLst/>
@@ -17521,18 +17509,7 @@
             <a:pPr algn="ctr"/>
             <a:r>
               <a:rPr lang="en-US" sz="3200" dirty="0"/>
-              <a:t>Read the specifications and our comprehensive authorization guide @ code.cerner.com</a:t>
-            </a:r>
-          </a:p>
-          <a:p>
-            <a:pPr algn="ctr"/>
-            <a:endParaRPr lang="en-US" sz="3200" dirty="0"/>
-          </a:p>
-          <a:p>
-            <a:pPr algn="ctr"/>
-            <a:r>
-              <a:rPr lang="en-US" sz="3200" dirty="0"/>
-              <a:t>Updated guide and specifications to be published soon.</a:t>
+              <a:t>Create a Threat Model for your Application</a:t>
             </a:r>
           </a:p>
         </p:txBody>
@@ -17540,7 +17517,7 @@
     </p:spTree>
     <p:extLst>
       <p:ext uri="{BB962C8B-B14F-4D97-AF65-F5344CB8AC3E}">
-        <p14:creationId xmlns:p14="http://schemas.microsoft.com/office/powerpoint/2010/main" val="1057774442"/>
+        <p14:creationId xmlns:p14="http://schemas.microsoft.com/office/powerpoint/2010/main" val="175728855"/>
       </p:ext>
     </p:extLst>
   </p:cSld>
@@ -17575,66 +17552,6 @@
         </p:nvSpPr>
         <p:spPr>
           <a:xfrm>
-            <a:off x="457200" y="2303563"/>
-            <a:ext cx="8153400" cy="584775"/>
-          </a:xfrm>
-          <a:prstGeom prst="rect">
-            <a:avLst/>
-          </a:prstGeom>
-          <a:noFill/>
-        </p:spPr>
-        <p:txBody>
-          <a:bodyPr wrap="square" rtlCol="0" anchor="ctr">
-            <a:spAutoFit/>
-          </a:bodyPr>
-          <a:lstStyle/>
-          <a:p>
-            <a:pPr algn="ctr"/>
-            <a:r>
-              <a:rPr lang="en-US" sz="3200" dirty="0"/>
-              <a:t>Create a Threat Model for your Application</a:t>
-            </a:r>
-          </a:p>
-        </p:txBody>
-      </p:sp>
-    </p:spTree>
-    <p:extLst>
-      <p:ext uri="{BB962C8B-B14F-4D97-AF65-F5344CB8AC3E}">
-        <p14:creationId xmlns:p14="http://schemas.microsoft.com/office/powerpoint/2010/main" val="175728855"/>
-      </p:ext>
-    </p:extLst>
-  </p:cSld>
-  <p:clrMapOvr>
-    <a:masterClrMapping/>
-  </p:clrMapOvr>
-</p:sld>
-</file>
-
-<file path=ppt/slides/slide135.xml><?xml version="1.0" encoding="utf-8"?>
-<p:sld xmlns:a="http://schemas.openxmlformats.org/drawingml/2006/main" xmlns:r="http://schemas.openxmlformats.org/officeDocument/2006/relationships" xmlns:p="http://schemas.openxmlformats.org/presentationml/2006/main">
-  <p:cSld>
-    <p:spTree>
-      <p:nvGrpSpPr>
-        <p:cNvPr id="1" name=""/>
-        <p:cNvGrpSpPr/>
-        <p:nvPr/>
-      </p:nvGrpSpPr>
-      <p:grpSpPr>
-        <a:xfrm>
-          <a:off x="0" y="0"/>
-          <a:ext cx="0" cy="0"/>
-          <a:chOff x="0" y="0"/>
-          <a:chExt cx="0" cy="0"/>
-        </a:xfrm>
-      </p:grpSpPr>
-      <p:sp>
-        <p:nvSpPr>
-          <p:cNvPr id="2" name="TextBox 1"/>
-          <p:cNvSpPr txBox="1"/>
-          <p:nvPr/>
-        </p:nvSpPr>
-        <p:spPr>
-          <a:xfrm>
             <a:off x="457200" y="1257123"/>
             <a:ext cx="8153400" cy="2677656"/>
           </a:xfrm>
@@ -17702,7 +17619,7 @@
 </p:sld>
 </file>
 
-<file path=ppt/slides/slide136.xml><?xml version="1.0" encoding="utf-8"?>
+<file path=ppt/slides/slide135.xml><?xml version="1.0" encoding="utf-8"?>
 <p:sld xmlns:a="http://schemas.openxmlformats.org/drawingml/2006/main" xmlns:r="http://schemas.openxmlformats.org/officeDocument/2006/relationships" xmlns:p="http://schemas.openxmlformats.org/presentationml/2006/main">
   <p:cSld>
     <p:spTree>

--- a/smart-authorization-presentation.pptx
+++ b/smart-authorization-presentation.pptx
@@ -6,7 +6,7 @@
     <p:sldMasterId id="2147483660" r:id="rId2"/>
   </p:sldMasterIdLst>
   <p:notesMasterIdLst>
-    <p:notesMasterId r:id="rId138"/>
+    <p:notesMasterId r:id="rId139"/>
   </p:notesMasterIdLst>
   <p:sldIdLst>
     <p:sldId id="396" r:id="rId3"/>
@@ -144,6 +144,7 @@
     <p:sldId id="327" r:id="rId135"/>
     <p:sldId id="328" r:id="rId136"/>
     <p:sldId id="390" r:id="rId137"/>
+    <p:sldId id="405" r:id="rId138"/>
   </p:sldIdLst>
   <p:sldSz cx="9144000" cy="5143500" type="screen16x9"/>
   <p:notesSz cx="6858000" cy="9144000"/>
@@ -267,35 +268,6 @@
 </p:cmAuthorLst>
 </file>
 
-<file path=ppt/changesInfos/changesInfo1.xml><?xml version="1.0" encoding="utf-8"?>
-<pc:chgInfo xmlns:a="http://schemas.openxmlformats.org/drawingml/2006/main" xmlns:r="http://schemas.openxmlformats.org/officeDocument/2006/relationships" xmlns:ac="http://schemas.microsoft.com/office/drawing/2013/main/command" xmlns:pc="http://schemas.microsoft.com/office/powerpoint/2013/main/command">
-  <pc:docChgLst>
-    <pc:chgData name="Heits,Brian" userId="4566fefd-61b7-4c5a-b683-1c8fdafc2832" providerId="ADAL" clId="{F8F79B01-75A8-4257-9A02-27ED2733A343}"/>
-    <pc:docChg chg="custSel modSld">
-      <pc:chgData name="Heits,Brian" userId="4566fefd-61b7-4c5a-b683-1c8fdafc2832" providerId="ADAL" clId="{F8F79B01-75A8-4257-9A02-27ED2733A343}" dt="2019-10-15T00:16:07.438" v="29" actId="20577"/>
-      <pc:docMkLst>
-        <pc:docMk/>
-      </pc:docMkLst>
-      <pc:sldChg chg="modSp">
-        <pc:chgData name="Heits,Brian" userId="4566fefd-61b7-4c5a-b683-1c8fdafc2832" providerId="ADAL" clId="{F8F79B01-75A8-4257-9A02-27ED2733A343}" dt="2019-10-15T00:16:07.438" v="29" actId="20577"/>
-        <pc:sldMkLst>
-          <pc:docMk/>
-          <pc:sldMk cId="1046300523" sldId="396"/>
-        </pc:sldMkLst>
-        <pc:spChg chg="mod">
-          <ac:chgData name="Heits,Brian" userId="4566fefd-61b7-4c5a-b683-1c8fdafc2832" providerId="ADAL" clId="{F8F79B01-75A8-4257-9A02-27ED2733A343}" dt="2019-10-15T00:16:07.438" v="29" actId="20577"/>
-          <ac:spMkLst>
-            <pc:docMk/>
-            <pc:sldMk cId="1046300523" sldId="396"/>
-            <ac:spMk id="4" creationId="{00000000-0000-0000-0000-000000000000}"/>
-          </ac:spMkLst>
-        </pc:spChg>
-      </pc:sldChg>
-    </pc:docChg>
-  </pc:docChgLst>
-</pc:chgInfo>
-</file>
-
 <file path=ppt/comments/comment1.xml><?xml version="1.0" encoding="utf-8"?>
 <p:cmLst xmlns:a="http://schemas.openxmlformats.org/drawingml/2006/main" xmlns:r="http://schemas.openxmlformats.org/officeDocument/2006/relationships" xmlns:p="http://schemas.openxmlformats.org/presentationml/2006/main">
   <p:cm authorId="0" dt="2014-08-25T11:42:53.754" idx="1">
@@ -387,7 +359,7 @@
           <a:p>
             <a:fld id="{5943B5BA-8FE1-4769-B5B1-BD8C362CA2D3}" type="datetimeFigureOut">
               <a:rPr lang="en-US" smtClean="0"/>
-              <a:t>10/14/2019</a:t>
+              <a:t>5/31/2021</a:t>
             </a:fld>
             <a:endParaRPr lang="en-US"/>
           </a:p>
@@ -8954,7 +8926,7 @@
           <a:p>
             <a:fld id="{DC509093-0A88-4CE0-881F-99629760210A}" type="datetimeFigureOut">
               <a:rPr lang="en-US" smtClean="0"/>
-              <a:t>10/14/2019</a:t>
+              <a:t>5/31/2021</a:t>
             </a:fld>
             <a:endParaRPr lang="en-US"/>
           </a:p>
@@ -9122,7 +9094,7 @@
           <a:p>
             <a:fld id="{DC509093-0A88-4CE0-881F-99629760210A}" type="datetimeFigureOut">
               <a:rPr lang="en-US" smtClean="0"/>
-              <a:t>10/14/2019</a:t>
+              <a:t>5/31/2021</a:t>
             </a:fld>
             <a:endParaRPr lang="en-US"/>
           </a:p>
@@ -9300,7 +9272,7 @@
           <a:p>
             <a:fld id="{DC509093-0A88-4CE0-881F-99629760210A}" type="datetimeFigureOut">
               <a:rPr lang="en-US" smtClean="0"/>
-              <a:t>10/14/2019</a:t>
+              <a:t>5/31/2021</a:t>
             </a:fld>
             <a:endParaRPr lang="en-US"/>
           </a:p>
@@ -10568,7 +10540,7 @@
           <a:p>
             <a:fld id="{DC509093-0A88-4CE0-881F-99629760210A}" type="datetimeFigureOut">
               <a:rPr lang="en-US" smtClean="0"/>
-              <a:t>10/14/2019</a:t>
+              <a:t>5/31/2021</a:t>
             </a:fld>
             <a:endParaRPr lang="en-US"/>
           </a:p>
@@ -11582,7 +11554,7 @@
           <a:p>
             <a:fld id="{DC509093-0A88-4CE0-881F-99629760210A}" type="datetimeFigureOut">
               <a:rPr lang="en-US" smtClean="0"/>
-              <a:t>10/14/2019</a:t>
+              <a:t>5/31/2021</a:t>
             </a:fld>
             <a:endParaRPr lang="en-US"/>
           </a:p>
@@ -11867,7 +11839,7 @@
           <a:p>
             <a:fld id="{DC509093-0A88-4CE0-881F-99629760210A}" type="datetimeFigureOut">
               <a:rPr lang="en-US" smtClean="0"/>
-              <a:t>10/14/2019</a:t>
+              <a:t>5/31/2021</a:t>
             </a:fld>
             <a:endParaRPr lang="en-US"/>
           </a:p>
@@ -12286,7 +12258,7 @@
           <a:p>
             <a:fld id="{DC509093-0A88-4CE0-881F-99629760210A}" type="datetimeFigureOut">
               <a:rPr lang="en-US" smtClean="0"/>
-              <a:t>10/14/2019</a:t>
+              <a:t>5/31/2021</a:t>
             </a:fld>
             <a:endParaRPr lang="en-US"/>
           </a:p>
@@ -12403,7 +12375,7 @@
           <a:p>
             <a:fld id="{DC509093-0A88-4CE0-881F-99629760210A}" type="datetimeFigureOut">
               <a:rPr lang="en-US" smtClean="0"/>
-              <a:t>10/14/2019</a:t>
+              <a:t>5/31/2021</a:t>
             </a:fld>
             <a:endParaRPr lang="en-US"/>
           </a:p>
@@ -12498,7 +12470,7 @@
           <a:p>
             <a:fld id="{DC509093-0A88-4CE0-881F-99629760210A}" type="datetimeFigureOut">
               <a:rPr lang="en-US" smtClean="0"/>
-              <a:t>10/14/2019</a:t>
+              <a:t>5/31/2021</a:t>
             </a:fld>
             <a:endParaRPr lang="en-US"/>
           </a:p>
@@ -12773,7 +12745,7 @@
           <a:p>
             <a:fld id="{DC509093-0A88-4CE0-881F-99629760210A}" type="datetimeFigureOut">
               <a:rPr lang="en-US" smtClean="0"/>
-              <a:t>10/14/2019</a:t>
+              <a:t>5/31/2021</a:t>
             </a:fld>
             <a:endParaRPr lang="en-US"/>
           </a:p>
@@ -13025,7 +12997,7 @@
           <a:p>
             <a:fld id="{DC509093-0A88-4CE0-881F-99629760210A}" type="datetimeFigureOut">
               <a:rPr lang="en-US" smtClean="0"/>
-              <a:t>10/14/2019</a:t>
+              <a:t>5/31/2021</a:t>
             </a:fld>
             <a:endParaRPr lang="en-US"/>
           </a:p>
@@ -13236,7 +13208,7 @@
           <a:p>
             <a:fld id="{DC509093-0A88-4CE0-881F-99629760210A}" type="datetimeFigureOut">
               <a:rPr lang="en-US" smtClean="0"/>
-              <a:t>10/14/2019</a:t>
+              <a:t>5/31/2021</a:t>
             </a:fld>
             <a:endParaRPr lang="en-US"/>
           </a:p>
@@ -14316,7 +14288,7 @@
           <a:p>
             <a:r>
               <a:rPr lang="en-US" dirty="0"/>
-              <a:t>Associate Lead Software Engineer – Edge Professional Services</a:t>
+              <a:t>Lead Software Engineer – Edge Professional Services</a:t>
             </a:r>
           </a:p>
         </p:txBody>
@@ -14344,20 +14316,16 @@
           <a:lstStyle/>
           <a:p>
             <a:r>
-              <a:rPr lang="en-US"/>
-              <a:t>October 15</a:t>
-            </a:r>
-            <a:r>
-              <a:rPr lang="en-US" baseline="30000"/>
-              <a:t>th</a:t>
-            </a:r>
-            <a:r>
-              <a:rPr lang="en-US"/>
-              <a:t> </a:t>
-            </a:r>
-            <a:r>
               <a:rPr lang="en-US" dirty="0"/>
-              <a:t>– 17</a:t>
+              <a:t>June 1</a:t>
+            </a:r>
+            <a:r>
+              <a:rPr lang="en-US" baseline="30000" dirty="0"/>
+              <a:t>st</a:t>
+            </a:r>
+            <a:r>
+              <a:rPr lang="en-US" dirty="0"/>
+              <a:t> – 4</a:t>
             </a:r>
             <a:r>
               <a:rPr lang="en-US" baseline="30000" dirty="0"/>
@@ -14365,7 +14333,7 @@
             </a:r>
             <a:r>
               <a:rPr lang="en-US" dirty="0"/>
-              <a:t>, 2019</a:t>
+              <a:t>, 2021</a:t>
             </a:r>
           </a:p>
         </p:txBody>
@@ -17670,6 +17638,90 @@
     <p:extLst>
       <p:ext uri="{BB962C8B-B14F-4D97-AF65-F5344CB8AC3E}">
         <p14:creationId xmlns:p14="http://schemas.microsoft.com/office/powerpoint/2010/main" val="2838252455"/>
+      </p:ext>
+    </p:extLst>
+  </p:cSld>
+  <p:clrMapOvr>
+    <a:masterClrMapping/>
+  </p:clrMapOvr>
+</p:sld>
+</file>
+
+<file path=ppt/slides/slide136.xml><?xml version="1.0" encoding="utf-8"?>
+<p:sld xmlns:a="http://schemas.openxmlformats.org/drawingml/2006/main" xmlns:r="http://schemas.openxmlformats.org/officeDocument/2006/relationships" xmlns:p="http://schemas.openxmlformats.org/presentationml/2006/main">
+  <p:cSld>
+    <p:spTree>
+      <p:nvGrpSpPr>
+        <p:cNvPr id="1" name=""/>
+        <p:cNvGrpSpPr/>
+        <p:nvPr/>
+      </p:nvGrpSpPr>
+      <p:grpSpPr>
+        <a:xfrm>
+          <a:off x="0" y="0"/>
+          <a:ext cx="0" cy="0"/>
+          <a:chOff x="0" y="0"/>
+          <a:chExt cx="0" cy="0"/>
+        </a:xfrm>
+      </p:grpSpPr>
+      <p:sp>
+        <p:nvSpPr>
+          <p:cNvPr id="2" name="TextBox 1">
+            <a:extLst>
+              <a:ext uri="{FF2B5EF4-FFF2-40B4-BE49-F238E27FC236}">
+                <a16:creationId xmlns:a16="http://schemas.microsoft.com/office/drawing/2014/main" id="{5694C23D-6155-44E1-87DF-372DC2C160A4}"/>
+              </a:ext>
+            </a:extLst>
+          </p:cNvPr>
+          <p:cNvSpPr txBox="1"/>
+          <p:nvPr/>
+        </p:nvSpPr>
+        <p:spPr>
+          <a:xfrm>
+            <a:off x="457200" y="1441789"/>
+            <a:ext cx="8153400" cy="2308324"/>
+          </a:xfrm>
+          <a:prstGeom prst="rect">
+            <a:avLst/>
+          </a:prstGeom>
+          <a:noFill/>
+        </p:spPr>
+        <p:txBody>
+          <a:bodyPr wrap="square" rtlCol="0" anchor="ctr">
+            <a:spAutoFit/>
+          </a:bodyPr>
+          <a:lstStyle/>
+          <a:p>
+            <a:pPr algn="ctr"/>
+            <a:r>
+              <a:rPr lang="en-US" sz="3200" dirty="0"/>
+              <a:t>OAuth Lab</a:t>
+            </a:r>
+          </a:p>
+          <a:p>
+            <a:pPr algn="ctr"/>
+            <a:endParaRPr lang="en-US" sz="3200" dirty="0"/>
+          </a:p>
+          <a:p>
+            <a:pPr algn="ctr"/>
+            <a:r>
+              <a:rPr lang="en-US" sz="2400" dirty="0">
+                <a:hlinkClick r:id="rId2"/>
+              </a:rPr>
+              <a:t>https://github.com/cerner/code-learning-lab/tree/main/authorization</a:t>
+            </a:r>
+            <a:endParaRPr lang="en-US" sz="2400" dirty="0"/>
+          </a:p>
+          <a:p>
+            <a:pPr algn="ctr"/>
+            <a:endParaRPr lang="en-US" sz="3200" dirty="0"/>
+          </a:p>
+        </p:txBody>
+      </p:sp>
+    </p:spTree>
+    <p:extLst>
+      <p:ext uri="{BB962C8B-B14F-4D97-AF65-F5344CB8AC3E}">
+        <p14:creationId xmlns:p14="http://schemas.microsoft.com/office/powerpoint/2010/main" val="1611237568"/>
       </p:ext>
     </p:extLst>
   </p:cSld>

--- a/smart-authorization-presentation.pptx
+++ b/smart-authorization-presentation.pptx
@@ -139,12 +139,12 @@
     <p:sldId id="337" r:id="rId130"/>
     <p:sldId id="338" r:id="rId131"/>
     <p:sldId id="339" r:id="rId132"/>
-    <p:sldId id="326" r:id="rId133"/>
-    <p:sldId id="391" r:id="rId134"/>
-    <p:sldId id="327" r:id="rId135"/>
-    <p:sldId id="328" r:id="rId136"/>
-    <p:sldId id="390" r:id="rId137"/>
-    <p:sldId id="405" r:id="rId138"/>
+    <p:sldId id="333" r:id="rId133"/>
+    <p:sldId id="326" r:id="rId134"/>
+    <p:sldId id="391" r:id="rId135"/>
+    <p:sldId id="327" r:id="rId136"/>
+    <p:sldId id="328" r:id="rId137"/>
+    <p:sldId id="390" r:id="rId138"/>
   </p:sldIdLst>
   <p:sldSz cx="9144000" cy="5143500" type="screen16x9"/>
   <p:notesSz cx="6858000" cy="9144000"/>
@@ -359,7 +359,7 @@
           <a:p>
             <a:fld id="{5943B5BA-8FE1-4769-B5B1-BD8C362CA2D3}" type="datetimeFigureOut">
               <a:rPr lang="en-US" smtClean="0"/>
-              <a:t>5/31/2021</a:t>
+              <a:t>4/26/2022</a:t>
             </a:fld>
             <a:endParaRPr lang="en-US"/>
           </a:p>
@@ -8222,7 +8222,14 @@
           <a:bodyPr/>
           <a:lstStyle/>
           <a:p>
-            <a:endParaRPr lang="en-US" dirty="0"/>
+            <a:r>
+              <a:rPr lang="en-US" dirty="0"/>
+              <a:t>Similar to the user authorization workflow, fetch the FHIR Conformance document and retrieve the “token</a:t>
+            </a:r>
+            <a:r>
+              <a:rPr lang="en-US"/>
+              <a:t>” endpoint.</a:t>
+            </a:r>
           </a:p>
         </p:txBody>
       </p:sp>
@@ -8252,7 +8259,7 @@
     </p:spTree>
     <p:extLst>
       <p:ext uri="{BB962C8B-B14F-4D97-AF65-F5344CB8AC3E}">
-        <p14:creationId xmlns:p14="http://schemas.microsoft.com/office/powerpoint/2010/main" val="3275023001"/>
+        <p14:creationId xmlns:p14="http://schemas.microsoft.com/office/powerpoint/2010/main" val="581380717"/>
       </p:ext>
     </p:extLst>
   </p:cSld>
@@ -8311,14 +8318,6 @@
           <a:bodyPr/>
           <a:lstStyle/>
           <a:p>
-            <a:r>
-              <a:rPr lang="en-US" dirty="0"/>
-              <a:t>Our authorization guide has more</a:t>
-            </a:r>
-            <a:r>
-              <a:rPr lang="en-US" baseline="0" dirty="0"/>
-              <a:t> comprehensive guidance on many topics, including many of the special use cases we briefly touched on today, such as OpenID Connect.  We encourage you to read these guides, as well as the underlying specifications to become more acquainted with the security models in use.</a:t>
-            </a:r>
             <a:endParaRPr lang="en-US" dirty="0"/>
           </a:p>
         </p:txBody>
@@ -8410,19 +8409,11 @@
           <a:p>
             <a:r>
               <a:rPr lang="en-US" dirty="0"/>
-              <a:t>Understanding the specifications and our guidance will help you in</a:t>
+              <a:t>Our authorization guide has more</a:t>
             </a:r>
             <a:r>
               <a:rPr lang="en-US" baseline="0" dirty="0"/>
-              <a:t> c</a:t>
-            </a:r>
-            <a:r>
-              <a:rPr lang="en-US" dirty="0"/>
-              <a:t>reating a threat model for your</a:t>
-            </a:r>
-            <a:r>
-              <a:rPr lang="en-US" baseline="0" dirty="0"/>
-              <a:t> application; doing so can help you to identify where your risks are, and help advise end users and/or organizations as to how to best protect themselves.</a:t>
+              <a:t> comprehensive guidance on many topics, including many of the special use cases we briefly touched on today, such as OpenID Connect.  We encourage you to read these guides, as well as the underlying specifications to become more acquainted with the security models in use.</a:t>
             </a:r>
             <a:endParaRPr lang="en-US" dirty="0"/>
           </a:p>
@@ -8515,11 +8506,19 @@
           <a:p>
             <a:r>
               <a:rPr lang="en-US" dirty="0"/>
-              <a:t>The</a:t>
+              <a:t>Understanding the specifications and our guidance will help you in</a:t>
             </a:r>
             <a:r>
               <a:rPr lang="en-US" baseline="0" dirty="0"/>
-              <a:t> OAuth2 framework is a relatively new security framework in the web industry, and relies heavily on the behaviors of user agents (browsers) and operating systems.  As this is an area that is rapidly evolving, new risks and threats may emerge that could require changes to your application to remain secure.  Staying connected with the OAuth2 and SMART on FHIR communities are the best way to ensure your application remains secure and functional.</a:t>
+              <a:t> c</a:t>
+            </a:r>
+            <a:r>
+              <a:rPr lang="en-US" dirty="0"/>
+              <a:t>reating a threat model for your</a:t>
+            </a:r>
+            <a:r>
+              <a:rPr lang="en-US" baseline="0" dirty="0"/>
+              <a:t> application; doing so can help you to identify where your risks are, and help advise end users and/or organizations as to how to best protect themselves.</a:t>
             </a:r>
             <a:endParaRPr lang="en-US" dirty="0"/>
           </a:p>
@@ -8610,6 +8609,14 @@
           <a:bodyPr/>
           <a:lstStyle/>
           <a:p>
+            <a:r>
+              <a:rPr lang="en-US" dirty="0"/>
+              <a:t>The</a:t>
+            </a:r>
+            <a:r>
+              <a:rPr lang="en-US" baseline="0" dirty="0"/>
+              <a:t> OAuth2 framework is a relatively new security framework in the web industry, and relies heavily on the behaviors of user agents (browsers) and operating systems.  As this is an area that is rapidly evolving, new risks and threats may emerge that could require changes to your application to remain secure.  Staying connected with the OAuth2 and SMART on FHIR communities are the best way to ensure your application remains secure and functional.</a:t>
+            </a:r>
             <a:endParaRPr lang="en-US" dirty="0"/>
           </a:p>
         </p:txBody>
@@ -8632,6 +8639,95 @@
             <a:fld id="{6B689994-7BD6-4410-875F-2CADCD92BFF6}" type="slidenum">
               <a:rPr lang="en-US" smtClean="0"/>
               <a:t>135</a:t>
+            </a:fld>
+            <a:endParaRPr lang="en-US"/>
+          </a:p>
+        </p:txBody>
+      </p:sp>
+    </p:spTree>
+    <p:extLst>
+      <p:ext uri="{BB962C8B-B14F-4D97-AF65-F5344CB8AC3E}">
+        <p14:creationId xmlns:p14="http://schemas.microsoft.com/office/powerpoint/2010/main" val="3275023001"/>
+      </p:ext>
+    </p:extLst>
+  </p:cSld>
+  <p:clrMapOvr>
+    <a:masterClrMapping/>
+  </p:clrMapOvr>
+</p:notes>
+</file>
+
+<file path=ppt/notesSlides/notesSlide86.xml><?xml version="1.0" encoding="utf-8"?>
+<p:notes xmlns:a="http://schemas.openxmlformats.org/drawingml/2006/main" xmlns:r="http://schemas.openxmlformats.org/officeDocument/2006/relationships" xmlns:p="http://schemas.openxmlformats.org/presentationml/2006/main">
+  <p:cSld>
+    <p:spTree>
+      <p:nvGrpSpPr>
+        <p:cNvPr id="1" name=""/>
+        <p:cNvGrpSpPr/>
+        <p:nvPr/>
+      </p:nvGrpSpPr>
+      <p:grpSpPr>
+        <a:xfrm>
+          <a:off x="0" y="0"/>
+          <a:ext cx="0" cy="0"/>
+          <a:chOff x="0" y="0"/>
+          <a:chExt cx="0" cy="0"/>
+        </a:xfrm>
+      </p:grpSpPr>
+      <p:sp>
+        <p:nvSpPr>
+          <p:cNvPr id="2" name="Slide Image Placeholder 1"/>
+          <p:cNvSpPr>
+            <a:spLocks noGrp="1" noRot="1" noChangeAspect="1"/>
+          </p:cNvSpPr>
+          <p:nvPr>
+            <p:ph type="sldImg"/>
+          </p:nvPr>
+        </p:nvSpPr>
+        <p:spPr>
+          <a:xfrm>
+            <a:off x="381000" y="685800"/>
+            <a:ext cx="6096000" cy="3429000"/>
+          </a:xfrm>
+        </p:spPr>
+      </p:sp>
+      <p:sp>
+        <p:nvSpPr>
+          <p:cNvPr id="3" name="Notes Placeholder 2"/>
+          <p:cNvSpPr>
+            <a:spLocks noGrp="1"/>
+          </p:cNvSpPr>
+          <p:nvPr>
+            <p:ph type="body" idx="1"/>
+          </p:nvPr>
+        </p:nvSpPr>
+        <p:spPr/>
+        <p:txBody>
+          <a:bodyPr/>
+          <a:lstStyle/>
+          <a:p>
+            <a:endParaRPr lang="en-US" dirty="0"/>
+          </a:p>
+        </p:txBody>
+      </p:sp>
+      <p:sp>
+        <p:nvSpPr>
+          <p:cNvPr id="4" name="Slide Number Placeholder 3"/>
+          <p:cNvSpPr>
+            <a:spLocks noGrp="1"/>
+          </p:cNvSpPr>
+          <p:nvPr>
+            <p:ph type="sldNum" sz="quarter" idx="10"/>
+          </p:nvPr>
+        </p:nvSpPr>
+        <p:spPr/>
+        <p:txBody>
+          <a:bodyPr/>
+          <a:lstStyle/>
+          <a:p>
+            <a:fld id="{6B689994-7BD6-4410-875F-2CADCD92BFF6}" type="slidenum">
+              <a:rPr lang="en-US" smtClean="0"/>
+              <a:t>136</a:t>
             </a:fld>
             <a:endParaRPr lang="en-US"/>
           </a:p>
@@ -8926,7 +9022,7 @@
           <a:p>
             <a:fld id="{DC509093-0A88-4CE0-881F-99629760210A}" type="datetimeFigureOut">
               <a:rPr lang="en-US" smtClean="0"/>
-              <a:t>5/31/2021</a:t>
+              <a:t>4/26/2022</a:t>
             </a:fld>
             <a:endParaRPr lang="en-US"/>
           </a:p>
@@ -9094,7 +9190,7 @@
           <a:p>
             <a:fld id="{DC509093-0A88-4CE0-881F-99629760210A}" type="datetimeFigureOut">
               <a:rPr lang="en-US" smtClean="0"/>
-              <a:t>5/31/2021</a:t>
+              <a:t>4/26/2022</a:t>
             </a:fld>
             <a:endParaRPr lang="en-US"/>
           </a:p>
@@ -9272,7 +9368,7 @@
           <a:p>
             <a:fld id="{DC509093-0A88-4CE0-881F-99629760210A}" type="datetimeFigureOut">
               <a:rPr lang="en-US" smtClean="0"/>
-              <a:t>5/31/2021</a:t>
+              <a:t>4/26/2022</a:t>
             </a:fld>
             <a:endParaRPr lang="en-US"/>
           </a:p>
@@ -10540,7 +10636,7 @@
           <a:p>
             <a:fld id="{DC509093-0A88-4CE0-881F-99629760210A}" type="datetimeFigureOut">
               <a:rPr lang="en-US" smtClean="0"/>
-              <a:t>5/31/2021</a:t>
+              <a:t>4/26/2022</a:t>
             </a:fld>
             <a:endParaRPr lang="en-US"/>
           </a:p>
@@ -11554,7 +11650,7 @@
           <a:p>
             <a:fld id="{DC509093-0A88-4CE0-881F-99629760210A}" type="datetimeFigureOut">
               <a:rPr lang="en-US" smtClean="0"/>
-              <a:t>5/31/2021</a:t>
+              <a:t>4/26/2022</a:t>
             </a:fld>
             <a:endParaRPr lang="en-US"/>
           </a:p>
@@ -11839,7 +11935,7 @@
           <a:p>
             <a:fld id="{DC509093-0A88-4CE0-881F-99629760210A}" type="datetimeFigureOut">
               <a:rPr lang="en-US" smtClean="0"/>
-              <a:t>5/31/2021</a:t>
+              <a:t>4/26/2022</a:t>
             </a:fld>
             <a:endParaRPr lang="en-US"/>
           </a:p>
@@ -12258,7 +12354,7 @@
           <a:p>
             <a:fld id="{DC509093-0A88-4CE0-881F-99629760210A}" type="datetimeFigureOut">
               <a:rPr lang="en-US" smtClean="0"/>
-              <a:t>5/31/2021</a:t>
+              <a:t>4/26/2022</a:t>
             </a:fld>
             <a:endParaRPr lang="en-US"/>
           </a:p>
@@ -12375,7 +12471,7 @@
           <a:p>
             <a:fld id="{DC509093-0A88-4CE0-881F-99629760210A}" type="datetimeFigureOut">
               <a:rPr lang="en-US" smtClean="0"/>
-              <a:t>5/31/2021</a:t>
+              <a:t>4/26/2022</a:t>
             </a:fld>
             <a:endParaRPr lang="en-US"/>
           </a:p>
@@ -12470,7 +12566,7 @@
           <a:p>
             <a:fld id="{DC509093-0A88-4CE0-881F-99629760210A}" type="datetimeFigureOut">
               <a:rPr lang="en-US" smtClean="0"/>
-              <a:t>5/31/2021</a:t>
+              <a:t>4/26/2022</a:t>
             </a:fld>
             <a:endParaRPr lang="en-US"/>
           </a:p>
@@ -12745,7 +12841,7 @@
           <a:p>
             <a:fld id="{DC509093-0A88-4CE0-881F-99629760210A}" type="datetimeFigureOut">
               <a:rPr lang="en-US" smtClean="0"/>
-              <a:t>5/31/2021</a:t>
+              <a:t>4/26/2022</a:t>
             </a:fld>
             <a:endParaRPr lang="en-US"/>
           </a:p>
@@ -12997,7 +13093,7 @@
           <a:p>
             <a:fld id="{DC509093-0A88-4CE0-881F-99629760210A}" type="datetimeFigureOut">
               <a:rPr lang="en-US" smtClean="0"/>
-              <a:t>5/31/2021</a:t>
+              <a:t>4/26/2022</a:t>
             </a:fld>
             <a:endParaRPr lang="en-US"/>
           </a:p>
@@ -13208,7 +13304,7 @@
           <a:p>
             <a:fld id="{DC509093-0A88-4CE0-881F-99629760210A}" type="datetimeFigureOut">
               <a:rPr lang="en-US" smtClean="0"/>
-              <a:t>5/31/2021</a:t>
+              <a:t>4/26/2022</a:t>
             </a:fld>
             <a:endParaRPr lang="en-US"/>
           </a:p>
@@ -14288,7 +14384,7 @@
           <a:p>
             <a:r>
               <a:rPr lang="en-US" dirty="0"/>
-              <a:t>Lead Software Engineer – Edge Professional Services</a:t>
+              <a:t>Associate Lead Software Engineer – Edge Professional Services</a:t>
             </a:r>
           </a:p>
         </p:txBody>
@@ -14317,23 +14413,7 @@
           <a:p>
             <a:r>
               <a:rPr lang="en-US" dirty="0"/>
-              <a:t>June 1</a:t>
-            </a:r>
-            <a:r>
-              <a:rPr lang="en-US" baseline="30000" dirty="0"/>
-              <a:t>st</a:t>
-            </a:r>
-            <a:r>
-              <a:rPr lang="en-US" dirty="0"/>
-              <a:t> – 4</a:t>
-            </a:r>
-            <a:r>
-              <a:rPr lang="en-US" baseline="30000" dirty="0"/>
-              <a:t>th</a:t>
-            </a:r>
-            <a:r>
-              <a:rPr lang="en-US" dirty="0"/>
-              <a:t>, 2021</a:t>
+              <a:t>April 29th, 2022</a:t>
             </a:r>
           </a:p>
         </p:txBody>
@@ -17329,8 +17409,8 @@
         </p:nvSpPr>
         <p:spPr>
           <a:xfrm>
-            <a:off x="457200" y="2303563"/>
-            <a:ext cx="8153400" cy="584775"/>
+            <a:off x="457200" y="1811122"/>
+            <a:ext cx="8153400" cy="1569660"/>
           </a:xfrm>
           <a:prstGeom prst="rect">
             <a:avLst/>
@@ -17345,8 +17425,12 @@
           <a:p>
             <a:pPr algn="ctr"/>
             <a:r>
+              <a:rPr lang="en-US" sz="3200" b="1" dirty="0"/>
+              <a:t>Note</a:t>
+            </a:r>
+            <a:r>
               <a:rPr lang="en-US" sz="3200" dirty="0"/>
-              <a:t>Other Recommendations</a:t>
+              <a:t>:  Few Cerner FHIR® services currently support direct access via client credentials grant.  Additional support is coming in 2017.</a:t>
             </a:r>
           </a:p>
         </p:txBody>
@@ -17354,7 +17438,7 @@
     </p:spTree>
     <p:extLst>
       <p:ext uri="{BB962C8B-B14F-4D97-AF65-F5344CB8AC3E}">
-        <p14:creationId xmlns:p14="http://schemas.microsoft.com/office/powerpoint/2010/main" val="3470733078"/>
+        <p14:creationId xmlns:p14="http://schemas.microsoft.com/office/powerpoint/2010/main" val="3727043706"/>
       </p:ext>
     </p:extLst>
   </p:cSld>
@@ -17389,8 +17473,8 @@
         </p:nvSpPr>
         <p:spPr>
           <a:xfrm>
-            <a:off x="469900" y="1318678"/>
-            <a:ext cx="8153400" cy="2554545"/>
+            <a:off x="457200" y="2303563"/>
+            <a:ext cx="8153400" cy="584775"/>
           </a:xfrm>
           <a:prstGeom prst="rect">
             <a:avLst/>
@@ -17406,18 +17490,7 @@
             <a:pPr algn="ctr"/>
             <a:r>
               <a:rPr lang="en-US" sz="3200" dirty="0"/>
-              <a:t>Read the specifications and our comprehensive authorization guide @ code.cerner.com</a:t>
-            </a:r>
-          </a:p>
-          <a:p>
-            <a:pPr algn="ctr"/>
-            <a:endParaRPr lang="en-US" sz="3200" dirty="0"/>
-          </a:p>
-          <a:p>
-            <a:pPr algn="ctr"/>
-            <a:r>
-              <a:rPr lang="en-US" sz="3200" dirty="0"/>
-              <a:t>Updated guide and specifications to be published soon.</a:t>
+              <a:t>Other Recommendations</a:t>
             </a:r>
           </a:p>
         </p:txBody>
@@ -17425,7 +17498,7 @@
     </p:spTree>
     <p:extLst>
       <p:ext uri="{BB962C8B-B14F-4D97-AF65-F5344CB8AC3E}">
-        <p14:creationId xmlns:p14="http://schemas.microsoft.com/office/powerpoint/2010/main" val="1057774442"/>
+        <p14:creationId xmlns:p14="http://schemas.microsoft.com/office/powerpoint/2010/main" val="3470733078"/>
       </p:ext>
     </p:extLst>
   </p:cSld>
@@ -17460,8 +17533,8 @@
         </p:nvSpPr>
         <p:spPr>
           <a:xfrm>
-            <a:off x="457200" y="2303563"/>
-            <a:ext cx="8153400" cy="584775"/>
+            <a:off x="469900" y="1318678"/>
+            <a:ext cx="8153400" cy="2554545"/>
           </a:xfrm>
           <a:prstGeom prst="rect">
             <a:avLst/>
@@ -17477,7 +17550,18 @@
             <a:pPr algn="ctr"/>
             <a:r>
               <a:rPr lang="en-US" sz="3200" dirty="0"/>
-              <a:t>Create a Threat Model for your Application</a:t>
+              <a:t>Read the specifications and our comprehensive authorization guide @ code.cerner.com</a:t>
+            </a:r>
+          </a:p>
+          <a:p>
+            <a:pPr algn="ctr"/>
+            <a:endParaRPr lang="en-US" sz="3200" dirty="0"/>
+          </a:p>
+          <a:p>
+            <a:pPr algn="ctr"/>
+            <a:r>
+              <a:rPr lang="en-US" sz="3200" dirty="0"/>
+              <a:t>Updated guide and specifications to be published soon.</a:t>
             </a:r>
           </a:p>
         </p:txBody>
@@ -17485,7 +17569,7 @@
     </p:spTree>
     <p:extLst>
       <p:ext uri="{BB962C8B-B14F-4D97-AF65-F5344CB8AC3E}">
-        <p14:creationId xmlns:p14="http://schemas.microsoft.com/office/powerpoint/2010/main" val="175728855"/>
+        <p14:creationId xmlns:p14="http://schemas.microsoft.com/office/powerpoint/2010/main" val="1057774442"/>
       </p:ext>
     </p:extLst>
   </p:cSld>
@@ -17520,8 +17604,8 @@
         </p:nvSpPr>
         <p:spPr>
           <a:xfrm>
-            <a:off x="457200" y="1257123"/>
-            <a:ext cx="8153400" cy="2677656"/>
+            <a:off x="457200" y="2303563"/>
+            <a:ext cx="8153400" cy="584775"/>
           </a:xfrm>
           <a:prstGeom prst="rect">
             <a:avLst/>
@@ -17537,47 +17621,15 @@
             <a:pPr algn="ctr"/>
             <a:r>
               <a:rPr lang="en-US" sz="3200" dirty="0"/>
-              <a:t>Stay Up to Date With Industry Changes</a:t>
-            </a:r>
-          </a:p>
-          <a:p>
-            <a:pPr algn="ctr"/>
-            <a:endParaRPr lang="en-US" sz="3200" dirty="0"/>
-          </a:p>
-          <a:p>
-            <a:pPr algn="ctr"/>
-            <a:r>
-              <a:rPr lang="en-US" sz="2400" dirty="0">
-                <a:hlinkClick r:id="rId3"/>
-              </a:rPr>
-              <a:t>https://groups.google.com/d/forum/smart-on-fhir</a:t>
-            </a:r>
-            <a:endParaRPr lang="en-US" sz="2400" dirty="0"/>
-          </a:p>
-          <a:p>
-            <a:pPr algn="ctr"/>
-            <a:r>
-              <a:rPr lang="en-US" sz="2400" dirty="0">
-                <a:hlinkClick r:id="rId4"/>
-              </a:rPr>
-              <a:t>https://tools.ietf.org/wg/oauth/</a:t>
-            </a:r>
-            <a:endParaRPr lang="en-US" sz="2400" dirty="0"/>
-          </a:p>
-          <a:p>
-            <a:pPr algn="ctr"/>
-            <a:endParaRPr lang="en-US" sz="2400" dirty="0"/>
-          </a:p>
-          <a:p>
-            <a:pPr algn="ctr"/>
-            <a:endParaRPr lang="en-US" sz="3200" dirty="0"/>
+              <a:t>Create a Threat Model for your Application</a:t>
+            </a:r>
           </a:p>
         </p:txBody>
       </p:sp>
     </p:spTree>
     <p:extLst>
       <p:ext uri="{BB962C8B-B14F-4D97-AF65-F5344CB8AC3E}">
-        <p14:creationId xmlns:p14="http://schemas.microsoft.com/office/powerpoint/2010/main" val="2145059214"/>
+        <p14:creationId xmlns:p14="http://schemas.microsoft.com/office/powerpoint/2010/main" val="175728855"/>
       </p:ext>
     </p:extLst>
   </p:cSld>
@@ -17612,8 +17664,8 @@
         </p:nvSpPr>
         <p:spPr>
           <a:xfrm>
-            <a:off x="457200" y="2303563"/>
-            <a:ext cx="8153400" cy="584775"/>
+            <a:off x="457200" y="1257123"/>
+            <a:ext cx="8153400" cy="2677656"/>
           </a:xfrm>
           <a:prstGeom prst="rect">
             <a:avLst/>
@@ -17629,15 +17681,47 @@
             <a:pPr algn="ctr"/>
             <a:r>
               <a:rPr lang="en-US" sz="3200" dirty="0"/>
-              <a:t>Q&amp;A</a:t>
-            </a:r>
+              <a:t>Stay Up to Date With Industry Changes</a:t>
+            </a:r>
+          </a:p>
+          <a:p>
+            <a:pPr algn="ctr"/>
+            <a:endParaRPr lang="en-US" sz="3200" dirty="0"/>
+          </a:p>
+          <a:p>
+            <a:pPr algn="ctr"/>
+            <a:r>
+              <a:rPr lang="en-US" sz="2400" dirty="0">
+                <a:hlinkClick r:id="rId3"/>
+              </a:rPr>
+              <a:t>https://groups.google.com/d/forum/smart-on-fhir</a:t>
+            </a:r>
+            <a:endParaRPr lang="en-US" sz="2400" dirty="0"/>
+          </a:p>
+          <a:p>
+            <a:pPr algn="ctr"/>
+            <a:r>
+              <a:rPr lang="en-US" sz="2400" dirty="0">
+                <a:hlinkClick r:id="rId4"/>
+              </a:rPr>
+              <a:t>https://tools.ietf.org/wg/oauth/</a:t>
+            </a:r>
+            <a:endParaRPr lang="en-US" sz="2400" dirty="0"/>
+          </a:p>
+          <a:p>
+            <a:pPr algn="ctr"/>
+            <a:endParaRPr lang="en-US" sz="2400" dirty="0"/>
+          </a:p>
+          <a:p>
+            <a:pPr algn="ctr"/>
+            <a:endParaRPr lang="en-US" sz="3200" dirty="0"/>
           </a:p>
         </p:txBody>
       </p:sp>
     </p:spTree>
     <p:extLst>
       <p:ext uri="{BB962C8B-B14F-4D97-AF65-F5344CB8AC3E}">
-        <p14:creationId xmlns:p14="http://schemas.microsoft.com/office/powerpoint/2010/main" val="2838252455"/>
+        <p14:creationId xmlns:p14="http://schemas.microsoft.com/office/powerpoint/2010/main" val="2145059214"/>
       </p:ext>
     </p:extLst>
   </p:cSld>
@@ -17666,20 +17750,14 @@
       </p:grpSpPr>
       <p:sp>
         <p:nvSpPr>
-          <p:cNvPr id="2" name="TextBox 1">
-            <a:extLst>
-              <a:ext uri="{FF2B5EF4-FFF2-40B4-BE49-F238E27FC236}">
-                <a16:creationId xmlns:a16="http://schemas.microsoft.com/office/drawing/2014/main" id="{5694C23D-6155-44E1-87DF-372DC2C160A4}"/>
-              </a:ext>
-            </a:extLst>
-          </p:cNvPr>
+          <p:cNvPr id="2" name="TextBox 1"/>
           <p:cNvSpPr txBox="1"/>
           <p:nvPr/>
         </p:nvSpPr>
         <p:spPr>
           <a:xfrm>
-            <a:off x="457200" y="1441789"/>
-            <a:ext cx="8153400" cy="2308324"/>
+            <a:off x="457200" y="2303563"/>
+            <a:ext cx="8153400" cy="584775"/>
           </a:xfrm>
           <a:prstGeom prst="rect">
             <a:avLst/>
@@ -17695,33 +17773,15 @@
             <a:pPr algn="ctr"/>
             <a:r>
               <a:rPr lang="en-US" sz="3200" dirty="0"/>
-              <a:t>OAuth Lab</a:t>
-            </a:r>
-          </a:p>
-          <a:p>
-            <a:pPr algn="ctr"/>
-            <a:endParaRPr lang="en-US" sz="3200" dirty="0"/>
-          </a:p>
-          <a:p>
-            <a:pPr algn="ctr"/>
-            <a:r>
-              <a:rPr lang="en-US" sz="2400" dirty="0">
-                <a:hlinkClick r:id="rId2"/>
-              </a:rPr>
-              <a:t>https://github.com/cerner/code-learning-lab/tree/main/authorization</a:t>
-            </a:r>
-            <a:endParaRPr lang="en-US" sz="2400" dirty="0"/>
-          </a:p>
-          <a:p>
-            <a:pPr algn="ctr"/>
-            <a:endParaRPr lang="en-US" sz="3200" dirty="0"/>
+              <a:t>Q&amp;A</a:t>
+            </a:r>
           </a:p>
         </p:txBody>
       </p:sp>
     </p:spTree>
     <p:extLst>
       <p:ext uri="{BB962C8B-B14F-4D97-AF65-F5344CB8AC3E}">
-        <p14:creationId xmlns:p14="http://schemas.microsoft.com/office/powerpoint/2010/main" val="1611237568"/>
+        <p14:creationId xmlns:p14="http://schemas.microsoft.com/office/powerpoint/2010/main" val="2838252455"/>
       </p:ext>
     </p:extLst>
   </p:cSld>

--- a/smart-authorization-presentation.pptx
+++ b/smart-authorization-presentation.pptx
@@ -6,7 +6,7 @@
     <p:sldMasterId id="2147483660" r:id="rId2"/>
   </p:sldMasterIdLst>
   <p:notesMasterIdLst>
-    <p:notesMasterId r:id="rId139"/>
+    <p:notesMasterId r:id="rId138"/>
   </p:notesMasterIdLst>
   <p:sldIdLst>
     <p:sldId id="396" r:id="rId3"/>
@@ -139,12 +139,11 @@
     <p:sldId id="337" r:id="rId130"/>
     <p:sldId id="338" r:id="rId131"/>
     <p:sldId id="339" r:id="rId132"/>
-    <p:sldId id="333" r:id="rId133"/>
-    <p:sldId id="326" r:id="rId134"/>
-    <p:sldId id="391" r:id="rId135"/>
-    <p:sldId id="327" r:id="rId136"/>
-    <p:sldId id="328" r:id="rId137"/>
-    <p:sldId id="390" r:id="rId138"/>
+    <p:sldId id="326" r:id="rId133"/>
+    <p:sldId id="391" r:id="rId134"/>
+    <p:sldId id="327" r:id="rId135"/>
+    <p:sldId id="328" r:id="rId136"/>
+    <p:sldId id="390" r:id="rId137"/>
   </p:sldIdLst>
   <p:sldSz cx="9144000" cy="5143500" type="screen16x9"/>
   <p:notesSz cx="6858000" cy="9144000"/>
@@ -359,7 +358,7 @@
           <a:p>
             <a:fld id="{5943B5BA-8FE1-4769-B5B1-BD8C362CA2D3}" type="datetimeFigureOut">
               <a:rPr lang="en-US" smtClean="0"/>
-              <a:t>4/26/2022</a:t>
+              <a:t>4/28/2022</a:t>
             </a:fld>
             <a:endParaRPr lang="en-US"/>
           </a:p>
@@ -8222,14 +8221,7 @@
           <a:bodyPr/>
           <a:lstStyle/>
           <a:p>
-            <a:r>
-              <a:rPr lang="en-US" dirty="0"/>
-              <a:t>Similar to the user authorization workflow, fetch the FHIR Conformance document and retrieve the “token</a:t>
-            </a:r>
-            <a:r>
-              <a:rPr lang="en-US"/>
-              <a:t>” endpoint.</a:t>
-            </a:r>
+            <a:endParaRPr lang="en-US" dirty="0"/>
           </a:p>
         </p:txBody>
       </p:sp>
@@ -8259,7 +8251,7 @@
     </p:spTree>
     <p:extLst>
       <p:ext uri="{BB962C8B-B14F-4D97-AF65-F5344CB8AC3E}">
-        <p14:creationId xmlns:p14="http://schemas.microsoft.com/office/powerpoint/2010/main" val="581380717"/>
+        <p14:creationId xmlns:p14="http://schemas.microsoft.com/office/powerpoint/2010/main" val="3275023001"/>
       </p:ext>
     </p:extLst>
   </p:cSld>
@@ -8318,6 +8310,14 @@
           <a:bodyPr/>
           <a:lstStyle/>
           <a:p>
+            <a:r>
+              <a:rPr lang="en-US" dirty="0"/>
+              <a:t>Our authorization guide has more</a:t>
+            </a:r>
+            <a:r>
+              <a:rPr lang="en-US" baseline="0" dirty="0"/>
+              <a:t> comprehensive guidance on many topics, including many of the special use cases we briefly touched on today, such as OpenID Connect.  We encourage you to read these guides, as well as the underlying specifications to become more acquainted with the security models in use.</a:t>
+            </a:r>
             <a:endParaRPr lang="en-US" dirty="0"/>
           </a:p>
         </p:txBody>
@@ -8409,11 +8409,19 @@
           <a:p>
             <a:r>
               <a:rPr lang="en-US" dirty="0"/>
-              <a:t>Our authorization guide has more</a:t>
+              <a:t>Understanding the specifications and our guidance will help you in</a:t>
             </a:r>
             <a:r>
               <a:rPr lang="en-US" baseline="0" dirty="0"/>
-              <a:t> comprehensive guidance on many topics, including many of the special use cases we briefly touched on today, such as OpenID Connect.  We encourage you to read these guides, as well as the underlying specifications to become more acquainted with the security models in use.</a:t>
+              <a:t> c</a:t>
+            </a:r>
+            <a:r>
+              <a:rPr lang="en-US" dirty="0"/>
+              <a:t>reating a threat model for your</a:t>
+            </a:r>
+            <a:r>
+              <a:rPr lang="en-US" baseline="0" dirty="0"/>
+              <a:t> application; doing so can help you to identify where your risks are, and help advise end users and/or organizations as to how to best protect themselves.</a:t>
             </a:r>
             <a:endParaRPr lang="en-US" dirty="0"/>
           </a:p>
@@ -8506,19 +8514,11 @@
           <a:p>
             <a:r>
               <a:rPr lang="en-US" dirty="0"/>
-              <a:t>Understanding the specifications and our guidance will help you in</a:t>
+              <a:t>The</a:t>
             </a:r>
             <a:r>
               <a:rPr lang="en-US" baseline="0" dirty="0"/>
-              <a:t> c</a:t>
-            </a:r>
-            <a:r>
-              <a:rPr lang="en-US" dirty="0"/>
-              <a:t>reating a threat model for your</a:t>
-            </a:r>
-            <a:r>
-              <a:rPr lang="en-US" baseline="0" dirty="0"/>
-              <a:t> application; doing so can help you to identify where your risks are, and help advise end users and/or organizations as to how to best protect themselves.</a:t>
+              <a:t> OAuth2 framework is a relatively new security framework in the web industry, and relies heavily on the behaviors of user agents (browsers) and operating systems.  As this is an area that is rapidly evolving, new risks and threats may emerge that could require changes to your application to remain secure.  Staying connected with the OAuth2 and SMART on FHIR communities are the best way to ensure your application remains secure and functional.</a:t>
             </a:r>
             <a:endParaRPr lang="en-US" dirty="0"/>
           </a:p>
@@ -8609,14 +8609,6 @@
           <a:bodyPr/>
           <a:lstStyle/>
           <a:p>
-            <a:r>
-              <a:rPr lang="en-US" dirty="0"/>
-              <a:t>The</a:t>
-            </a:r>
-            <a:r>
-              <a:rPr lang="en-US" baseline="0" dirty="0"/>
-              <a:t> OAuth2 framework is a relatively new security framework in the web industry, and relies heavily on the behaviors of user agents (browsers) and operating systems.  As this is an area that is rapidly evolving, new risks and threats may emerge that could require changes to your application to remain secure.  Staying connected with the OAuth2 and SMART on FHIR communities are the best way to ensure your application remains secure and functional.</a:t>
-            </a:r>
             <a:endParaRPr lang="en-US" dirty="0"/>
           </a:p>
         </p:txBody>
@@ -8639,95 +8631,6 @@
             <a:fld id="{6B689994-7BD6-4410-875F-2CADCD92BFF6}" type="slidenum">
               <a:rPr lang="en-US" smtClean="0"/>
               <a:t>135</a:t>
-            </a:fld>
-            <a:endParaRPr lang="en-US"/>
-          </a:p>
-        </p:txBody>
-      </p:sp>
-    </p:spTree>
-    <p:extLst>
-      <p:ext uri="{BB962C8B-B14F-4D97-AF65-F5344CB8AC3E}">
-        <p14:creationId xmlns:p14="http://schemas.microsoft.com/office/powerpoint/2010/main" val="3275023001"/>
-      </p:ext>
-    </p:extLst>
-  </p:cSld>
-  <p:clrMapOvr>
-    <a:masterClrMapping/>
-  </p:clrMapOvr>
-</p:notes>
-</file>
-
-<file path=ppt/notesSlides/notesSlide86.xml><?xml version="1.0" encoding="utf-8"?>
-<p:notes xmlns:a="http://schemas.openxmlformats.org/drawingml/2006/main" xmlns:r="http://schemas.openxmlformats.org/officeDocument/2006/relationships" xmlns:p="http://schemas.openxmlformats.org/presentationml/2006/main">
-  <p:cSld>
-    <p:spTree>
-      <p:nvGrpSpPr>
-        <p:cNvPr id="1" name=""/>
-        <p:cNvGrpSpPr/>
-        <p:nvPr/>
-      </p:nvGrpSpPr>
-      <p:grpSpPr>
-        <a:xfrm>
-          <a:off x="0" y="0"/>
-          <a:ext cx="0" cy="0"/>
-          <a:chOff x="0" y="0"/>
-          <a:chExt cx="0" cy="0"/>
-        </a:xfrm>
-      </p:grpSpPr>
-      <p:sp>
-        <p:nvSpPr>
-          <p:cNvPr id="2" name="Slide Image Placeholder 1"/>
-          <p:cNvSpPr>
-            <a:spLocks noGrp="1" noRot="1" noChangeAspect="1"/>
-          </p:cNvSpPr>
-          <p:nvPr>
-            <p:ph type="sldImg"/>
-          </p:nvPr>
-        </p:nvSpPr>
-        <p:spPr>
-          <a:xfrm>
-            <a:off x="381000" y="685800"/>
-            <a:ext cx="6096000" cy="3429000"/>
-          </a:xfrm>
-        </p:spPr>
-      </p:sp>
-      <p:sp>
-        <p:nvSpPr>
-          <p:cNvPr id="3" name="Notes Placeholder 2"/>
-          <p:cNvSpPr>
-            <a:spLocks noGrp="1"/>
-          </p:cNvSpPr>
-          <p:nvPr>
-            <p:ph type="body" idx="1"/>
-          </p:nvPr>
-        </p:nvSpPr>
-        <p:spPr/>
-        <p:txBody>
-          <a:bodyPr/>
-          <a:lstStyle/>
-          <a:p>
-            <a:endParaRPr lang="en-US" dirty="0"/>
-          </a:p>
-        </p:txBody>
-      </p:sp>
-      <p:sp>
-        <p:nvSpPr>
-          <p:cNvPr id="4" name="Slide Number Placeholder 3"/>
-          <p:cNvSpPr>
-            <a:spLocks noGrp="1"/>
-          </p:cNvSpPr>
-          <p:nvPr>
-            <p:ph type="sldNum" sz="quarter" idx="10"/>
-          </p:nvPr>
-        </p:nvSpPr>
-        <p:spPr/>
-        <p:txBody>
-          <a:bodyPr/>
-          <a:lstStyle/>
-          <a:p>
-            <a:fld id="{6B689994-7BD6-4410-875F-2CADCD92BFF6}" type="slidenum">
-              <a:rPr lang="en-US" smtClean="0"/>
-              <a:t>136</a:t>
             </a:fld>
             <a:endParaRPr lang="en-US"/>
           </a:p>
@@ -9022,7 +8925,7 @@
           <a:p>
             <a:fld id="{DC509093-0A88-4CE0-881F-99629760210A}" type="datetimeFigureOut">
               <a:rPr lang="en-US" smtClean="0"/>
-              <a:t>4/26/2022</a:t>
+              <a:t>4/28/2022</a:t>
             </a:fld>
             <a:endParaRPr lang="en-US"/>
           </a:p>
@@ -9190,7 +9093,7 @@
           <a:p>
             <a:fld id="{DC509093-0A88-4CE0-881F-99629760210A}" type="datetimeFigureOut">
               <a:rPr lang="en-US" smtClean="0"/>
-              <a:t>4/26/2022</a:t>
+              <a:t>4/28/2022</a:t>
             </a:fld>
             <a:endParaRPr lang="en-US"/>
           </a:p>
@@ -9368,7 +9271,7 @@
           <a:p>
             <a:fld id="{DC509093-0A88-4CE0-881F-99629760210A}" type="datetimeFigureOut">
               <a:rPr lang="en-US" smtClean="0"/>
-              <a:t>4/26/2022</a:t>
+              <a:t>4/28/2022</a:t>
             </a:fld>
             <a:endParaRPr lang="en-US"/>
           </a:p>
@@ -10636,7 +10539,7 @@
           <a:p>
             <a:fld id="{DC509093-0A88-4CE0-881F-99629760210A}" type="datetimeFigureOut">
               <a:rPr lang="en-US" smtClean="0"/>
-              <a:t>4/26/2022</a:t>
+              <a:t>4/28/2022</a:t>
             </a:fld>
             <a:endParaRPr lang="en-US"/>
           </a:p>
@@ -11650,7 +11553,7 @@
           <a:p>
             <a:fld id="{DC509093-0A88-4CE0-881F-99629760210A}" type="datetimeFigureOut">
               <a:rPr lang="en-US" smtClean="0"/>
-              <a:t>4/26/2022</a:t>
+              <a:t>4/28/2022</a:t>
             </a:fld>
             <a:endParaRPr lang="en-US"/>
           </a:p>
@@ -11935,7 +11838,7 @@
           <a:p>
             <a:fld id="{DC509093-0A88-4CE0-881F-99629760210A}" type="datetimeFigureOut">
               <a:rPr lang="en-US" smtClean="0"/>
-              <a:t>4/26/2022</a:t>
+              <a:t>4/28/2022</a:t>
             </a:fld>
             <a:endParaRPr lang="en-US"/>
           </a:p>
@@ -12354,7 +12257,7 @@
           <a:p>
             <a:fld id="{DC509093-0A88-4CE0-881F-99629760210A}" type="datetimeFigureOut">
               <a:rPr lang="en-US" smtClean="0"/>
-              <a:t>4/26/2022</a:t>
+              <a:t>4/28/2022</a:t>
             </a:fld>
             <a:endParaRPr lang="en-US"/>
           </a:p>
@@ -12471,7 +12374,7 @@
           <a:p>
             <a:fld id="{DC509093-0A88-4CE0-881F-99629760210A}" type="datetimeFigureOut">
               <a:rPr lang="en-US" smtClean="0"/>
-              <a:t>4/26/2022</a:t>
+              <a:t>4/28/2022</a:t>
             </a:fld>
             <a:endParaRPr lang="en-US"/>
           </a:p>
@@ -12566,7 +12469,7 @@
           <a:p>
             <a:fld id="{DC509093-0A88-4CE0-881F-99629760210A}" type="datetimeFigureOut">
               <a:rPr lang="en-US" smtClean="0"/>
-              <a:t>4/26/2022</a:t>
+              <a:t>4/28/2022</a:t>
             </a:fld>
             <a:endParaRPr lang="en-US"/>
           </a:p>
@@ -12841,7 +12744,7 @@
           <a:p>
             <a:fld id="{DC509093-0A88-4CE0-881F-99629760210A}" type="datetimeFigureOut">
               <a:rPr lang="en-US" smtClean="0"/>
-              <a:t>4/26/2022</a:t>
+              <a:t>4/28/2022</a:t>
             </a:fld>
             <a:endParaRPr lang="en-US"/>
           </a:p>
@@ -13093,7 +12996,7 @@
           <a:p>
             <a:fld id="{DC509093-0A88-4CE0-881F-99629760210A}" type="datetimeFigureOut">
               <a:rPr lang="en-US" smtClean="0"/>
-              <a:t>4/26/2022</a:t>
+              <a:t>4/28/2022</a:t>
             </a:fld>
             <a:endParaRPr lang="en-US"/>
           </a:p>
@@ -13304,7 +13207,7 @@
           <a:p>
             <a:fld id="{DC509093-0A88-4CE0-881F-99629760210A}" type="datetimeFigureOut">
               <a:rPr lang="en-US" smtClean="0"/>
-              <a:t>4/26/2022</a:t>
+              <a:t>4/28/2022</a:t>
             </a:fld>
             <a:endParaRPr lang="en-US"/>
           </a:p>
@@ -14413,7 +14316,7 @@
           <a:p>
             <a:r>
               <a:rPr lang="en-US" dirty="0"/>
-              <a:t>April 29th, 2022</a:t>
+              <a:t>April 28th, 2022</a:t>
             </a:r>
           </a:p>
         </p:txBody>
@@ -17409,8 +17312,8 @@
         </p:nvSpPr>
         <p:spPr>
           <a:xfrm>
-            <a:off x="457200" y="1811122"/>
-            <a:ext cx="8153400" cy="1569660"/>
+            <a:off x="457200" y="2303563"/>
+            <a:ext cx="8153400" cy="584775"/>
           </a:xfrm>
           <a:prstGeom prst="rect">
             <a:avLst/>
@@ -17425,12 +17328,8 @@
           <a:p>
             <a:pPr algn="ctr"/>
             <a:r>
-              <a:rPr lang="en-US" sz="3200" b="1" dirty="0"/>
-              <a:t>Note</a:t>
-            </a:r>
-            <a:r>
               <a:rPr lang="en-US" sz="3200" dirty="0"/>
-              <a:t>:  Few Cerner FHIR® services currently support direct access via client credentials grant.  Additional support is coming in 2017.</a:t>
+              <a:t>Other Recommendations</a:t>
             </a:r>
           </a:p>
         </p:txBody>
@@ -17438,7 +17337,7 @@
     </p:spTree>
     <p:extLst>
       <p:ext uri="{BB962C8B-B14F-4D97-AF65-F5344CB8AC3E}">
-        <p14:creationId xmlns:p14="http://schemas.microsoft.com/office/powerpoint/2010/main" val="3727043706"/>
+        <p14:creationId xmlns:p14="http://schemas.microsoft.com/office/powerpoint/2010/main" val="3470733078"/>
       </p:ext>
     </p:extLst>
   </p:cSld>
@@ -17473,8 +17372,8 @@
         </p:nvSpPr>
         <p:spPr>
           <a:xfrm>
-            <a:off x="457200" y="2303563"/>
-            <a:ext cx="8153400" cy="584775"/>
+            <a:off x="469900" y="1318678"/>
+            <a:ext cx="8153400" cy="2554545"/>
           </a:xfrm>
           <a:prstGeom prst="rect">
             <a:avLst/>
@@ -17490,7 +17389,18 @@
             <a:pPr algn="ctr"/>
             <a:r>
               <a:rPr lang="en-US" sz="3200" dirty="0"/>
-              <a:t>Other Recommendations</a:t>
+              <a:t>Read the specifications and our comprehensive authorization guide @ fhir.cerner.com</a:t>
+            </a:r>
+          </a:p>
+          <a:p>
+            <a:pPr algn="ctr"/>
+            <a:endParaRPr lang="en-US" sz="3200" dirty="0"/>
+          </a:p>
+          <a:p>
+            <a:pPr algn="ctr"/>
+            <a:r>
+              <a:rPr lang="en-US" sz="3200" dirty="0"/>
+              <a:t>Updated guide and specifications to be published soon.</a:t>
             </a:r>
           </a:p>
         </p:txBody>
@@ -17498,7 +17408,7 @@
     </p:spTree>
     <p:extLst>
       <p:ext uri="{BB962C8B-B14F-4D97-AF65-F5344CB8AC3E}">
-        <p14:creationId xmlns:p14="http://schemas.microsoft.com/office/powerpoint/2010/main" val="3470733078"/>
+        <p14:creationId xmlns:p14="http://schemas.microsoft.com/office/powerpoint/2010/main" val="1057774442"/>
       </p:ext>
     </p:extLst>
   </p:cSld>
@@ -17533,8 +17443,8 @@
         </p:nvSpPr>
         <p:spPr>
           <a:xfrm>
-            <a:off x="469900" y="1318678"/>
-            <a:ext cx="8153400" cy="2554545"/>
+            <a:off x="457200" y="2303563"/>
+            <a:ext cx="8153400" cy="584775"/>
           </a:xfrm>
           <a:prstGeom prst="rect">
             <a:avLst/>
@@ -17550,18 +17460,7 @@
             <a:pPr algn="ctr"/>
             <a:r>
               <a:rPr lang="en-US" sz="3200" dirty="0"/>
-              <a:t>Read the specifications and our comprehensive authorization guide @ code.cerner.com</a:t>
-            </a:r>
-          </a:p>
-          <a:p>
-            <a:pPr algn="ctr"/>
-            <a:endParaRPr lang="en-US" sz="3200" dirty="0"/>
-          </a:p>
-          <a:p>
-            <a:pPr algn="ctr"/>
-            <a:r>
-              <a:rPr lang="en-US" sz="3200" dirty="0"/>
-              <a:t>Updated guide and specifications to be published soon.</a:t>
+              <a:t>Create a Threat Model for your Application</a:t>
             </a:r>
           </a:p>
         </p:txBody>
@@ -17569,7 +17468,7 @@
     </p:spTree>
     <p:extLst>
       <p:ext uri="{BB962C8B-B14F-4D97-AF65-F5344CB8AC3E}">
-        <p14:creationId xmlns:p14="http://schemas.microsoft.com/office/powerpoint/2010/main" val="1057774442"/>
+        <p14:creationId xmlns:p14="http://schemas.microsoft.com/office/powerpoint/2010/main" val="175728855"/>
       </p:ext>
     </p:extLst>
   </p:cSld>
@@ -17604,66 +17503,6 @@
         </p:nvSpPr>
         <p:spPr>
           <a:xfrm>
-            <a:off x="457200" y="2303563"/>
-            <a:ext cx="8153400" cy="584775"/>
-          </a:xfrm>
-          <a:prstGeom prst="rect">
-            <a:avLst/>
-          </a:prstGeom>
-          <a:noFill/>
-        </p:spPr>
-        <p:txBody>
-          <a:bodyPr wrap="square" rtlCol="0" anchor="ctr">
-            <a:spAutoFit/>
-          </a:bodyPr>
-          <a:lstStyle/>
-          <a:p>
-            <a:pPr algn="ctr"/>
-            <a:r>
-              <a:rPr lang="en-US" sz="3200" dirty="0"/>
-              <a:t>Create a Threat Model for your Application</a:t>
-            </a:r>
-          </a:p>
-        </p:txBody>
-      </p:sp>
-    </p:spTree>
-    <p:extLst>
-      <p:ext uri="{BB962C8B-B14F-4D97-AF65-F5344CB8AC3E}">
-        <p14:creationId xmlns:p14="http://schemas.microsoft.com/office/powerpoint/2010/main" val="175728855"/>
-      </p:ext>
-    </p:extLst>
-  </p:cSld>
-  <p:clrMapOvr>
-    <a:masterClrMapping/>
-  </p:clrMapOvr>
-</p:sld>
-</file>
-
-<file path=ppt/slides/slide135.xml><?xml version="1.0" encoding="utf-8"?>
-<p:sld xmlns:a="http://schemas.openxmlformats.org/drawingml/2006/main" xmlns:r="http://schemas.openxmlformats.org/officeDocument/2006/relationships" xmlns:p="http://schemas.openxmlformats.org/presentationml/2006/main">
-  <p:cSld>
-    <p:spTree>
-      <p:nvGrpSpPr>
-        <p:cNvPr id="1" name=""/>
-        <p:cNvGrpSpPr/>
-        <p:nvPr/>
-      </p:nvGrpSpPr>
-      <p:grpSpPr>
-        <a:xfrm>
-          <a:off x="0" y="0"/>
-          <a:ext cx="0" cy="0"/>
-          <a:chOff x="0" y="0"/>
-          <a:chExt cx="0" cy="0"/>
-        </a:xfrm>
-      </p:grpSpPr>
-      <p:sp>
-        <p:nvSpPr>
-          <p:cNvPr id="2" name="TextBox 1"/>
-          <p:cNvSpPr txBox="1"/>
-          <p:nvPr/>
-        </p:nvSpPr>
-        <p:spPr>
-          <a:xfrm>
             <a:off x="457200" y="1257123"/>
             <a:ext cx="8153400" cy="2677656"/>
           </a:xfrm>
@@ -17731,7 +17570,7 @@
 </p:sld>
 </file>
 
-<file path=ppt/slides/slide136.xml><?xml version="1.0" encoding="utf-8"?>
+<file path=ppt/slides/slide135.xml><?xml version="1.0" encoding="utf-8"?>
 <p:sld xmlns:a="http://schemas.openxmlformats.org/drawingml/2006/main" xmlns:r="http://schemas.openxmlformats.org/officeDocument/2006/relationships" xmlns:p="http://schemas.openxmlformats.org/presentationml/2006/main">
   <p:cSld>
     <p:spTree>
@@ -23429,8 +23268,8 @@
         </p:nvSpPr>
         <p:spPr>
           <a:xfrm>
-            <a:off x="457200" y="1318679"/>
-            <a:ext cx="8153400" cy="2554545"/>
+            <a:off x="457200" y="1072458"/>
+            <a:ext cx="8153400" cy="3046988"/>
           </a:xfrm>
           <a:prstGeom prst="rect">
             <a:avLst/>
@@ -23450,7 +23289,7 @@
             </a:r>
             <a:r>
               <a:rPr lang="en-US" sz="3200" dirty="0" err="1"/>
-              <a:t>MedicationHistory.read</a:t>
+              <a:t>MedicationRequest.read</a:t>
             </a:r>
             <a:endParaRPr lang="en-US" sz="3200" dirty="0"/>
           </a:p>
@@ -23530,7 +23369,7 @@
             <a:pPr algn="ctr"/>
             <a:r>
               <a:rPr lang="en-US" sz="3200" dirty="0"/>
-              <a:t>Example Scope #3: user/Immunizations.*</a:t>
+              <a:t>Example Scope #3: user/Immunization.*</a:t>
             </a:r>
           </a:p>
           <a:p>

--- a/smart-authorization-presentation.pptx
+++ b/smart-authorization-presentation.pptx
@@ -358,7 +358,7 @@
           <a:p>
             <a:fld id="{5943B5BA-8FE1-4769-B5B1-BD8C362CA2D3}" type="datetimeFigureOut">
               <a:rPr lang="en-US" smtClean="0"/>
-              <a:t>4/28/2022</a:t>
+              <a:t>6/25/2022</a:t>
             </a:fld>
             <a:endParaRPr lang="en-US"/>
           </a:p>
@@ -8925,7 +8925,7 @@
           <a:p>
             <a:fld id="{DC509093-0A88-4CE0-881F-99629760210A}" type="datetimeFigureOut">
               <a:rPr lang="en-US" smtClean="0"/>
-              <a:t>4/28/2022</a:t>
+              <a:t>6/25/2022</a:t>
             </a:fld>
             <a:endParaRPr lang="en-US"/>
           </a:p>
@@ -9093,7 +9093,7 @@
           <a:p>
             <a:fld id="{DC509093-0A88-4CE0-881F-99629760210A}" type="datetimeFigureOut">
               <a:rPr lang="en-US" smtClean="0"/>
-              <a:t>4/28/2022</a:t>
+              <a:t>6/25/2022</a:t>
             </a:fld>
             <a:endParaRPr lang="en-US"/>
           </a:p>
@@ -9271,7 +9271,7 @@
           <a:p>
             <a:fld id="{DC509093-0A88-4CE0-881F-99629760210A}" type="datetimeFigureOut">
               <a:rPr lang="en-US" smtClean="0"/>
-              <a:t>4/28/2022</a:t>
+              <a:t>6/25/2022</a:t>
             </a:fld>
             <a:endParaRPr lang="en-US"/>
           </a:p>
@@ -10539,7 +10539,7 @@
           <a:p>
             <a:fld id="{DC509093-0A88-4CE0-881F-99629760210A}" type="datetimeFigureOut">
               <a:rPr lang="en-US" smtClean="0"/>
-              <a:t>4/28/2022</a:t>
+              <a:t>6/25/2022</a:t>
             </a:fld>
             <a:endParaRPr lang="en-US"/>
           </a:p>
@@ -11553,7 +11553,7 @@
           <a:p>
             <a:fld id="{DC509093-0A88-4CE0-881F-99629760210A}" type="datetimeFigureOut">
               <a:rPr lang="en-US" smtClean="0"/>
-              <a:t>4/28/2022</a:t>
+              <a:t>6/25/2022</a:t>
             </a:fld>
             <a:endParaRPr lang="en-US"/>
           </a:p>
@@ -11838,7 +11838,7 @@
           <a:p>
             <a:fld id="{DC509093-0A88-4CE0-881F-99629760210A}" type="datetimeFigureOut">
               <a:rPr lang="en-US" smtClean="0"/>
-              <a:t>4/28/2022</a:t>
+              <a:t>6/25/2022</a:t>
             </a:fld>
             <a:endParaRPr lang="en-US"/>
           </a:p>
@@ -12257,7 +12257,7 @@
           <a:p>
             <a:fld id="{DC509093-0A88-4CE0-881F-99629760210A}" type="datetimeFigureOut">
               <a:rPr lang="en-US" smtClean="0"/>
-              <a:t>4/28/2022</a:t>
+              <a:t>6/25/2022</a:t>
             </a:fld>
             <a:endParaRPr lang="en-US"/>
           </a:p>
@@ -12374,7 +12374,7 @@
           <a:p>
             <a:fld id="{DC509093-0A88-4CE0-881F-99629760210A}" type="datetimeFigureOut">
               <a:rPr lang="en-US" smtClean="0"/>
-              <a:t>4/28/2022</a:t>
+              <a:t>6/25/2022</a:t>
             </a:fld>
             <a:endParaRPr lang="en-US"/>
           </a:p>
@@ -12469,7 +12469,7 @@
           <a:p>
             <a:fld id="{DC509093-0A88-4CE0-881F-99629760210A}" type="datetimeFigureOut">
               <a:rPr lang="en-US" smtClean="0"/>
-              <a:t>4/28/2022</a:t>
+              <a:t>6/25/2022</a:t>
             </a:fld>
             <a:endParaRPr lang="en-US"/>
           </a:p>
@@ -12744,7 +12744,7 @@
           <a:p>
             <a:fld id="{DC509093-0A88-4CE0-881F-99629760210A}" type="datetimeFigureOut">
               <a:rPr lang="en-US" smtClean="0"/>
-              <a:t>4/28/2022</a:t>
+              <a:t>6/25/2022</a:t>
             </a:fld>
             <a:endParaRPr lang="en-US"/>
           </a:p>
@@ -12996,7 +12996,7 @@
           <a:p>
             <a:fld id="{DC509093-0A88-4CE0-881F-99629760210A}" type="datetimeFigureOut">
               <a:rPr lang="en-US" smtClean="0"/>
-              <a:t>4/28/2022</a:t>
+              <a:t>6/25/2022</a:t>
             </a:fld>
             <a:endParaRPr lang="en-US"/>
           </a:p>
@@ -13207,7 +13207,7 @@
           <a:p>
             <a:fld id="{DC509093-0A88-4CE0-881F-99629760210A}" type="datetimeFigureOut">
               <a:rPr lang="en-US" smtClean="0"/>
-              <a:t>4/28/2022</a:t>
+              <a:t>6/25/2022</a:t>
             </a:fld>
             <a:endParaRPr lang="en-US"/>
           </a:p>
@@ -14315,8 +14315,12 @@
           <a:lstStyle/>
           <a:p>
             <a:r>
+              <a:rPr lang="en-US"/>
+              <a:t>June 29th</a:t>
+            </a:r>
+            <a:r>
               <a:rPr lang="en-US" dirty="0"/>
-              <a:t>April 28th, 2022</a:t>
+              <a:t>, 2022</a:t>
             </a:r>
           </a:p>
         </p:txBody>

--- a/smart-authorization-presentation.pptx
+++ b/smart-authorization-presentation.pptx
@@ -358,7 +358,7 @@
           <a:p>
             <a:fld id="{5943B5BA-8FE1-4769-B5B1-BD8C362CA2D3}" type="datetimeFigureOut">
               <a:rPr lang="en-US" smtClean="0"/>
-              <a:t>6/25/2022</a:t>
+              <a:t>7/17/2022</a:t>
             </a:fld>
             <a:endParaRPr lang="en-US"/>
           </a:p>
@@ -8925,7 +8925,7 @@
           <a:p>
             <a:fld id="{DC509093-0A88-4CE0-881F-99629760210A}" type="datetimeFigureOut">
               <a:rPr lang="en-US" smtClean="0"/>
-              <a:t>6/25/2022</a:t>
+              <a:t>7/17/2022</a:t>
             </a:fld>
             <a:endParaRPr lang="en-US"/>
           </a:p>
@@ -9093,7 +9093,7 @@
           <a:p>
             <a:fld id="{DC509093-0A88-4CE0-881F-99629760210A}" type="datetimeFigureOut">
               <a:rPr lang="en-US" smtClean="0"/>
-              <a:t>6/25/2022</a:t>
+              <a:t>7/17/2022</a:t>
             </a:fld>
             <a:endParaRPr lang="en-US"/>
           </a:p>
@@ -9271,7 +9271,7 @@
           <a:p>
             <a:fld id="{DC509093-0A88-4CE0-881F-99629760210A}" type="datetimeFigureOut">
               <a:rPr lang="en-US" smtClean="0"/>
-              <a:t>6/25/2022</a:t>
+              <a:t>7/17/2022</a:t>
             </a:fld>
             <a:endParaRPr lang="en-US"/>
           </a:p>
@@ -10539,7 +10539,7 @@
           <a:p>
             <a:fld id="{DC509093-0A88-4CE0-881F-99629760210A}" type="datetimeFigureOut">
               <a:rPr lang="en-US" smtClean="0"/>
-              <a:t>6/25/2022</a:t>
+              <a:t>7/17/2022</a:t>
             </a:fld>
             <a:endParaRPr lang="en-US"/>
           </a:p>
@@ -11553,7 +11553,7 @@
           <a:p>
             <a:fld id="{DC509093-0A88-4CE0-881F-99629760210A}" type="datetimeFigureOut">
               <a:rPr lang="en-US" smtClean="0"/>
-              <a:t>6/25/2022</a:t>
+              <a:t>7/17/2022</a:t>
             </a:fld>
             <a:endParaRPr lang="en-US"/>
           </a:p>
@@ -11838,7 +11838,7 @@
           <a:p>
             <a:fld id="{DC509093-0A88-4CE0-881F-99629760210A}" type="datetimeFigureOut">
               <a:rPr lang="en-US" smtClean="0"/>
-              <a:t>6/25/2022</a:t>
+              <a:t>7/17/2022</a:t>
             </a:fld>
             <a:endParaRPr lang="en-US"/>
           </a:p>
@@ -12257,7 +12257,7 @@
           <a:p>
             <a:fld id="{DC509093-0A88-4CE0-881F-99629760210A}" type="datetimeFigureOut">
               <a:rPr lang="en-US" smtClean="0"/>
-              <a:t>6/25/2022</a:t>
+              <a:t>7/17/2022</a:t>
             </a:fld>
             <a:endParaRPr lang="en-US"/>
           </a:p>
@@ -12374,7 +12374,7 @@
           <a:p>
             <a:fld id="{DC509093-0A88-4CE0-881F-99629760210A}" type="datetimeFigureOut">
               <a:rPr lang="en-US" smtClean="0"/>
-              <a:t>6/25/2022</a:t>
+              <a:t>7/17/2022</a:t>
             </a:fld>
             <a:endParaRPr lang="en-US"/>
           </a:p>
@@ -12469,7 +12469,7 @@
           <a:p>
             <a:fld id="{DC509093-0A88-4CE0-881F-99629760210A}" type="datetimeFigureOut">
               <a:rPr lang="en-US" smtClean="0"/>
-              <a:t>6/25/2022</a:t>
+              <a:t>7/17/2022</a:t>
             </a:fld>
             <a:endParaRPr lang="en-US"/>
           </a:p>
@@ -12744,7 +12744,7 @@
           <a:p>
             <a:fld id="{DC509093-0A88-4CE0-881F-99629760210A}" type="datetimeFigureOut">
               <a:rPr lang="en-US" smtClean="0"/>
-              <a:t>6/25/2022</a:t>
+              <a:t>7/17/2022</a:t>
             </a:fld>
             <a:endParaRPr lang="en-US"/>
           </a:p>
@@ -12996,7 +12996,7 @@
           <a:p>
             <a:fld id="{DC509093-0A88-4CE0-881F-99629760210A}" type="datetimeFigureOut">
               <a:rPr lang="en-US" smtClean="0"/>
-              <a:t>6/25/2022</a:t>
+              <a:t>7/17/2022</a:t>
             </a:fld>
             <a:endParaRPr lang="en-US"/>
           </a:p>
@@ -13207,7 +13207,7 @@
           <a:p>
             <a:fld id="{DC509093-0A88-4CE0-881F-99629760210A}" type="datetimeFigureOut">
               <a:rPr lang="en-US" smtClean="0"/>
-              <a:t>6/25/2022</a:t>
+              <a:t>7/17/2022</a:t>
             </a:fld>
             <a:endParaRPr lang="en-US"/>
           </a:p>
@@ -14316,7 +14316,7 @@
           <a:p>
             <a:r>
               <a:rPr lang="en-US"/>
-              <a:t>June 29th</a:t>
+              <a:t>July 20th</a:t>
             </a:r>
             <a:r>
               <a:rPr lang="en-US" dirty="0"/>

--- a/smart-authorization-presentation.pptx
+++ b/smart-authorization-presentation.pptx
@@ -358,7 +358,7 @@
           <a:p>
             <a:fld id="{5943B5BA-8FE1-4769-B5B1-BD8C362CA2D3}" type="datetimeFigureOut">
               <a:rPr lang="en-US" smtClean="0"/>
-              <a:t>7/17/2022</a:t>
+              <a:t>7/24/2022</a:t>
             </a:fld>
             <a:endParaRPr lang="en-US"/>
           </a:p>
@@ -8925,7 +8925,7 @@
           <a:p>
             <a:fld id="{DC509093-0A88-4CE0-881F-99629760210A}" type="datetimeFigureOut">
               <a:rPr lang="en-US" smtClean="0"/>
-              <a:t>7/17/2022</a:t>
+              <a:t>7/24/2022</a:t>
             </a:fld>
             <a:endParaRPr lang="en-US"/>
           </a:p>
@@ -9093,7 +9093,7 @@
           <a:p>
             <a:fld id="{DC509093-0A88-4CE0-881F-99629760210A}" type="datetimeFigureOut">
               <a:rPr lang="en-US" smtClean="0"/>
-              <a:t>7/17/2022</a:t>
+              <a:t>7/24/2022</a:t>
             </a:fld>
             <a:endParaRPr lang="en-US"/>
           </a:p>
@@ -9271,7 +9271,7 @@
           <a:p>
             <a:fld id="{DC509093-0A88-4CE0-881F-99629760210A}" type="datetimeFigureOut">
               <a:rPr lang="en-US" smtClean="0"/>
-              <a:t>7/17/2022</a:t>
+              <a:t>7/24/2022</a:t>
             </a:fld>
             <a:endParaRPr lang="en-US"/>
           </a:p>
@@ -10539,7 +10539,7 @@
           <a:p>
             <a:fld id="{DC509093-0A88-4CE0-881F-99629760210A}" type="datetimeFigureOut">
               <a:rPr lang="en-US" smtClean="0"/>
-              <a:t>7/17/2022</a:t>
+              <a:t>7/24/2022</a:t>
             </a:fld>
             <a:endParaRPr lang="en-US"/>
           </a:p>
@@ -11553,7 +11553,7 @@
           <a:p>
             <a:fld id="{DC509093-0A88-4CE0-881F-99629760210A}" type="datetimeFigureOut">
               <a:rPr lang="en-US" smtClean="0"/>
-              <a:t>7/17/2022</a:t>
+              <a:t>7/24/2022</a:t>
             </a:fld>
             <a:endParaRPr lang="en-US"/>
           </a:p>
@@ -11838,7 +11838,7 @@
           <a:p>
             <a:fld id="{DC509093-0A88-4CE0-881F-99629760210A}" type="datetimeFigureOut">
               <a:rPr lang="en-US" smtClean="0"/>
-              <a:t>7/17/2022</a:t>
+              <a:t>7/24/2022</a:t>
             </a:fld>
             <a:endParaRPr lang="en-US"/>
           </a:p>
@@ -12257,7 +12257,7 @@
           <a:p>
             <a:fld id="{DC509093-0A88-4CE0-881F-99629760210A}" type="datetimeFigureOut">
               <a:rPr lang="en-US" smtClean="0"/>
-              <a:t>7/17/2022</a:t>
+              <a:t>7/24/2022</a:t>
             </a:fld>
             <a:endParaRPr lang="en-US"/>
           </a:p>
@@ -12374,7 +12374,7 @@
           <a:p>
             <a:fld id="{DC509093-0A88-4CE0-881F-99629760210A}" type="datetimeFigureOut">
               <a:rPr lang="en-US" smtClean="0"/>
-              <a:t>7/17/2022</a:t>
+              <a:t>7/24/2022</a:t>
             </a:fld>
             <a:endParaRPr lang="en-US"/>
           </a:p>
@@ -12469,7 +12469,7 @@
           <a:p>
             <a:fld id="{DC509093-0A88-4CE0-881F-99629760210A}" type="datetimeFigureOut">
               <a:rPr lang="en-US" smtClean="0"/>
-              <a:t>7/17/2022</a:t>
+              <a:t>7/24/2022</a:t>
             </a:fld>
             <a:endParaRPr lang="en-US"/>
           </a:p>
@@ -12744,7 +12744,7 @@
           <a:p>
             <a:fld id="{DC509093-0A88-4CE0-881F-99629760210A}" type="datetimeFigureOut">
               <a:rPr lang="en-US" smtClean="0"/>
-              <a:t>7/17/2022</a:t>
+              <a:t>7/24/2022</a:t>
             </a:fld>
             <a:endParaRPr lang="en-US"/>
           </a:p>
@@ -12996,7 +12996,7 @@
           <a:p>
             <a:fld id="{DC509093-0A88-4CE0-881F-99629760210A}" type="datetimeFigureOut">
               <a:rPr lang="en-US" smtClean="0"/>
-              <a:t>7/17/2022</a:t>
+              <a:t>7/24/2022</a:t>
             </a:fld>
             <a:endParaRPr lang="en-US"/>
           </a:p>
@@ -13207,7 +13207,7 @@
           <a:p>
             <a:fld id="{DC509093-0A88-4CE0-881F-99629760210A}" type="datetimeFigureOut">
               <a:rPr lang="en-US" smtClean="0"/>
-              <a:t>7/17/2022</a:t>
+              <a:t>7/24/2022</a:t>
             </a:fld>
             <a:endParaRPr lang="en-US"/>
           </a:p>
@@ -14316,7 +14316,7 @@
           <a:p>
             <a:r>
               <a:rPr lang="en-US"/>
-              <a:t>July 20th</a:t>
+              <a:t>July 27th</a:t>
             </a:r>
             <a:r>
               <a:rPr lang="en-US" dirty="0"/>
@@ -23309,7 +23309,7 @@
             </a:r>
             <a:r>
               <a:rPr lang="en-US" sz="3200" dirty="0" err="1"/>
-              <a:t>MedicationHistory</a:t>
+              <a:t>MedicationRequest</a:t>
             </a:r>
             <a:r>
               <a:rPr lang="en-US" sz="3200" dirty="0"/>

--- a/smart-authorization-presentation.pptx
+++ b/smart-authorization-presentation.pptx
@@ -358,7 +358,7 @@
           <a:p>
             <a:fld id="{5943B5BA-8FE1-4769-B5B1-BD8C362CA2D3}" type="datetimeFigureOut">
               <a:rPr lang="en-US" smtClean="0"/>
-              <a:t>7/24/2022</a:t>
+              <a:t>8/28/2022</a:t>
             </a:fld>
             <a:endParaRPr lang="en-US"/>
           </a:p>
@@ -8925,7 +8925,7 @@
           <a:p>
             <a:fld id="{DC509093-0A88-4CE0-881F-99629760210A}" type="datetimeFigureOut">
               <a:rPr lang="en-US" smtClean="0"/>
-              <a:t>7/24/2022</a:t>
+              <a:t>8/28/2022</a:t>
             </a:fld>
             <a:endParaRPr lang="en-US"/>
           </a:p>
@@ -9093,7 +9093,7 @@
           <a:p>
             <a:fld id="{DC509093-0A88-4CE0-881F-99629760210A}" type="datetimeFigureOut">
               <a:rPr lang="en-US" smtClean="0"/>
-              <a:t>7/24/2022</a:t>
+              <a:t>8/28/2022</a:t>
             </a:fld>
             <a:endParaRPr lang="en-US"/>
           </a:p>
@@ -9271,7 +9271,7 @@
           <a:p>
             <a:fld id="{DC509093-0A88-4CE0-881F-99629760210A}" type="datetimeFigureOut">
               <a:rPr lang="en-US" smtClean="0"/>
-              <a:t>7/24/2022</a:t>
+              <a:t>8/28/2022</a:t>
             </a:fld>
             <a:endParaRPr lang="en-US"/>
           </a:p>
@@ -10539,7 +10539,7 @@
           <a:p>
             <a:fld id="{DC509093-0A88-4CE0-881F-99629760210A}" type="datetimeFigureOut">
               <a:rPr lang="en-US" smtClean="0"/>
-              <a:t>7/24/2022</a:t>
+              <a:t>8/28/2022</a:t>
             </a:fld>
             <a:endParaRPr lang="en-US"/>
           </a:p>
@@ -11553,7 +11553,7 @@
           <a:p>
             <a:fld id="{DC509093-0A88-4CE0-881F-99629760210A}" type="datetimeFigureOut">
               <a:rPr lang="en-US" smtClean="0"/>
-              <a:t>7/24/2022</a:t>
+              <a:t>8/28/2022</a:t>
             </a:fld>
             <a:endParaRPr lang="en-US"/>
           </a:p>
@@ -11838,7 +11838,7 @@
           <a:p>
             <a:fld id="{DC509093-0A88-4CE0-881F-99629760210A}" type="datetimeFigureOut">
               <a:rPr lang="en-US" smtClean="0"/>
-              <a:t>7/24/2022</a:t>
+              <a:t>8/28/2022</a:t>
             </a:fld>
             <a:endParaRPr lang="en-US"/>
           </a:p>
@@ -12257,7 +12257,7 @@
           <a:p>
             <a:fld id="{DC509093-0A88-4CE0-881F-99629760210A}" type="datetimeFigureOut">
               <a:rPr lang="en-US" smtClean="0"/>
-              <a:t>7/24/2022</a:t>
+              <a:t>8/28/2022</a:t>
             </a:fld>
             <a:endParaRPr lang="en-US"/>
           </a:p>
@@ -12374,7 +12374,7 @@
           <a:p>
             <a:fld id="{DC509093-0A88-4CE0-881F-99629760210A}" type="datetimeFigureOut">
               <a:rPr lang="en-US" smtClean="0"/>
-              <a:t>7/24/2022</a:t>
+              <a:t>8/28/2022</a:t>
             </a:fld>
             <a:endParaRPr lang="en-US"/>
           </a:p>
@@ -12469,7 +12469,7 @@
           <a:p>
             <a:fld id="{DC509093-0A88-4CE0-881F-99629760210A}" type="datetimeFigureOut">
               <a:rPr lang="en-US" smtClean="0"/>
-              <a:t>7/24/2022</a:t>
+              <a:t>8/28/2022</a:t>
             </a:fld>
             <a:endParaRPr lang="en-US"/>
           </a:p>
@@ -12744,7 +12744,7 @@
           <a:p>
             <a:fld id="{DC509093-0A88-4CE0-881F-99629760210A}" type="datetimeFigureOut">
               <a:rPr lang="en-US" smtClean="0"/>
-              <a:t>7/24/2022</a:t>
+              <a:t>8/28/2022</a:t>
             </a:fld>
             <a:endParaRPr lang="en-US"/>
           </a:p>
@@ -12996,7 +12996,7 @@
           <a:p>
             <a:fld id="{DC509093-0A88-4CE0-881F-99629760210A}" type="datetimeFigureOut">
               <a:rPr lang="en-US" smtClean="0"/>
-              <a:t>7/24/2022</a:t>
+              <a:t>8/28/2022</a:t>
             </a:fld>
             <a:endParaRPr lang="en-US"/>
           </a:p>
@@ -13207,7 +13207,7 @@
           <a:p>
             <a:fld id="{DC509093-0A88-4CE0-881F-99629760210A}" type="datetimeFigureOut">
               <a:rPr lang="en-US" smtClean="0"/>
-              <a:t>7/24/2022</a:t>
+              <a:t>8/28/2022</a:t>
             </a:fld>
             <a:endParaRPr lang="en-US"/>
           </a:p>
@@ -14315,12 +14315,8 @@
           <a:lstStyle/>
           <a:p>
             <a:r>
-              <a:rPr lang="en-US"/>
-              <a:t>July 27th</a:t>
-            </a:r>
-            <a:r>
               <a:rPr lang="en-US" dirty="0"/>
-              <a:t>, 2022</a:t>
+              <a:t>August 31st, 2022</a:t>
             </a:r>
           </a:p>
         </p:txBody>

--- a/smart-authorization-presentation.pptx
+++ b/smart-authorization-presentation.pptx
@@ -9,7 +9,7 @@
     <p:notesMasterId r:id="rId138"/>
   </p:notesMasterIdLst>
   <p:sldIdLst>
-    <p:sldId id="396" r:id="rId3"/>
+    <p:sldId id="405" r:id="rId3"/>
     <p:sldId id="290" r:id="rId4"/>
     <p:sldId id="340" r:id="rId5"/>
     <p:sldId id="395" r:id="rId6"/>
@@ -263,13 +263,13 @@
 
 <file path=ppt/commentAuthors.xml><?xml version="1.0" encoding="utf-8"?>
 <p:cmAuthorLst xmlns:a="http://schemas.openxmlformats.org/drawingml/2006/main" xmlns:r="http://schemas.openxmlformats.org/officeDocument/2006/relationships" xmlns:p="http://schemas.openxmlformats.org/presentationml/2006/main">
-  <p:cmAuthor id="0" name="Cerner" initials="Cerner" lastIdx="1" clrIdx="0"/>
+  <p:cmAuthor id="0" name="Cerner" initials="Cerner" lastIdx="3" clrIdx="0"/>
 </p:cmAuthorLst>
 </file>
 
 <file path=ppt/comments/comment1.xml><?xml version="1.0" encoding="utf-8"?>
 <p:cmLst xmlns:a="http://schemas.openxmlformats.org/drawingml/2006/main" xmlns:r="http://schemas.openxmlformats.org/officeDocument/2006/relationships" xmlns:p="http://schemas.openxmlformats.org/presentationml/2006/main">
-  <p:cm authorId="0" dt="2014-08-25T11:42:53.754" idx="1">
+  <p:cm authorId="0" dt="2014-08-25T11:42:53.754" idx="2">
     <p:pos x="7906" y="1738"/>
     <p:text>&gt; Right click and select change picture to add sponsor logo</p:text>
   </p:cm>
@@ -358,7 +358,7 @@
           <a:p>
             <a:fld id="{5943B5BA-8FE1-4769-B5B1-BD8C362CA2D3}" type="datetimeFigureOut">
               <a:rPr lang="en-US" smtClean="0"/>
-              <a:t>8/28/2022</a:t>
+              <a:t>9/11/2022</a:t>
             </a:fld>
             <a:endParaRPr lang="en-US"/>
           </a:p>
@@ -670,7 +670,7 @@
           <a:lstStyle/>
           <a:p>
             <a:r>
-              <a:rPr lang="en-US" dirty="0"/>
+              <a:rPr lang="en-US"/>
               <a:t>© Cerner 2016</a:t>
             </a:r>
           </a:p>
@@ -678,12 +678,12 @@
       </p:sp>
       <p:sp>
         <p:nvSpPr>
-          <p:cNvPr id="4" name="Slide Number Placeholder 3"/>
+          <p:cNvPr id="4" name="Footer Placeholder 3"/>
           <p:cNvSpPr>
             <a:spLocks noGrp="1"/>
           </p:cNvSpPr>
           <p:nvPr>
-            <p:ph type="sldNum" sz="quarter" idx="10"/>
+            <p:ph type="ftr" sz="quarter" idx="10"/>
           </p:nvPr>
         </p:nvSpPr>
         <p:spPr/>
@@ -691,7 +691,26 @@
           <a:bodyPr/>
           <a:lstStyle/>
           <a:p>
-            <a:fld id="{6B689994-7BD6-4410-875F-2CADCD92BFF6}" type="slidenum">
+            <a:endParaRPr lang="en-US"/>
+          </a:p>
+        </p:txBody>
+      </p:sp>
+      <p:sp>
+        <p:nvSpPr>
+          <p:cNvPr id="5" name="Slide Number Placeholder 4"/>
+          <p:cNvSpPr>
+            <a:spLocks noGrp="1"/>
+          </p:cNvSpPr>
+          <p:nvPr>
+            <p:ph type="sldNum" sz="quarter" idx="11"/>
+          </p:nvPr>
+        </p:nvSpPr>
+        <p:spPr/>
+        <p:txBody>
+          <a:bodyPr/>
+          <a:lstStyle/>
+          <a:p>
+            <a:fld id="{CFFD62D3-BB65-47B7-B482-3500296D899C}" type="slidenum">
               <a:rPr lang="en-US" smtClean="0"/>
               <a:t>1</a:t>
             </a:fld>
@@ -702,7 +721,7 @@
     </p:spTree>
     <p:extLst>
       <p:ext uri="{BB962C8B-B14F-4D97-AF65-F5344CB8AC3E}">
-        <p14:creationId xmlns:p14="http://schemas.microsoft.com/office/powerpoint/2010/main" val="896533310"/>
+        <p14:creationId xmlns:p14="http://schemas.microsoft.com/office/powerpoint/2010/main" val="1391438891"/>
       </p:ext>
     </p:extLst>
   </p:cSld>
@@ -8925,7 +8944,7 @@
           <a:p>
             <a:fld id="{DC509093-0A88-4CE0-881F-99629760210A}" type="datetimeFigureOut">
               <a:rPr lang="en-US" smtClean="0"/>
-              <a:t>8/28/2022</a:t>
+              <a:t>9/11/2022</a:t>
             </a:fld>
             <a:endParaRPr lang="en-US"/>
           </a:p>
@@ -9093,7 +9112,7 @@
           <a:p>
             <a:fld id="{DC509093-0A88-4CE0-881F-99629760210A}" type="datetimeFigureOut">
               <a:rPr lang="en-US" smtClean="0"/>
-              <a:t>8/28/2022</a:t>
+              <a:t>9/11/2022</a:t>
             </a:fld>
             <a:endParaRPr lang="en-US"/>
           </a:p>
@@ -9271,7 +9290,7 @@
           <a:p>
             <a:fld id="{DC509093-0A88-4CE0-881F-99629760210A}" type="datetimeFigureOut">
               <a:rPr lang="en-US" smtClean="0"/>
-              <a:t>8/28/2022</a:t>
+              <a:t>9/11/2022</a:t>
             </a:fld>
             <a:endParaRPr lang="en-US"/>
           </a:p>
@@ -10539,7 +10558,7 @@
           <a:p>
             <a:fld id="{DC509093-0A88-4CE0-881F-99629760210A}" type="datetimeFigureOut">
               <a:rPr lang="en-US" smtClean="0"/>
-              <a:t>8/28/2022</a:t>
+              <a:t>9/11/2022</a:t>
             </a:fld>
             <a:endParaRPr lang="en-US"/>
           </a:p>
@@ -11553,7 +11572,7 @@
           <a:p>
             <a:fld id="{DC509093-0A88-4CE0-881F-99629760210A}" type="datetimeFigureOut">
               <a:rPr lang="en-US" smtClean="0"/>
-              <a:t>8/28/2022</a:t>
+              <a:t>9/11/2022</a:t>
             </a:fld>
             <a:endParaRPr lang="en-US"/>
           </a:p>
@@ -11838,7 +11857,7 @@
           <a:p>
             <a:fld id="{DC509093-0A88-4CE0-881F-99629760210A}" type="datetimeFigureOut">
               <a:rPr lang="en-US" smtClean="0"/>
-              <a:t>8/28/2022</a:t>
+              <a:t>9/11/2022</a:t>
             </a:fld>
             <a:endParaRPr lang="en-US"/>
           </a:p>
@@ -12257,7 +12276,7 @@
           <a:p>
             <a:fld id="{DC509093-0A88-4CE0-881F-99629760210A}" type="datetimeFigureOut">
               <a:rPr lang="en-US" smtClean="0"/>
-              <a:t>8/28/2022</a:t>
+              <a:t>9/11/2022</a:t>
             </a:fld>
             <a:endParaRPr lang="en-US"/>
           </a:p>
@@ -12374,7 +12393,7 @@
           <a:p>
             <a:fld id="{DC509093-0A88-4CE0-881F-99629760210A}" type="datetimeFigureOut">
               <a:rPr lang="en-US" smtClean="0"/>
-              <a:t>8/28/2022</a:t>
+              <a:t>9/11/2022</a:t>
             </a:fld>
             <a:endParaRPr lang="en-US"/>
           </a:p>
@@ -12469,7 +12488,7 @@
           <a:p>
             <a:fld id="{DC509093-0A88-4CE0-881F-99629760210A}" type="datetimeFigureOut">
               <a:rPr lang="en-US" smtClean="0"/>
-              <a:t>8/28/2022</a:t>
+              <a:t>9/11/2022</a:t>
             </a:fld>
             <a:endParaRPr lang="en-US"/>
           </a:p>
@@ -12744,7 +12763,7 @@
           <a:p>
             <a:fld id="{DC509093-0A88-4CE0-881F-99629760210A}" type="datetimeFigureOut">
               <a:rPr lang="en-US" smtClean="0"/>
-              <a:t>8/28/2022</a:t>
+              <a:t>9/11/2022</a:t>
             </a:fld>
             <a:endParaRPr lang="en-US"/>
           </a:p>
@@ -12996,7 +13015,7 @@
           <a:p>
             <a:fld id="{DC509093-0A88-4CE0-881F-99629760210A}" type="datetimeFigureOut">
               <a:rPr lang="en-US" smtClean="0"/>
-              <a:t>8/28/2022</a:t>
+              <a:t>9/11/2022</a:t>
             </a:fld>
             <a:endParaRPr lang="en-US"/>
           </a:p>
@@ -13207,7 +13226,7 @@
           <a:p>
             <a:fld id="{DC509093-0A88-4CE0-881F-99629760210A}" type="datetimeFigureOut">
               <a:rPr lang="en-US" smtClean="0"/>
-              <a:t>8/28/2022</a:t>
+              <a:t>9/11/2022</a:t>
             </a:fld>
             <a:endParaRPr lang="en-US"/>
           </a:p>
@@ -14248,7 +14267,7 @@
         </p:nvSpPr>
         <p:spPr>
           <a:xfrm>
-            <a:off x="577456" y="3832315"/>
+            <a:off x="577455" y="3832315"/>
             <a:ext cx="5548313" cy="312873"/>
           </a:xfrm>
         </p:spPr>
@@ -14277,8 +14296,8 @@
         </p:nvSpPr>
         <p:spPr>
           <a:xfrm>
-            <a:off x="577456" y="4201442"/>
-            <a:ext cx="6280544" cy="215443"/>
+            <a:off x="577455" y="4142461"/>
+            <a:ext cx="6128145" cy="312873"/>
           </a:xfrm>
         </p:spPr>
         <p:txBody>
@@ -14304,7 +14323,7 @@
         </p:nvSpPr>
         <p:spPr>
           <a:xfrm>
-            <a:off x="577456" y="4518418"/>
+            <a:off x="577455" y="4518417"/>
             <a:ext cx="5548313" cy="215443"/>
           </a:xfrm>
         </p:spPr>
@@ -14316,7 +14335,7 @@
           <a:p>
             <a:r>
               <a:rPr lang="en-US" dirty="0"/>
-              <a:t>August 31st, 2022</a:t>
+              <a:t>September 14th, 2022</a:t>
             </a:r>
           </a:p>
         </p:txBody>
@@ -14343,8 +14362,38 @@
         </p:blipFill>
         <p:spPr>
           <a:xfrm>
-            <a:off x="2214564" y="1843249"/>
+            <a:off x="2214563" y="1843249"/>
             <a:ext cx="4714877" cy="1592999"/>
+          </a:xfrm>
+          <a:prstGeom prst="rect">
+            <a:avLst/>
+          </a:prstGeom>
+        </p:spPr>
+      </p:pic>
+      <p:pic>
+        <p:nvPicPr>
+          <p:cNvPr id="6" name="Picture 5">
+            <a:extLst>
+              <a:ext uri="{FF2B5EF4-FFF2-40B4-BE49-F238E27FC236}">
+                <a16:creationId xmlns:a16="http://schemas.microsoft.com/office/drawing/2014/main" id="{1EBA5913-AA98-AC15-08E8-B5B0A626FB66}"/>
+              </a:ext>
+            </a:extLst>
+          </p:cNvPr>
+          <p:cNvPicPr>
+            <a:picLocks noChangeAspect="1"/>
+          </p:cNvPicPr>
+          <p:nvPr/>
+        </p:nvPicPr>
+        <p:blipFill>
+          <a:blip r:embed="rId4"/>
+          <a:stretch>
+            <a:fillRect/>
+          </a:stretch>
+        </p:blipFill>
+        <p:spPr>
+          <a:xfrm>
+            <a:off x="3090322" y="2990500"/>
+            <a:ext cx="1764752" cy="385817"/>
           </a:xfrm>
           <a:prstGeom prst="rect">
             <a:avLst/>
@@ -14354,7 +14403,7 @@
     </p:spTree>
     <p:extLst>
       <p:ext uri="{BB962C8B-B14F-4D97-AF65-F5344CB8AC3E}">
-        <p14:creationId xmlns:p14="http://schemas.microsoft.com/office/powerpoint/2010/main" val="1046300523"/>
+        <p14:creationId xmlns:p14="http://schemas.microsoft.com/office/powerpoint/2010/main" val="579498076"/>
       </p:ext>
     </p:extLst>
   </p:cSld>

--- a/smart-authorization-presentation.pptx
+++ b/smart-authorization-presentation.pptx
@@ -267,6 +267,35 @@
 </p:cmAuthorLst>
 </file>
 
+<file path=ppt/changesInfos/changesInfo1.xml><?xml version="1.0" encoding="utf-8"?>
+<pc:chgInfo xmlns:a="http://schemas.openxmlformats.org/drawingml/2006/main" xmlns:r="http://schemas.openxmlformats.org/officeDocument/2006/relationships" xmlns:ac="http://schemas.microsoft.com/office/drawing/2013/main/command" xmlns:pc="http://schemas.microsoft.com/office/powerpoint/2013/main/command">
+  <pc:docChgLst>
+    <pc:chgData name="Heits, Brian" userId="4566fefd-61b7-4c5a-b683-1c8fdafc2832" providerId="ADAL" clId="{3F5CA521-3DED-41D3-999A-5CD0AA6D1D4A}"/>
+    <pc:docChg chg="modSld">
+      <pc:chgData name="Heits, Brian" userId="4566fefd-61b7-4c5a-b683-1c8fdafc2832" providerId="ADAL" clId="{3F5CA521-3DED-41D3-999A-5CD0AA6D1D4A}" dt="2023-02-05T18:43:59.223" v="23" actId="20577"/>
+      <pc:docMkLst>
+        <pc:docMk/>
+      </pc:docMkLst>
+      <pc:sldChg chg="modSp mod">
+        <pc:chgData name="Heits, Brian" userId="4566fefd-61b7-4c5a-b683-1c8fdafc2832" providerId="ADAL" clId="{3F5CA521-3DED-41D3-999A-5CD0AA6D1D4A}" dt="2023-02-05T18:43:59.223" v="23" actId="20577"/>
+        <pc:sldMkLst>
+          <pc:docMk/>
+          <pc:sldMk cId="579498076" sldId="405"/>
+        </pc:sldMkLst>
+        <pc:spChg chg="mod">
+          <ac:chgData name="Heits, Brian" userId="4566fefd-61b7-4c5a-b683-1c8fdafc2832" providerId="ADAL" clId="{3F5CA521-3DED-41D3-999A-5CD0AA6D1D4A}" dt="2023-02-05T18:43:59.223" v="23" actId="20577"/>
+          <ac:spMkLst>
+            <pc:docMk/>
+            <pc:sldMk cId="579498076" sldId="405"/>
+            <ac:spMk id="4" creationId="{00000000-0000-0000-0000-000000000000}"/>
+          </ac:spMkLst>
+        </pc:spChg>
+      </pc:sldChg>
+    </pc:docChg>
+  </pc:docChgLst>
+</pc:chgInfo>
+</file>
+
 <file path=ppt/comments/comment1.xml><?xml version="1.0" encoding="utf-8"?>
 <p:cmLst xmlns:a="http://schemas.openxmlformats.org/drawingml/2006/main" xmlns:r="http://schemas.openxmlformats.org/officeDocument/2006/relationships" xmlns:p="http://schemas.openxmlformats.org/presentationml/2006/main">
   <p:cm authorId="0" dt="2014-08-25T11:42:53.754" idx="2">
@@ -358,7 +387,7 @@
           <a:p>
             <a:fld id="{5943B5BA-8FE1-4769-B5B1-BD8C362CA2D3}" type="datetimeFigureOut">
               <a:rPr lang="en-US" smtClean="0"/>
-              <a:t>9/11/2022</a:t>
+              <a:t>2/5/2023</a:t>
             </a:fld>
             <a:endParaRPr lang="en-US"/>
           </a:p>
@@ -8944,7 +8973,7 @@
           <a:p>
             <a:fld id="{DC509093-0A88-4CE0-881F-99629760210A}" type="datetimeFigureOut">
               <a:rPr lang="en-US" smtClean="0"/>
-              <a:t>9/11/2022</a:t>
+              <a:t>2/5/2023</a:t>
             </a:fld>
             <a:endParaRPr lang="en-US"/>
           </a:p>
@@ -9112,7 +9141,7 @@
           <a:p>
             <a:fld id="{DC509093-0A88-4CE0-881F-99629760210A}" type="datetimeFigureOut">
               <a:rPr lang="en-US" smtClean="0"/>
-              <a:t>9/11/2022</a:t>
+              <a:t>2/5/2023</a:t>
             </a:fld>
             <a:endParaRPr lang="en-US"/>
           </a:p>
@@ -9290,7 +9319,7 @@
           <a:p>
             <a:fld id="{DC509093-0A88-4CE0-881F-99629760210A}" type="datetimeFigureOut">
               <a:rPr lang="en-US" smtClean="0"/>
-              <a:t>9/11/2022</a:t>
+              <a:t>2/5/2023</a:t>
             </a:fld>
             <a:endParaRPr lang="en-US"/>
           </a:p>
@@ -10558,7 +10587,7 @@
           <a:p>
             <a:fld id="{DC509093-0A88-4CE0-881F-99629760210A}" type="datetimeFigureOut">
               <a:rPr lang="en-US" smtClean="0"/>
-              <a:t>9/11/2022</a:t>
+              <a:t>2/5/2023</a:t>
             </a:fld>
             <a:endParaRPr lang="en-US"/>
           </a:p>
@@ -11572,7 +11601,7 @@
           <a:p>
             <a:fld id="{DC509093-0A88-4CE0-881F-99629760210A}" type="datetimeFigureOut">
               <a:rPr lang="en-US" smtClean="0"/>
-              <a:t>9/11/2022</a:t>
+              <a:t>2/5/2023</a:t>
             </a:fld>
             <a:endParaRPr lang="en-US"/>
           </a:p>
@@ -11857,7 +11886,7 @@
           <a:p>
             <a:fld id="{DC509093-0A88-4CE0-881F-99629760210A}" type="datetimeFigureOut">
               <a:rPr lang="en-US" smtClean="0"/>
-              <a:t>9/11/2022</a:t>
+              <a:t>2/5/2023</a:t>
             </a:fld>
             <a:endParaRPr lang="en-US"/>
           </a:p>
@@ -12276,7 +12305,7 @@
           <a:p>
             <a:fld id="{DC509093-0A88-4CE0-881F-99629760210A}" type="datetimeFigureOut">
               <a:rPr lang="en-US" smtClean="0"/>
-              <a:t>9/11/2022</a:t>
+              <a:t>2/5/2023</a:t>
             </a:fld>
             <a:endParaRPr lang="en-US"/>
           </a:p>
@@ -12393,7 +12422,7 @@
           <a:p>
             <a:fld id="{DC509093-0A88-4CE0-881F-99629760210A}" type="datetimeFigureOut">
               <a:rPr lang="en-US" smtClean="0"/>
-              <a:t>9/11/2022</a:t>
+              <a:t>2/5/2023</a:t>
             </a:fld>
             <a:endParaRPr lang="en-US"/>
           </a:p>
@@ -12488,7 +12517,7 @@
           <a:p>
             <a:fld id="{DC509093-0A88-4CE0-881F-99629760210A}" type="datetimeFigureOut">
               <a:rPr lang="en-US" smtClean="0"/>
-              <a:t>9/11/2022</a:t>
+              <a:t>2/5/2023</a:t>
             </a:fld>
             <a:endParaRPr lang="en-US"/>
           </a:p>
@@ -12763,7 +12792,7 @@
           <a:p>
             <a:fld id="{DC509093-0A88-4CE0-881F-99629760210A}" type="datetimeFigureOut">
               <a:rPr lang="en-US" smtClean="0"/>
-              <a:t>9/11/2022</a:t>
+              <a:t>2/5/2023</a:t>
             </a:fld>
             <a:endParaRPr lang="en-US"/>
           </a:p>
@@ -13015,7 +13044,7 @@
           <a:p>
             <a:fld id="{DC509093-0A88-4CE0-881F-99629760210A}" type="datetimeFigureOut">
               <a:rPr lang="en-US" smtClean="0"/>
-              <a:t>9/11/2022</a:t>
+              <a:t>2/5/2023</a:t>
             </a:fld>
             <a:endParaRPr lang="en-US"/>
           </a:p>
@@ -13226,7 +13255,7 @@
           <a:p>
             <a:fld id="{DC509093-0A88-4CE0-881F-99629760210A}" type="datetimeFigureOut">
               <a:rPr lang="en-US" smtClean="0"/>
-              <a:t>9/11/2022</a:t>
+              <a:t>2/5/2023</a:t>
             </a:fld>
             <a:endParaRPr lang="en-US"/>
           </a:p>
@@ -14334,8 +14363,12 @@
           <a:lstStyle/>
           <a:p>
             <a:r>
+              <a:rPr lang="en-US"/>
+              <a:t>February 8th</a:t>
+            </a:r>
+            <a:r>
               <a:rPr lang="en-US" dirty="0"/>
-              <a:t>September 14th, 2022</a:t>
+              <a:t>, 2023</a:t>
             </a:r>
           </a:p>
         </p:txBody>
@@ -27117,4 +27150,10 @@
   <a:objectDefaults/>
   <a:extraClrSchemeLst/>
 </a:theme>
+</file>
+
+<file path=docMetadata/LabelInfo.xml><?xml version="1.0" encoding="utf-8"?>
+<clbl:labelList xmlns:clbl="http://schemas.microsoft.com/office/2020/mipLabelMetadata">
+  <clbl:label id="{b1851626-05c4-426e-b768-1c35733f6fea}" enabled="1" method="Standard" siteId="{fbc493a8-0d24-4454-a815-f4ca58e8c09d}" removed="0"/>
+</clbl:labelList>
 </file>
--- a/smart-authorization-presentation.pptx
+++ b/smart-authorization-presentation.pptx
@@ -270,6 +270,30 @@
 <file path=ppt/changesInfos/changesInfo1.xml><?xml version="1.0" encoding="utf-8"?>
 <pc:chgInfo xmlns:a="http://schemas.openxmlformats.org/drawingml/2006/main" xmlns:r="http://schemas.openxmlformats.org/officeDocument/2006/relationships" xmlns:ac="http://schemas.microsoft.com/office/drawing/2013/main/command" xmlns:pc="http://schemas.microsoft.com/office/powerpoint/2013/main/command">
   <pc:docChgLst>
+    <pc:chgData name="Heits, Brian" userId="4566fefd-61b7-4c5a-b683-1c8fdafc2832" providerId="ADAL" clId="{822FBEA7-F89F-4946-872C-E6E64FB55D74}"/>
+    <pc:docChg chg="modSld">
+      <pc:chgData name="Heits, Brian" userId="4566fefd-61b7-4c5a-b683-1c8fdafc2832" providerId="ADAL" clId="{822FBEA7-F89F-4946-872C-E6E64FB55D74}" dt="2023-03-19T21:53:30.718" v="25" actId="20577"/>
+      <pc:docMkLst>
+        <pc:docMk/>
+      </pc:docMkLst>
+      <pc:sldChg chg="modSp mod">
+        <pc:chgData name="Heits, Brian" userId="4566fefd-61b7-4c5a-b683-1c8fdafc2832" providerId="ADAL" clId="{822FBEA7-F89F-4946-872C-E6E64FB55D74}" dt="2023-03-19T21:53:30.718" v="25" actId="20577"/>
+        <pc:sldMkLst>
+          <pc:docMk/>
+          <pc:sldMk cId="579498076" sldId="405"/>
+        </pc:sldMkLst>
+        <pc:spChg chg="mod">
+          <ac:chgData name="Heits, Brian" userId="4566fefd-61b7-4c5a-b683-1c8fdafc2832" providerId="ADAL" clId="{822FBEA7-F89F-4946-872C-E6E64FB55D74}" dt="2023-03-19T21:53:30.718" v="25" actId="20577"/>
+          <ac:spMkLst>
+            <pc:docMk/>
+            <pc:sldMk cId="579498076" sldId="405"/>
+            <ac:spMk id="4" creationId="{00000000-0000-0000-0000-000000000000}"/>
+          </ac:spMkLst>
+        </pc:spChg>
+      </pc:sldChg>
+    </pc:docChg>
+  </pc:docChgLst>
+  <pc:docChgLst>
     <pc:chgData name="Heits, Brian" userId="4566fefd-61b7-4c5a-b683-1c8fdafc2832" providerId="ADAL" clId="{3F5CA521-3DED-41D3-999A-5CD0AA6D1D4A}"/>
     <pc:docChg chg="modSld">
       <pc:chgData name="Heits, Brian" userId="4566fefd-61b7-4c5a-b683-1c8fdafc2832" providerId="ADAL" clId="{3F5CA521-3DED-41D3-999A-5CD0AA6D1D4A}" dt="2023-02-05T18:43:59.223" v="23" actId="20577"/>
@@ -387,7 +411,7 @@
           <a:p>
             <a:fld id="{5943B5BA-8FE1-4769-B5B1-BD8C362CA2D3}" type="datetimeFigureOut">
               <a:rPr lang="en-US" smtClean="0"/>
-              <a:t>2/5/2023</a:t>
+              <a:t>3/19/2023</a:t>
             </a:fld>
             <a:endParaRPr lang="en-US"/>
           </a:p>
@@ -8973,7 +8997,7 @@
           <a:p>
             <a:fld id="{DC509093-0A88-4CE0-881F-99629760210A}" type="datetimeFigureOut">
               <a:rPr lang="en-US" smtClean="0"/>
-              <a:t>2/5/2023</a:t>
+              <a:t>3/19/2023</a:t>
             </a:fld>
             <a:endParaRPr lang="en-US"/>
           </a:p>
@@ -9141,7 +9165,7 @@
           <a:p>
             <a:fld id="{DC509093-0A88-4CE0-881F-99629760210A}" type="datetimeFigureOut">
               <a:rPr lang="en-US" smtClean="0"/>
-              <a:t>2/5/2023</a:t>
+              <a:t>3/19/2023</a:t>
             </a:fld>
             <a:endParaRPr lang="en-US"/>
           </a:p>
@@ -9319,7 +9343,7 @@
           <a:p>
             <a:fld id="{DC509093-0A88-4CE0-881F-99629760210A}" type="datetimeFigureOut">
               <a:rPr lang="en-US" smtClean="0"/>
-              <a:t>2/5/2023</a:t>
+              <a:t>3/19/2023</a:t>
             </a:fld>
             <a:endParaRPr lang="en-US"/>
           </a:p>
@@ -10587,7 +10611,7 @@
           <a:p>
             <a:fld id="{DC509093-0A88-4CE0-881F-99629760210A}" type="datetimeFigureOut">
               <a:rPr lang="en-US" smtClean="0"/>
-              <a:t>2/5/2023</a:t>
+              <a:t>3/19/2023</a:t>
             </a:fld>
             <a:endParaRPr lang="en-US"/>
           </a:p>
@@ -11601,7 +11625,7 @@
           <a:p>
             <a:fld id="{DC509093-0A88-4CE0-881F-99629760210A}" type="datetimeFigureOut">
               <a:rPr lang="en-US" smtClean="0"/>
-              <a:t>2/5/2023</a:t>
+              <a:t>3/19/2023</a:t>
             </a:fld>
             <a:endParaRPr lang="en-US"/>
           </a:p>
@@ -11886,7 +11910,7 @@
           <a:p>
             <a:fld id="{DC509093-0A88-4CE0-881F-99629760210A}" type="datetimeFigureOut">
               <a:rPr lang="en-US" smtClean="0"/>
-              <a:t>2/5/2023</a:t>
+              <a:t>3/19/2023</a:t>
             </a:fld>
             <a:endParaRPr lang="en-US"/>
           </a:p>
@@ -12305,7 +12329,7 @@
           <a:p>
             <a:fld id="{DC509093-0A88-4CE0-881F-99629760210A}" type="datetimeFigureOut">
               <a:rPr lang="en-US" smtClean="0"/>
-              <a:t>2/5/2023</a:t>
+              <a:t>3/19/2023</a:t>
             </a:fld>
             <a:endParaRPr lang="en-US"/>
           </a:p>
@@ -12422,7 +12446,7 @@
           <a:p>
             <a:fld id="{DC509093-0A88-4CE0-881F-99629760210A}" type="datetimeFigureOut">
               <a:rPr lang="en-US" smtClean="0"/>
-              <a:t>2/5/2023</a:t>
+              <a:t>3/19/2023</a:t>
             </a:fld>
             <a:endParaRPr lang="en-US"/>
           </a:p>
@@ -12517,7 +12541,7 @@
           <a:p>
             <a:fld id="{DC509093-0A88-4CE0-881F-99629760210A}" type="datetimeFigureOut">
               <a:rPr lang="en-US" smtClean="0"/>
-              <a:t>2/5/2023</a:t>
+              <a:t>3/19/2023</a:t>
             </a:fld>
             <a:endParaRPr lang="en-US"/>
           </a:p>
@@ -12792,7 +12816,7 @@
           <a:p>
             <a:fld id="{DC509093-0A88-4CE0-881F-99629760210A}" type="datetimeFigureOut">
               <a:rPr lang="en-US" smtClean="0"/>
-              <a:t>2/5/2023</a:t>
+              <a:t>3/19/2023</a:t>
             </a:fld>
             <a:endParaRPr lang="en-US"/>
           </a:p>
@@ -13044,7 +13068,7 @@
           <a:p>
             <a:fld id="{DC509093-0A88-4CE0-881F-99629760210A}" type="datetimeFigureOut">
               <a:rPr lang="en-US" smtClean="0"/>
-              <a:t>2/5/2023</a:t>
+              <a:t>3/19/2023</a:t>
             </a:fld>
             <a:endParaRPr lang="en-US"/>
           </a:p>
@@ -13255,7 +13279,7 @@
           <a:p>
             <a:fld id="{DC509093-0A88-4CE0-881F-99629760210A}" type="datetimeFigureOut">
               <a:rPr lang="en-US" smtClean="0"/>
-              <a:t>2/5/2023</a:t>
+              <a:t>3/19/2023</a:t>
             </a:fld>
             <a:endParaRPr lang="en-US"/>
           </a:p>
@@ -14364,11 +14388,19 @@
           <a:p>
             <a:r>
               <a:rPr lang="en-US"/>
-              <a:t>February 8th</a:t>
+              <a:t>22</a:t>
+            </a:r>
+            <a:r>
+              <a:rPr lang="en-US" baseline="30000"/>
+              <a:t>nd</a:t>
+            </a:r>
+            <a:r>
+              <a:rPr lang="en-US"/>
+              <a:t> of March, </a:t>
             </a:r>
             <a:r>
               <a:rPr lang="en-US" dirty="0"/>
-              <a:t>, 2023</a:t>
+              <a:t>2023</a:t>
             </a:r>
           </a:p>
         </p:txBody>

--- a/smart-authorization-presentation.pptx
+++ b/smart-authorization-presentation.pptx
@@ -294,6 +294,38 @@
     </pc:docChg>
   </pc:docChgLst>
   <pc:docChgLst>
+    <pc:chgData name="Heits, Brian" userId="4566fefd-61b7-4c5a-b683-1c8fdafc2832" providerId="ADAL" clId="{099831EA-F0EB-4D10-915B-905B654B5C62}"/>
+    <pc:docChg chg="modSld">
+      <pc:chgData name="Heits, Brian" userId="4566fefd-61b7-4c5a-b683-1c8fdafc2832" providerId="ADAL" clId="{099831EA-F0EB-4D10-915B-905B654B5C62}" dt="2023-12-04T01:04:03.854" v="39" actId="20577"/>
+      <pc:docMkLst>
+        <pc:docMk/>
+      </pc:docMkLst>
+      <pc:sldChg chg="modSp mod">
+        <pc:chgData name="Heits, Brian" userId="4566fefd-61b7-4c5a-b683-1c8fdafc2832" providerId="ADAL" clId="{099831EA-F0EB-4D10-915B-905B654B5C62}" dt="2023-12-04T01:04:03.854" v="39" actId="20577"/>
+        <pc:sldMkLst>
+          <pc:docMk/>
+          <pc:sldMk cId="579498076" sldId="405"/>
+        </pc:sldMkLst>
+        <pc:spChg chg="mod">
+          <ac:chgData name="Heits, Brian" userId="4566fefd-61b7-4c5a-b683-1c8fdafc2832" providerId="ADAL" clId="{099831EA-F0EB-4D10-915B-905B654B5C62}" dt="2023-12-04T01:04:03.854" v="39" actId="20577"/>
+          <ac:spMkLst>
+            <pc:docMk/>
+            <pc:sldMk cId="579498076" sldId="405"/>
+            <ac:spMk id="3" creationId="{00000000-0000-0000-0000-000000000000}"/>
+          </ac:spMkLst>
+        </pc:spChg>
+        <pc:spChg chg="mod">
+          <ac:chgData name="Heits, Brian" userId="4566fefd-61b7-4c5a-b683-1c8fdafc2832" providerId="ADAL" clId="{099831EA-F0EB-4D10-915B-905B654B5C62}" dt="2023-12-04T01:03:56.788" v="19" actId="20577"/>
+          <ac:spMkLst>
+            <pc:docMk/>
+            <pc:sldMk cId="579498076" sldId="405"/>
+            <ac:spMk id="4" creationId="{00000000-0000-0000-0000-000000000000}"/>
+          </ac:spMkLst>
+        </pc:spChg>
+      </pc:sldChg>
+    </pc:docChg>
+  </pc:docChgLst>
+  <pc:docChgLst>
     <pc:chgData name="Heits, Brian" userId="4566fefd-61b7-4c5a-b683-1c8fdafc2832" providerId="ADAL" clId="{3F5CA521-3DED-41D3-999A-5CD0AA6D1D4A}"/>
     <pc:docChg chg="modSld">
       <pc:chgData name="Heits, Brian" userId="4566fefd-61b7-4c5a-b683-1c8fdafc2832" providerId="ADAL" clId="{3F5CA521-3DED-41D3-999A-5CD0AA6D1D4A}" dt="2023-02-05T18:43:59.223" v="23" actId="20577"/>
@@ -411,7 +443,7 @@
           <a:p>
             <a:fld id="{5943B5BA-8FE1-4769-B5B1-BD8C362CA2D3}" type="datetimeFigureOut">
               <a:rPr lang="en-US" smtClean="0"/>
-              <a:t>3/19/2023</a:t>
+              <a:t>12/3/2023</a:t>
             </a:fld>
             <a:endParaRPr lang="en-US"/>
           </a:p>
@@ -8997,7 +9029,7 @@
           <a:p>
             <a:fld id="{DC509093-0A88-4CE0-881F-99629760210A}" type="datetimeFigureOut">
               <a:rPr lang="en-US" smtClean="0"/>
-              <a:t>3/19/2023</a:t>
+              <a:t>12/3/2023</a:t>
             </a:fld>
             <a:endParaRPr lang="en-US"/>
           </a:p>
@@ -9165,7 +9197,7 @@
           <a:p>
             <a:fld id="{DC509093-0A88-4CE0-881F-99629760210A}" type="datetimeFigureOut">
               <a:rPr lang="en-US" smtClean="0"/>
-              <a:t>3/19/2023</a:t>
+              <a:t>12/3/2023</a:t>
             </a:fld>
             <a:endParaRPr lang="en-US"/>
           </a:p>
@@ -9343,7 +9375,7 @@
           <a:p>
             <a:fld id="{DC509093-0A88-4CE0-881F-99629760210A}" type="datetimeFigureOut">
               <a:rPr lang="en-US" smtClean="0"/>
-              <a:t>3/19/2023</a:t>
+              <a:t>12/3/2023</a:t>
             </a:fld>
             <a:endParaRPr lang="en-US"/>
           </a:p>
@@ -10611,7 +10643,7 @@
           <a:p>
             <a:fld id="{DC509093-0A88-4CE0-881F-99629760210A}" type="datetimeFigureOut">
               <a:rPr lang="en-US" smtClean="0"/>
-              <a:t>3/19/2023</a:t>
+              <a:t>12/3/2023</a:t>
             </a:fld>
             <a:endParaRPr lang="en-US"/>
           </a:p>
@@ -11625,7 +11657,7 @@
           <a:p>
             <a:fld id="{DC509093-0A88-4CE0-881F-99629760210A}" type="datetimeFigureOut">
               <a:rPr lang="en-US" smtClean="0"/>
-              <a:t>3/19/2023</a:t>
+              <a:t>12/3/2023</a:t>
             </a:fld>
             <a:endParaRPr lang="en-US"/>
           </a:p>
@@ -11910,7 +11942,7 @@
           <a:p>
             <a:fld id="{DC509093-0A88-4CE0-881F-99629760210A}" type="datetimeFigureOut">
               <a:rPr lang="en-US" smtClean="0"/>
-              <a:t>3/19/2023</a:t>
+              <a:t>12/3/2023</a:t>
             </a:fld>
             <a:endParaRPr lang="en-US"/>
           </a:p>
@@ -12329,7 +12361,7 @@
           <a:p>
             <a:fld id="{DC509093-0A88-4CE0-881F-99629760210A}" type="datetimeFigureOut">
               <a:rPr lang="en-US" smtClean="0"/>
-              <a:t>3/19/2023</a:t>
+              <a:t>12/3/2023</a:t>
             </a:fld>
             <a:endParaRPr lang="en-US"/>
           </a:p>
@@ -12446,7 +12478,7 @@
           <a:p>
             <a:fld id="{DC509093-0A88-4CE0-881F-99629760210A}" type="datetimeFigureOut">
               <a:rPr lang="en-US" smtClean="0"/>
-              <a:t>3/19/2023</a:t>
+              <a:t>12/3/2023</a:t>
             </a:fld>
             <a:endParaRPr lang="en-US"/>
           </a:p>
@@ -12541,7 +12573,7 @@
           <a:p>
             <a:fld id="{DC509093-0A88-4CE0-881F-99629760210A}" type="datetimeFigureOut">
               <a:rPr lang="en-US" smtClean="0"/>
-              <a:t>3/19/2023</a:t>
+              <a:t>12/3/2023</a:t>
             </a:fld>
             <a:endParaRPr lang="en-US"/>
           </a:p>
@@ -12816,7 +12848,7 @@
           <a:p>
             <a:fld id="{DC509093-0A88-4CE0-881F-99629760210A}" type="datetimeFigureOut">
               <a:rPr lang="en-US" smtClean="0"/>
-              <a:t>3/19/2023</a:t>
+              <a:t>12/3/2023</a:t>
             </a:fld>
             <a:endParaRPr lang="en-US"/>
           </a:p>
@@ -13068,7 +13100,7 @@
           <a:p>
             <a:fld id="{DC509093-0A88-4CE0-881F-99629760210A}" type="datetimeFigureOut">
               <a:rPr lang="en-US" smtClean="0"/>
-              <a:t>3/19/2023</a:t>
+              <a:t>12/3/2023</a:t>
             </a:fld>
             <a:endParaRPr lang="en-US"/>
           </a:p>
@@ -13279,7 +13311,7 @@
           <a:p>
             <a:fld id="{DC509093-0A88-4CE0-881F-99629760210A}" type="datetimeFigureOut">
               <a:rPr lang="en-US" smtClean="0"/>
-              <a:t>3/19/2023</a:t>
+              <a:t>12/3/2023</a:t>
             </a:fld>
             <a:endParaRPr lang="en-US"/>
           </a:p>
@@ -14358,9 +14390,10 @@
           <a:lstStyle/>
           <a:p>
             <a:r>
-              <a:rPr lang="en-US" dirty="0"/>
-              <a:t>Associate Lead Software Engineer – Edge Professional Services</a:t>
-            </a:r>
+              <a:rPr lang="en-US"/>
+              <a:t>Principle Consultant</a:t>
+            </a:r>
+            <a:endParaRPr lang="en-US" dirty="0"/>
           </a:p>
         </p:txBody>
       </p:sp>
@@ -14387,20 +14420,16 @@
           <a:lstStyle/>
           <a:p>
             <a:r>
-              <a:rPr lang="en-US"/>
-              <a:t>22</a:t>
-            </a:r>
-            <a:r>
-              <a:rPr lang="en-US" baseline="30000"/>
-              <a:t>nd</a:t>
-            </a:r>
-            <a:r>
-              <a:rPr lang="en-US"/>
-              <a:t> of March, </a:t>
-            </a:r>
-            <a:r>
               <a:rPr lang="en-US" dirty="0"/>
-              <a:t>2023</a:t>
+              <a:t>6</a:t>
+            </a:r>
+            <a:r>
+              <a:rPr lang="en-US" baseline="30000" dirty="0"/>
+              <a:t>th</a:t>
+            </a:r>
+            <a:r>
+              <a:rPr lang="en-US" dirty="0"/>
+              <a:t> of December, 2023</a:t>
             </a:r>
           </a:p>
         </p:txBody>

--- a/smart-authorization-presentation.pptx
+++ b/smart-authorization-presentation.pptx
@@ -296,12 +296,12 @@
   <pc:docChgLst>
     <pc:chgData name="Heits, Brian" userId="4566fefd-61b7-4c5a-b683-1c8fdafc2832" providerId="ADAL" clId="{099831EA-F0EB-4D10-915B-905B654B5C62}"/>
     <pc:docChg chg="modSld">
-      <pc:chgData name="Heits, Brian" userId="4566fefd-61b7-4c5a-b683-1c8fdafc2832" providerId="ADAL" clId="{099831EA-F0EB-4D10-915B-905B654B5C62}" dt="2023-12-04T01:04:03.854" v="39" actId="20577"/>
+      <pc:chgData name="Heits, Brian" userId="4566fefd-61b7-4c5a-b683-1c8fdafc2832" providerId="ADAL" clId="{099831EA-F0EB-4D10-915B-905B654B5C62}" dt="2023-12-11T03:24:15.343" v="42" actId="20577"/>
       <pc:docMkLst>
         <pc:docMk/>
       </pc:docMkLst>
       <pc:sldChg chg="modSp mod">
-        <pc:chgData name="Heits, Brian" userId="4566fefd-61b7-4c5a-b683-1c8fdafc2832" providerId="ADAL" clId="{099831EA-F0EB-4D10-915B-905B654B5C62}" dt="2023-12-04T01:04:03.854" v="39" actId="20577"/>
+        <pc:chgData name="Heits, Brian" userId="4566fefd-61b7-4c5a-b683-1c8fdafc2832" providerId="ADAL" clId="{099831EA-F0EB-4D10-915B-905B654B5C62}" dt="2023-12-11T03:24:15.343" v="42" actId="20577"/>
         <pc:sldMkLst>
           <pc:docMk/>
           <pc:sldMk cId="579498076" sldId="405"/>
@@ -315,7 +315,7 @@
           </ac:spMkLst>
         </pc:spChg>
         <pc:spChg chg="mod">
-          <ac:chgData name="Heits, Brian" userId="4566fefd-61b7-4c5a-b683-1c8fdafc2832" providerId="ADAL" clId="{099831EA-F0EB-4D10-915B-905B654B5C62}" dt="2023-12-04T01:03:56.788" v="19" actId="20577"/>
+          <ac:chgData name="Heits, Brian" userId="4566fefd-61b7-4c5a-b683-1c8fdafc2832" providerId="ADAL" clId="{099831EA-F0EB-4D10-915B-905B654B5C62}" dt="2023-12-11T03:24:15.343" v="42" actId="20577"/>
           <ac:spMkLst>
             <pc:docMk/>
             <pc:sldMk cId="579498076" sldId="405"/>
@@ -443,7 +443,7 @@
           <a:p>
             <a:fld id="{5943B5BA-8FE1-4769-B5B1-BD8C362CA2D3}" type="datetimeFigureOut">
               <a:rPr lang="en-US" smtClean="0"/>
-              <a:t>12/3/2023</a:t>
+              <a:t>12/10/2023</a:t>
             </a:fld>
             <a:endParaRPr lang="en-US"/>
           </a:p>
@@ -9029,7 +9029,7 @@
           <a:p>
             <a:fld id="{DC509093-0A88-4CE0-881F-99629760210A}" type="datetimeFigureOut">
               <a:rPr lang="en-US" smtClean="0"/>
-              <a:t>12/3/2023</a:t>
+              <a:t>12/10/2023</a:t>
             </a:fld>
             <a:endParaRPr lang="en-US"/>
           </a:p>
@@ -9197,7 +9197,7 @@
           <a:p>
             <a:fld id="{DC509093-0A88-4CE0-881F-99629760210A}" type="datetimeFigureOut">
               <a:rPr lang="en-US" smtClean="0"/>
-              <a:t>12/3/2023</a:t>
+              <a:t>12/10/2023</a:t>
             </a:fld>
             <a:endParaRPr lang="en-US"/>
           </a:p>
@@ -9375,7 +9375,7 @@
           <a:p>
             <a:fld id="{DC509093-0A88-4CE0-881F-99629760210A}" type="datetimeFigureOut">
               <a:rPr lang="en-US" smtClean="0"/>
-              <a:t>12/3/2023</a:t>
+              <a:t>12/10/2023</a:t>
             </a:fld>
             <a:endParaRPr lang="en-US"/>
           </a:p>
@@ -10643,7 +10643,7 @@
           <a:p>
             <a:fld id="{DC509093-0A88-4CE0-881F-99629760210A}" type="datetimeFigureOut">
               <a:rPr lang="en-US" smtClean="0"/>
-              <a:t>12/3/2023</a:t>
+              <a:t>12/10/2023</a:t>
             </a:fld>
             <a:endParaRPr lang="en-US"/>
           </a:p>
@@ -11657,7 +11657,7 @@
           <a:p>
             <a:fld id="{DC509093-0A88-4CE0-881F-99629760210A}" type="datetimeFigureOut">
               <a:rPr lang="en-US" smtClean="0"/>
-              <a:t>12/3/2023</a:t>
+              <a:t>12/10/2023</a:t>
             </a:fld>
             <a:endParaRPr lang="en-US"/>
           </a:p>
@@ -11942,7 +11942,7 @@
           <a:p>
             <a:fld id="{DC509093-0A88-4CE0-881F-99629760210A}" type="datetimeFigureOut">
               <a:rPr lang="en-US" smtClean="0"/>
-              <a:t>12/3/2023</a:t>
+              <a:t>12/10/2023</a:t>
             </a:fld>
             <a:endParaRPr lang="en-US"/>
           </a:p>
@@ -12361,7 +12361,7 @@
           <a:p>
             <a:fld id="{DC509093-0A88-4CE0-881F-99629760210A}" type="datetimeFigureOut">
               <a:rPr lang="en-US" smtClean="0"/>
-              <a:t>12/3/2023</a:t>
+              <a:t>12/10/2023</a:t>
             </a:fld>
             <a:endParaRPr lang="en-US"/>
           </a:p>
@@ -12478,7 +12478,7 @@
           <a:p>
             <a:fld id="{DC509093-0A88-4CE0-881F-99629760210A}" type="datetimeFigureOut">
               <a:rPr lang="en-US" smtClean="0"/>
-              <a:t>12/3/2023</a:t>
+              <a:t>12/10/2023</a:t>
             </a:fld>
             <a:endParaRPr lang="en-US"/>
           </a:p>
@@ -12573,7 +12573,7 @@
           <a:p>
             <a:fld id="{DC509093-0A88-4CE0-881F-99629760210A}" type="datetimeFigureOut">
               <a:rPr lang="en-US" smtClean="0"/>
-              <a:t>12/3/2023</a:t>
+              <a:t>12/10/2023</a:t>
             </a:fld>
             <a:endParaRPr lang="en-US"/>
           </a:p>
@@ -12848,7 +12848,7 @@
           <a:p>
             <a:fld id="{DC509093-0A88-4CE0-881F-99629760210A}" type="datetimeFigureOut">
               <a:rPr lang="en-US" smtClean="0"/>
-              <a:t>12/3/2023</a:t>
+              <a:t>12/10/2023</a:t>
             </a:fld>
             <a:endParaRPr lang="en-US"/>
           </a:p>
@@ -13100,7 +13100,7 @@
           <a:p>
             <a:fld id="{DC509093-0A88-4CE0-881F-99629760210A}" type="datetimeFigureOut">
               <a:rPr lang="en-US" smtClean="0"/>
-              <a:t>12/3/2023</a:t>
+              <a:t>12/10/2023</a:t>
             </a:fld>
             <a:endParaRPr lang="en-US"/>
           </a:p>
@@ -13311,7 +13311,7 @@
           <a:p>
             <a:fld id="{DC509093-0A88-4CE0-881F-99629760210A}" type="datetimeFigureOut">
               <a:rPr lang="en-US" smtClean="0"/>
-              <a:t>12/3/2023</a:t>
+              <a:t>12/10/2023</a:t>
             </a:fld>
             <a:endParaRPr lang="en-US"/>
           </a:p>
@@ -14420,16 +14420,20 @@
           <a:lstStyle/>
           <a:p>
             <a:r>
+              <a:rPr lang="en-US"/>
+              <a:t>13</a:t>
+            </a:r>
+            <a:r>
+              <a:rPr lang="en-US" baseline="30000"/>
+              <a:t>th</a:t>
+            </a:r>
+            <a:r>
+              <a:rPr lang="en-US"/>
+              <a:t> </a:t>
+            </a:r>
+            <a:r>
               <a:rPr lang="en-US" dirty="0"/>
-              <a:t>6</a:t>
-            </a:r>
-            <a:r>
-              <a:rPr lang="en-US" baseline="30000" dirty="0"/>
-              <a:t>th</a:t>
-            </a:r>
-            <a:r>
-              <a:rPr lang="en-US" dirty="0"/>
-              <a:t> of December, 2023</a:t>
+              <a:t>of December, 2023</a:t>
             </a:r>
           </a:p>
         </p:txBody>

--- a/smart-authorization-presentation.pptx
+++ b/smart-authorization-presentation.pptx
@@ -296,10 +296,40 @@
   <pc:docChgLst>
     <pc:chgData name="Heits, Brian" userId="4566fefd-61b7-4c5a-b683-1c8fdafc2832" providerId="ADAL" clId="{099831EA-F0EB-4D10-915B-905B654B5C62}"/>
     <pc:docChg chg="modSld">
-      <pc:chgData name="Heits, Brian" userId="4566fefd-61b7-4c5a-b683-1c8fdafc2832" providerId="ADAL" clId="{099831EA-F0EB-4D10-915B-905B654B5C62}" dt="2023-12-11T03:24:15.343" v="42" actId="20577"/>
+      <pc:chgData name="Heits, Brian" userId="4566fefd-61b7-4c5a-b683-1c8fdafc2832" providerId="ADAL" clId="{099831EA-F0EB-4D10-915B-905B654B5C62}" dt="2023-12-13T20:20:21.704" v="127" actId="20577"/>
       <pc:docMkLst>
         <pc:docMk/>
       </pc:docMkLst>
+      <pc:sldChg chg="modSp mod">
+        <pc:chgData name="Heits, Brian" userId="4566fefd-61b7-4c5a-b683-1c8fdafc2832" providerId="ADAL" clId="{099831EA-F0EB-4D10-915B-905B654B5C62}" dt="2023-12-13T20:20:21.704" v="127" actId="20577"/>
+        <pc:sldMkLst>
+          <pc:docMk/>
+          <pc:sldMk cId="43126427" sldId="305"/>
+        </pc:sldMkLst>
+        <pc:spChg chg="mod">
+          <ac:chgData name="Heits, Brian" userId="4566fefd-61b7-4c5a-b683-1c8fdafc2832" providerId="ADAL" clId="{099831EA-F0EB-4D10-915B-905B654B5C62}" dt="2023-12-13T20:20:21.704" v="127" actId="20577"/>
+          <ac:spMkLst>
+            <pc:docMk/>
+            <pc:sldMk cId="43126427" sldId="305"/>
+            <ac:spMk id="2" creationId="{00000000-0000-0000-0000-000000000000}"/>
+          </ac:spMkLst>
+        </pc:spChg>
+      </pc:sldChg>
+      <pc:sldChg chg="modSp mod">
+        <pc:chgData name="Heits, Brian" userId="4566fefd-61b7-4c5a-b683-1c8fdafc2832" providerId="ADAL" clId="{099831EA-F0EB-4D10-915B-905B654B5C62}" dt="2023-12-13T20:20:02.088" v="126" actId="20577"/>
+        <pc:sldMkLst>
+          <pc:docMk/>
+          <pc:sldMk cId="676933250" sldId="323"/>
+        </pc:sldMkLst>
+        <pc:spChg chg="mod">
+          <ac:chgData name="Heits, Brian" userId="4566fefd-61b7-4c5a-b683-1c8fdafc2832" providerId="ADAL" clId="{099831EA-F0EB-4D10-915B-905B654B5C62}" dt="2023-12-13T20:20:02.088" v="126" actId="20577"/>
+          <ac:spMkLst>
+            <pc:docMk/>
+            <pc:sldMk cId="676933250" sldId="323"/>
+            <ac:spMk id="2" creationId="{00000000-0000-0000-0000-000000000000}"/>
+          </ac:spMkLst>
+        </pc:spChg>
+      </pc:sldChg>
       <pc:sldChg chg="modSp mod">
         <pc:chgData name="Heits, Brian" userId="4566fefd-61b7-4c5a-b683-1c8fdafc2832" providerId="ADAL" clId="{099831EA-F0EB-4D10-915B-905B654B5C62}" dt="2023-12-11T03:24:15.343" v="42" actId="20577"/>
         <pc:sldMkLst>
@@ -443,7 +473,7 @@
           <a:p>
             <a:fld id="{5943B5BA-8FE1-4769-B5B1-BD8C362CA2D3}" type="datetimeFigureOut">
               <a:rPr lang="en-US" smtClean="0"/>
-              <a:t>12/10/2023</a:t>
+              <a:t>12/13/2023</a:t>
             </a:fld>
             <a:endParaRPr lang="en-US"/>
           </a:p>
@@ -9029,7 +9059,7 @@
           <a:p>
             <a:fld id="{DC509093-0A88-4CE0-881F-99629760210A}" type="datetimeFigureOut">
               <a:rPr lang="en-US" smtClean="0"/>
-              <a:t>12/10/2023</a:t>
+              <a:t>12/13/2023</a:t>
             </a:fld>
             <a:endParaRPr lang="en-US"/>
           </a:p>
@@ -9197,7 +9227,7 @@
           <a:p>
             <a:fld id="{DC509093-0A88-4CE0-881F-99629760210A}" type="datetimeFigureOut">
               <a:rPr lang="en-US" smtClean="0"/>
-              <a:t>12/10/2023</a:t>
+              <a:t>12/13/2023</a:t>
             </a:fld>
             <a:endParaRPr lang="en-US"/>
           </a:p>
@@ -9375,7 +9405,7 @@
           <a:p>
             <a:fld id="{DC509093-0A88-4CE0-881F-99629760210A}" type="datetimeFigureOut">
               <a:rPr lang="en-US" smtClean="0"/>
-              <a:t>12/10/2023</a:t>
+              <a:t>12/13/2023</a:t>
             </a:fld>
             <a:endParaRPr lang="en-US"/>
           </a:p>
@@ -10643,7 +10673,7 @@
           <a:p>
             <a:fld id="{DC509093-0A88-4CE0-881F-99629760210A}" type="datetimeFigureOut">
               <a:rPr lang="en-US" smtClean="0"/>
-              <a:t>12/10/2023</a:t>
+              <a:t>12/13/2023</a:t>
             </a:fld>
             <a:endParaRPr lang="en-US"/>
           </a:p>
@@ -11657,7 +11687,7 @@
           <a:p>
             <a:fld id="{DC509093-0A88-4CE0-881F-99629760210A}" type="datetimeFigureOut">
               <a:rPr lang="en-US" smtClean="0"/>
-              <a:t>12/10/2023</a:t>
+              <a:t>12/13/2023</a:t>
             </a:fld>
             <a:endParaRPr lang="en-US"/>
           </a:p>
@@ -11942,7 +11972,7 @@
           <a:p>
             <a:fld id="{DC509093-0A88-4CE0-881F-99629760210A}" type="datetimeFigureOut">
               <a:rPr lang="en-US" smtClean="0"/>
-              <a:t>12/10/2023</a:t>
+              <a:t>12/13/2023</a:t>
             </a:fld>
             <a:endParaRPr lang="en-US"/>
           </a:p>
@@ -12361,7 +12391,7 @@
           <a:p>
             <a:fld id="{DC509093-0A88-4CE0-881F-99629760210A}" type="datetimeFigureOut">
               <a:rPr lang="en-US" smtClean="0"/>
-              <a:t>12/10/2023</a:t>
+              <a:t>12/13/2023</a:t>
             </a:fld>
             <a:endParaRPr lang="en-US"/>
           </a:p>
@@ -12478,7 +12508,7 @@
           <a:p>
             <a:fld id="{DC509093-0A88-4CE0-881F-99629760210A}" type="datetimeFigureOut">
               <a:rPr lang="en-US" smtClean="0"/>
-              <a:t>12/10/2023</a:t>
+              <a:t>12/13/2023</a:t>
             </a:fld>
             <a:endParaRPr lang="en-US"/>
           </a:p>
@@ -12573,7 +12603,7 @@
           <a:p>
             <a:fld id="{DC509093-0A88-4CE0-881F-99629760210A}" type="datetimeFigureOut">
               <a:rPr lang="en-US" smtClean="0"/>
-              <a:t>12/10/2023</a:t>
+              <a:t>12/13/2023</a:t>
             </a:fld>
             <a:endParaRPr lang="en-US"/>
           </a:p>
@@ -12848,7 +12878,7 @@
           <a:p>
             <a:fld id="{DC509093-0A88-4CE0-881F-99629760210A}" type="datetimeFigureOut">
               <a:rPr lang="en-US" smtClean="0"/>
-              <a:t>12/10/2023</a:t>
+              <a:t>12/13/2023</a:t>
             </a:fld>
             <a:endParaRPr lang="en-US"/>
           </a:p>
@@ -13100,7 +13130,7 @@
           <a:p>
             <a:fld id="{DC509093-0A88-4CE0-881F-99629760210A}" type="datetimeFigureOut">
               <a:rPr lang="en-US" smtClean="0"/>
-              <a:t>12/10/2023</a:t>
+              <a:t>12/13/2023</a:t>
             </a:fld>
             <a:endParaRPr lang="en-US"/>
           </a:p>
@@ -13311,7 +13341,7 @@
           <a:p>
             <a:fld id="{DC509093-0A88-4CE0-881F-99629760210A}" type="datetimeFigureOut">
               <a:rPr lang="en-US" smtClean="0"/>
-              <a:t>12/10/2023</a:t>
+              <a:t>12/13/2023</a:t>
             </a:fld>
             <a:endParaRPr lang="en-US"/>
           </a:p>
@@ -14677,7 +14707,7 @@
             <a:pPr algn="ctr"/>
             <a:r>
               <a:rPr lang="en-US" sz="3200" dirty="0"/>
-              <a:t>Asides from the access token, the token response can contain a number of additional items.</a:t>
+              <a:t>Aside from the access token, the token response can contain a number of additional items.</a:t>
             </a:r>
             <a:endParaRPr lang="en-US" dirty="0">
               <a:latin typeface="Consolas" panose="020B0609020204030204" pitchFamily="49" charset="0"/>
@@ -16284,8 +16314,8 @@
         </p:nvSpPr>
         <p:spPr>
           <a:xfrm>
-            <a:off x="457200" y="1564906"/>
-            <a:ext cx="8153400" cy="2062103"/>
+            <a:off x="457200" y="1811127"/>
+            <a:ext cx="8153400" cy="1569660"/>
           </a:xfrm>
           <a:prstGeom prst="rect">
             <a:avLst/>
@@ -16301,23 +16331,7 @@
             <a:pPr algn="ctr"/>
             <a:r>
               <a:rPr lang="en-US" sz="3200" dirty="0"/>
-              <a:t>Refresh token responses do not contain additional response parameters that were included in the original grant, such as </a:t>
-            </a:r>
-            <a:r>
-              <a:rPr lang="en-US" sz="3200" dirty="0" err="1"/>
-              <a:t>id_token</a:t>
-            </a:r>
-            <a:r>
-              <a:rPr lang="en-US" sz="3200" dirty="0"/>
-              <a:t>, </a:t>
-            </a:r>
-            <a:r>
-              <a:rPr lang="en-US" sz="3200" dirty="0" err="1"/>
-              <a:t>patient_id</a:t>
-            </a:r>
-            <a:r>
-              <a:rPr lang="en-US" sz="3200" dirty="0"/>
-              <a:t>, or </a:t>
+              <a:t>Refresh token responses do not contain the </a:t>
             </a:r>
             <a:r>
               <a:rPr lang="en-US" sz="3200" dirty="0" err="1"/>
@@ -16325,7 +16339,7 @@
             </a:r>
             <a:r>
               <a:rPr lang="en-US" sz="3200" dirty="0"/>
-              <a:t>.</a:t>
+              <a:t> with the new access token.  This should be stored into cookies/cache within app.</a:t>
             </a:r>
             <a:endParaRPr lang="en-US" dirty="0">
               <a:latin typeface="Consolas" panose="020B0609020204030204" pitchFamily="49" charset="0"/>

--- a/smart-authorization-presentation.pptx
+++ b/smart-authorization-presentation.pptx
@@ -270,6 +270,30 @@
 <file path=ppt/changesInfos/changesInfo1.xml><?xml version="1.0" encoding="utf-8"?>
 <pc:chgInfo xmlns:a="http://schemas.openxmlformats.org/drawingml/2006/main" xmlns:r="http://schemas.openxmlformats.org/officeDocument/2006/relationships" xmlns:ac="http://schemas.microsoft.com/office/drawing/2013/main/command" xmlns:pc="http://schemas.microsoft.com/office/powerpoint/2013/main/command">
   <pc:docChgLst>
+    <pc:chgData name="Heits, Brian" userId="4566fefd-61b7-4c5a-b683-1c8fdafc2832" providerId="ADAL" clId="{3F5CA521-3DED-41D3-999A-5CD0AA6D1D4A}"/>
+    <pc:docChg chg="modSld">
+      <pc:chgData name="Heits, Brian" userId="4566fefd-61b7-4c5a-b683-1c8fdafc2832" providerId="ADAL" clId="{3F5CA521-3DED-41D3-999A-5CD0AA6D1D4A}" dt="2023-02-05T18:43:59.223" v="23" actId="20577"/>
+      <pc:docMkLst>
+        <pc:docMk/>
+      </pc:docMkLst>
+      <pc:sldChg chg="modSp mod">
+        <pc:chgData name="Heits, Brian" userId="4566fefd-61b7-4c5a-b683-1c8fdafc2832" providerId="ADAL" clId="{3F5CA521-3DED-41D3-999A-5CD0AA6D1D4A}" dt="2023-02-05T18:43:59.223" v="23" actId="20577"/>
+        <pc:sldMkLst>
+          <pc:docMk/>
+          <pc:sldMk cId="579498076" sldId="405"/>
+        </pc:sldMkLst>
+        <pc:spChg chg="mod">
+          <ac:chgData name="Heits, Brian" userId="4566fefd-61b7-4c5a-b683-1c8fdafc2832" providerId="ADAL" clId="{3F5CA521-3DED-41D3-999A-5CD0AA6D1D4A}" dt="2023-02-05T18:43:59.223" v="23" actId="20577"/>
+          <ac:spMkLst>
+            <pc:docMk/>
+            <pc:sldMk cId="579498076" sldId="405"/>
+            <ac:spMk id="4" creationId="{00000000-0000-0000-0000-000000000000}"/>
+          </ac:spMkLst>
+        </pc:spChg>
+      </pc:sldChg>
+    </pc:docChg>
+  </pc:docChgLst>
+  <pc:docChgLst>
     <pc:chgData name="Heits, Brian" userId="4566fefd-61b7-4c5a-b683-1c8fdafc2832" providerId="ADAL" clId="{822FBEA7-F89F-4946-872C-E6E64FB55D74}"/>
     <pc:docChg chg="modSld">
       <pc:chgData name="Heits, Brian" userId="4566fefd-61b7-4c5a-b683-1c8fdafc2832" providerId="ADAL" clId="{822FBEA7-F89F-4946-872C-E6E64FB55D74}" dt="2023-03-19T21:53:30.718" v="25" actId="20577"/>
@@ -355,30 +379,6 @@
       </pc:sldChg>
     </pc:docChg>
   </pc:docChgLst>
-  <pc:docChgLst>
-    <pc:chgData name="Heits, Brian" userId="4566fefd-61b7-4c5a-b683-1c8fdafc2832" providerId="ADAL" clId="{3F5CA521-3DED-41D3-999A-5CD0AA6D1D4A}"/>
-    <pc:docChg chg="modSld">
-      <pc:chgData name="Heits, Brian" userId="4566fefd-61b7-4c5a-b683-1c8fdafc2832" providerId="ADAL" clId="{3F5CA521-3DED-41D3-999A-5CD0AA6D1D4A}" dt="2023-02-05T18:43:59.223" v="23" actId="20577"/>
-      <pc:docMkLst>
-        <pc:docMk/>
-      </pc:docMkLst>
-      <pc:sldChg chg="modSp mod">
-        <pc:chgData name="Heits, Brian" userId="4566fefd-61b7-4c5a-b683-1c8fdafc2832" providerId="ADAL" clId="{3F5CA521-3DED-41D3-999A-5CD0AA6D1D4A}" dt="2023-02-05T18:43:59.223" v="23" actId="20577"/>
-        <pc:sldMkLst>
-          <pc:docMk/>
-          <pc:sldMk cId="579498076" sldId="405"/>
-        </pc:sldMkLst>
-        <pc:spChg chg="mod">
-          <ac:chgData name="Heits, Brian" userId="4566fefd-61b7-4c5a-b683-1c8fdafc2832" providerId="ADAL" clId="{3F5CA521-3DED-41D3-999A-5CD0AA6D1D4A}" dt="2023-02-05T18:43:59.223" v="23" actId="20577"/>
-          <ac:spMkLst>
-            <pc:docMk/>
-            <pc:sldMk cId="579498076" sldId="405"/>
-            <ac:spMk id="4" creationId="{00000000-0000-0000-0000-000000000000}"/>
-          </ac:spMkLst>
-        </pc:spChg>
-      </pc:sldChg>
-    </pc:docChg>
-  </pc:docChgLst>
 </pc:chgInfo>
 </file>
 
@@ -473,7 +473,7 @@
           <a:p>
             <a:fld id="{5943B5BA-8FE1-4769-B5B1-BD8C362CA2D3}" type="datetimeFigureOut">
               <a:rPr lang="en-US" smtClean="0"/>
-              <a:t>12/13/2023</a:t>
+              <a:t>9/16/2024</a:t>
             </a:fld>
             <a:endParaRPr lang="en-US"/>
           </a:p>
@@ -9059,7 +9059,7 @@
           <a:p>
             <a:fld id="{DC509093-0A88-4CE0-881F-99629760210A}" type="datetimeFigureOut">
               <a:rPr lang="en-US" smtClean="0"/>
-              <a:t>12/13/2023</a:t>
+              <a:t>9/16/2024</a:t>
             </a:fld>
             <a:endParaRPr lang="en-US"/>
           </a:p>
@@ -9227,7 +9227,7 @@
           <a:p>
             <a:fld id="{DC509093-0A88-4CE0-881F-99629760210A}" type="datetimeFigureOut">
               <a:rPr lang="en-US" smtClean="0"/>
-              <a:t>12/13/2023</a:t>
+              <a:t>9/16/2024</a:t>
             </a:fld>
             <a:endParaRPr lang="en-US"/>
           </a:p>
@@ -9405,7 +9405,7 @@
           <a:p>
             <a:fld id="{DC509093-0A88-4CE0-881F-99629760210A}" type="datetimeFigureOut">
               <a:rPr lang="en-US" smtClean="0"/>
-              <a:t>12/13/2023</a:t>
+              <a:t>9/16/2024</a:t>
             </a:fld>
             <a:endParaRPr lang="en-US"/>
           </a:p>
@@ -10673,7 +10673,7 @@
           <a:p>
             <a:fld id="{DC509093-0A88-4CE0-881F-99629760210A}" type="datetimeFigureOut">
               <a:rPr lang="en-US" smtClean="0"/>
-              <a:t>12/13/2023</a:t>
+              <a:t>9/16/2024</a:t>
             </a:fld>
             <a:endParaRPr lang="en-US"/>
           </a:p>
@@ -11687,7 +11687,7 @@
           <a:p>
             <a:fld id="{DC509093-0A88-4CE0-881F-99629760210A}" type="datetimeFigureOut">
               <a:rPr lang="en-US" smtClean="0"/>
-              <a:t>12/13/2023</a:t>
+              <a:t>9/16/2024</a:t>
             </a:fld>
             <a:endParaRPr lang="en-US"/>
           </a:p>
@@ -11972,7 +11972,7 @@
           <a:p>
             <a:fld id="{DC509093-0A88-4CE0-881F-99629760210A}" type="datetimeFigureOut">
               <a:rPr lang="en-US" smtClean="0"/>
-              <a:t>12/13/2023</a:t>
+              <a:t>9/16/2024</a:t>
             </a:fld>
             <a:endParaRPr lang="en-US"/>
           </a:p>
@@ -12391,7 +12391,7 @@
           <a:p>
             <a:fld id="{DC509093-0A88-4CE0-881F-99629760210A}" type="datetimeFigureOut">
               <a:rPr lang="en-US" smtClean="0"/>
-              <a:t>12/13/2023</a:t>
+              <a:t>9/16/2024</a:t>
             </a:fld>
             <a:endParaRPr lang="en-US"/>
           </a:p>
@@ -12508,7 +12508,7 @@
           <a:p>
             <a:fld id="{DC509093-0A88-4CE0-881F-99629760210A}" type="datetimeFigureOut">
               <a:rPr lang="en-US" smtClean="0"/>
-              <a:t>12/13/2023</a:t>
+              <a:t>9/16/2024</a:t>
             </a:fld>
             <a:endParaRPr lang="en-US"/>
           </a:p>
@@ -12603,7 +12603,7 @@
           <a:p>
             <a:fld id="{DC509093-0A88-4CE0-881F-99629760210A}" type="datetimeFigureOut">
               <a:rPr lang="en-US" smtClean="0"/>
-              <a:t>12/13/2023</a:t>
+              <a:t>9/16/2024</a:t>
             </a:fld>
             <a:endParaRPr lang="en-US"/>
           </a:p>
@@ -12878,7 +12878,7 @@
           <a:p>
             <a:fld id="{DC509093-0A88-4CE0-881F-99629760210A}" type="datetimeFigureOut">
               <a:rPr lang="en-US" smtClean="0"/>
-              <a:t>12/13/2023</a:t>
+              <a:t>9/16/2024</a:t>
             </a:fld>
             <a:endParaRPr lang="en-US"/>
           </a:p>
@@ -13130,7 +13130,7 @@
           <a:p>
             <a:fld id="{DC509093-0A88-4CE0-881F-99629760210A}" type="datetimeFigureOut">
               <a:rPr lang="en-US" smtClean="0"/>
-              <a:t>12/13/2023</a:t>
+              <a:t>9/16/2024</a:t>
             </a:fld>
             <a:endParaRPr lang="en-US"/>
           </a:p>
@@ -13341,7 +13341,7 @@
           <a:p>
             <a:fld id="{DC509093-0A88-4CE0-881F-99629760210A}" type="datetimeFigureOut">
               <a:rPr lang="en-US" smtClean="0"/>
-              <a:t>12/13/2023</a:t>
+              <a:t>9/16/2024</a:t>
             </a:fld>
             <a:endParaRPr lang="en-US"/>
           </a:p>
@@ -13422,6 +13422,102 @@
               <a:t>‹#›</a:t>
             </a:fld>
             <a:endParaRPr lang="en-US"/>
+          </a:p>
+        </p:txBody>
+      </p:sp>
+      <p:sp>
+        <p:nvSpPr>
+          <p:cNvPr id="9" name="TextBox 8">
+            <a:extLst>
+              <a:ext uri="{FF2B5EF4-FFF2-40B4-BE49-F238E27FC236}">
+                <a16:creationId xmlns:a16="http://schemas.microsoft.com/office/drawing/2014/main" id="{F0FDAB4F-49C8-0AED-A2F0-7268163DC7DA}"/>
+              </a:ext>
+            </a:extLst>
+          </p:cNvPr>
+          <p:cNvSpPr txBox="1"/>
+          <p:nvPr userDrawn="1">
+            <p:extLst>
+              <p:ext uri="{1162E1C5-73C7-4A58-AE30-91384D911F3F}">
+                <p184:classification xmlns:p184="http://schemas.microsoft.com/office/powerpoint/2018/4/main" val="hdr"/>
+              </p:ext>
+            </p:extLst>
+          </p:nvPr>
+        </p:nvSpPr>
+        <p:spPr>
+          <a:xfrm>
+            <a:off x="63500" y="63500"/>
+            <a:ext cx="1636713" cy="152400"/>
+          </a:xfrm>
+          <a:prstGeom prst="rect">
+            <a:avLst/>
+          </a:prstGeom>
+        </p:spPr>
+        <p:txBody>
+          <a:bodyPr horzOverflow="overflow" lIns="0" tIns="0" rIns="0" bIns="0">
+            <a:spAutoFit/>
+          </a:bodyPr>
+          <a:lstStyle/>
+          <a:p>
+            <a:pPr algn="l"/>
+            <a:r>
+              <a:rPr lang="en-US" sz="1000">
+                <a:solidFill>
+                  <a:srgbClr val="000000"/>
+                </a:solidFill>
+                <a:latin typeface="Calibri" panose="020F0502020204030204" pitchFamily="34" charset="0"/>
+                <a:ea typeface="Calibri" panose="020F0502020204030204" pitchFamily="34" charset="0"/>
+                <a:cs typeface="Calibri" panose="020F0502020204030204" pitchFamily="34" charset="0"/>
+              </a:rPr>
+              <a:t>Confidential - Oracle Restricted</a:t>
+            </a:r>
+          </a:p>
+        </p:txBody>
+      </p:sp>
+      <p:sp>
+        <p:nvSpPr>
+          <p:cNvPr id="10" name="TextBox 9">
+            <a:extLst>
+              <a:ext uri="{FF2B5EF4-FFF2-40B4-BE49-F238E27FC236}">
+                <a16:creationId xmlns:a16="http://schemas.microsoft.com/office/drawing/2014/main" id="{36DD7C25-A34B-92A5-7D64-A41B80EAD86B}"/>
+              </a:ext>
+            </a:extLst>
+          </p:cNvPr>
+          <p:cNvSpPr txBox="1"/>
+          <p:nvPr userDrawn="1">
+            <p:extLst>
+              <p:ext uri="{1162E1C5-73C7-4A58-AE30-91384D911F3F}">
+                <p184:classification xmlns:p184="http://schemas.microsoft.com/office/powerpoint/2018/4/main" val="ftr"/>
+              </p:ext>
+            </p:extLst>
+          </p:nvPr>
+        </p:nvSpPr>
+        <p:spPr>
+          <a:xfrm>
+            <a:off x="63500" y="4927600"/>
+            <a:ext cx="1636713" cy="152400"/>
+          </a:xfrm>
+          <a:prstGeom prst="rect">
+            <a:avLst/>
+          </a:prstGeom>
+        </p:spPr>
+        <p:txBody>
+          <a:bodyPr horzOverflow="overflow" lIns="0" tIns="0" rIns="0" bIns="0">
+            <a:spAutoFit/>
+          </a:bodyPr>
+          <a:lstStyle/>
+          <a:p>
+            <a:pPr algn="l"/>
+            <a:r>
+              <a:rPr lang="en-US" sz="1000">
+                <a:solidFill>
+                  <a:srgbClr val="000000"/>
+                </a:solidFill>
+                <a:latin typeface="Calibri" panose="020F0502020204030204" pitchFamily="34" charset="0"/>
+                <a:ea typeface="Calibri" panose="020F0502020204030204" pitchFamily="34" charset="0"/>
+                <a:cs typeface="Calibri" panose="020F0502020204030204" pitchFamily="34" charset="0"/>
+              </a:rPr>
+              <a:t>Confidential - Oracle Restricted</a:t>
+            </a:r>
           </a:p>
         </p:txBody>
       </p:sp>
@@ -14026,6 +14122,102 @@
               </a:solidFill>
               <a:ea typeface="ＭＳ Ｐゴシック" pitchFamily="34" charset="-128"/>
             </a:endParaRPr>
+          </a:p>
+        </p:txBody>
+      </p:sp>
+      <p:sp>
+        <p:nvSpPr>
+          <p:cNvPr id="9" name="TextBox 8">
+            <a:extLst>
+              <a:ext uri="{FF2B5EF4-FFF2-40B4-BE49-F238E27FC236}">
+                <a16:creationId xmlns:a16="http://schemas.microsoft.com/office/drawing/2014/main" id="{076BB691-64F5-EB9F-79D1-885B59C9E424}"/>
+              </a:ext>
+            </a:extLst>
+          </p:cNvPr>
+          <p:cNvSpPr txBox="1"/>
+          <p:nvPr userDrawn="1">
+            <p:extLst>
+              <p:ext uri="{1162E1C5-73C7-4A58-AE30-91384D911F3F}">
+                <p184:classification xmlns:p184="http://schemas.microsoft.com/office/powerpoint/2018/4/main" val="hdr"/>
+              </p:ext>
+            </p:extLst>
+          </p:nvPr>
+        </p:nvSpPr>
+        <p:spPr>
+          <a:xfrm>
+            <a:off x="63500" y="63500"/>
+            <a:ext cx="1636713" cy="152400"/>
+          </a:xfrm>
+          <a:prstGeom prst="rect">
+            <a:avLst/>
+          </a:prstGeom>
+        </p:spPr>
+        <p:txBody>
+          <a:bodyPr horzOverflow="overflow" lIns="0" tIns="0" rIns="0" bIns="0">
+            <a:spAutoFit/>
+          </a:bodyPr>
+          <a:lstStyle/>
+          <a:p>
+            <a:pPr algn="l"/>
+            <a:r>
+              <a:rPr lang="en-US" sz="1000">
+                <a:solidFill>
+                  <a:srgbClr val="000000"/>
+                </a:solidFill>
+                <a:latin typeface="Calibri" panose="020F0502020204030204" pitchFamily="34" charset="0"/>
+                <a:ea typeface="Calibri" panose="020F0502020204030204" pitchFamily="34" charset="0"/>
+                <a:cs typeface="Calibri" panose="020F0502020204030204" pitchFamily="34" charset="0"/>
+              </a:rPr>
+              <a:t>Confidential - Oracle Restricted</a:t>
+            </a:r>
+          </a:p>
+        </p:txBody>
+      </p:sp>
+      <p:sp>
+        <p:nvSpPr>
+          <p:cNvPr id="10" name="TextBox 9">
+            <a:extLst>
+              <a:ext uri="{FF2B5EF4-FFF2-40B4-BE49-F238E27FC236}">
+                <a16:creationId xmlns:a16="http://schemas.microsoft.com/office/drawing/2014/main" id="{90FE1AB5-9BA2-28FD-B6E0-5CAE7390F664}"/>
+              </a:ext>
+            </a:extLst>
+          </p:cNvPr>
+          <p:cNvSpPr txBox="1"/>
+          <p:nvPr userDrawn="1">
+            <p:extLst>
+              <p:ext uri="{1162E1C5-73C7-4A58-AE30-91384D911F3F}">
+                <p184:classification xmlns:p184="http://schemas.microsoft.com/office/powerpoint/2018/4/main" val="ftr"/>
+              </p:ext>
+            </p:extLst>
+          </p:nvPr>
+        </p:nvSpPr>
+        <p:spPr>
+          <a:xfrm>
+            <a:off x="63500" y="4927600"/>
+            <a:ext cx="1636713" cy="152400"/>
+          </a:xfrm>
+          <a:prstGeom prst="rect">
+            <a:avLst/>
+          </a:prstGeom>
+        </p:spPr>
+        <p:txBody>
+          <a:bodyPr horzOverflow="overflow" lIns="0" tIns="0" rIns="0" bIns="0">
+            <a:spAutoFit/>
+          </a:bodyPr>
+          <a:lstStyle/>
+          <a:p>
+            <a:pPr algn="l"/>
+            <a:r>
+              <a:rPr lang="en-US" sz="1000">
+                <a:solidFill>
+                  <a:srgbClr val="000000"/>
+                </a:solidFill>
+                <a:latin typeface="Calibri" panose="020F0502020204030204" pitchFamily="34" charset="0"/>
+                <a:ea typeface="Calibri" panose="020F0502020204030204" pitchFamily="34" charset="0"/>
+                <a:cs typeface="Calibri" panose="020F0502020204030204" pitchFamily="34" charset="0"/>
+              </a:rPr>
+              <a:t>Confidential - Oracle Restricted</a:t>
+            </a:r>
           </a:p>
         </p:txBody>
       </p:sp>
@@ -14450,20 +14642,16 @@
           <a:lstStyle/>
           <a:p>
             <a:r>
-              <a:rPr lang="en-US"/>
-              <a:t>13</a:t>
-            </a:r>
-            <a:r>
-              <a:rPr lang="en-US" baseline="30000"/>
+              <a:rPr lang="en-US" dirty="0"/>
+              <a:t>19</a:t>
+            </a:r>
+            <a:r>
+              <a:rPr lang="en-US" baseline="30000" dirty="0"/>
               <a:t>th</a:t>
             </a:r>
             <a:r>
-              <a:rPr lang="en-US"/>
-              <a:t> </a:t>
-            </a:r>
-            <a:r>
               <a:rPr lang="en-US" dirty="0"/>
-              <a:t>of December, 2023</a:t>
+              <a:t> of September, 2024</a:t>
             </a:r>
           </a:p>
         </p:txBody>

--- a/smart-authorization-presentation.pptx
+++ b/smart-authorization-presentation.pptx
@@ -473,7 +473,7 @@
           <a:p>
             <a:fld id="{5943B5BA-8FE1-4769-B5B1-BD8C362CA2D3}" type="datetimeFigureOut">
               <a:rPr lang="en-US" smtClean="0"/>
-              <a:t>9/16/2024</a:t>
+              <a:t>9/19/2024</a:t>
             </a:fld>
             <a:endParaRPr lang="en-US"/>
           </a:p>
@@ -9059,7 +9059,7 @@
           <a:p>
             <a:fld id="{DC509093-0A88-4CE0-881F-99629760210A}" type="datetimeFigureOut">
               <a:rPr lang="en-US" smtClean="0"/>
-              <a:t>9/16/2024</a:t>
+              <a:t>9/19/2024</a:t>
             </a:fld>
             <a:endParaRPr lang="en-US"/>
           </a:p>
@@ -9227,7 +9227,7 @@
           <a:p>
             <a:fld id="{DC509093-0A88-4CE0-881F-99629760210A}" type="datetimeFigureOut">
               <a:rPr lang="en-US" smtClean="0"/>
-              <a:t>9/16/2024</a:t>
+              <a:t>9/19/2024</a:t>
             </a:fld>
             <a:endParaRPr lang="en-US"/>
           </a:p>
@@ -9405,7 +9405,7 @@
           <a:p>
             <a:fld id="{DC509093-0A88-4CE0-881F-99629760210A}" type="datetimeFigureOut">
               <a:rPr lang="en-US" smtClean="0"/>
-              <a:t>9/16/2024</a:t>
+              <a:t>9/19/2024</a:t>
             </a:fld>
             <a:endParaRPr lang="en-US"/>
           </a:p>
@@ -10673,7 +10673,7 @@
           <a:p>
             <a:fld id="{DC509093-0A88-4CE0-881F-99629760210A}" type="datetimeFigureOut">
               <a:rPr lang="en-US" smtClean="0"/>
-              <a:t>9/16/2024</a:t>
+              <a:t>9/19/2024</a:t>
             </a:fld>
             <a:endParaRPr lang="en-US"/>
           </a:p>
@@ -11687,7 +11687,7 @@
           <a:p>
             <a:fld id="{DC509093-0A88-4CE0-881F-99629760210A}" type="datetimeFigureOut">
               <a:rPr lang="en-US" smtClean="0"/>
-              <a:t>9/16/2024</a:t>
+              <a:t>9/19/2024</a:t>
             </a:fld>
             <a:endParaRPr lang="en-US"/>
           </a:p>
@@ -11972,7 +11972,7 @@
           <a:p>
             <a:fld id="{DC509093-0A88-4CE0-881F-99629760210A}" type="datetimeFigureOut">
               <a:rPr lang="en-US" smtClean="0"/>
-              <a:t>9/16/2024</a:t>
+              <a:t>9/19/2024</a:t>
             </a:fld>
             <a:endParaRPr lang="en-US"/>
           </a:p>
@@ -12391,7 +12391,7 @@
           <a:p>
             <a:fld id="{DC509093-0A88-4CE0-881F-99629760210A}" type="datetimeFigureOut">
               <a:rPr lang="en-US" smtClean="0"/>
-              <a:t>9/16/2024</a:t>
+              <a:t>9/19/2024</a:t>
             </a:fld>
             <a:endParaRPr lang="en-US"/>
           </a:p>
@@ -12508,7 +12508,7 @@
           <a:p>
             <a:fld id="{DC509093-0A88-4CE0-881F-99629760210A}" type="datetimeFigureOut">
               <a:rPr lang="en-US" smtClean="0"/>
-              <a:t>9/16/2024</a:t>
+              <a:t>9/19/2024</a:t>
             </a:fld>
             <a:endParaRPr lang="en-US"/>
           </a:p>
@@ -12603,7 +12603,7 @@
           <a:p>
             <a:fld id="{DC509093-0A88-4CE0-881F-99629760210A}" type="datetimeFigureOut">
               <a:rPr lang="en-US" smtClean="0"/>
-              <a:t>9/16/2024</a:t>
+              <a:t>9/19/2024</a:t>
             </a:fld>
             <a:endParaRPr lang="en-US"/>
           </a:p>
@@ -12878,7 +12878,7 @@
           <a:p>
             <a:fld id="{DC509093-0A88-4CE0-881F-99629760210A}" type="datetimeFigureOut">
               <a:rPr lang="en-US" smtClean="0"/>
-              <a:t>9/16/2024</a:t>
+              <a:t>9/19/2024</a:t>
             </a:fld>
             <a:endParaRPr lang="en-US"/>
           </a:p>
@@ -13130,7 +13130,7 @@
           <a:p>
             <a:fld id="{DC509093-0A88-4CE0-881F-99629760210A}" type="datetimeFigureOut">
               <a:rPr lang="en-US" smtClean="0"/>
-              <a:t>9/16/2024</a:t>
+              <a:t>9/19/2024</a:t>
             </a:fld>
             <a:endParaRPr lang="en-US"/>
           </a:p>
@@ -13341,7 +13341,7 @@
           <a:p>
             <a:fld id="{DC509093-0A88-4CE0-881F-99629760210A}" type="datetimeFigureOut">
               <a:rPr lang="en-US" smtClean="0"/>
-              <a:t>9/16/2024</a:t>
+              <a:t>9/19/2024</a:t>
             </a:fld>
             <a:endParaRPr lang="en-US"/>
           </a:p>
@@ -17738,8 +17738,15 @@
             <a:pPr algn="ctr"/>
             <a:r>
               <a:rPr lang="en-US" sz="3200" dirty="0"/>
-              <a:t>Read the specifications and our comprehensive authorization guide @ fhir.cerner.com</a:t>
-            </a:r>
+              <a:t>Read the specifications and our comprehensive </a:t>
+            </a:r>
+            <a:r>
+              <a:rPr lang="en-US" sz="3200" dirty="0">
+                <a:hlinkClick r:id="rId3"/>
+              </a:rPr>
+              <a:t>authorization guide</a:t>
+            </a:r>
+            <a:endParaRPr lang="en-US" sz="3200" dirty="0"/>
           </a:p>
           <a:p>
             <a:pPr algn="ctr"/>
@@ -18374,8 +18381,8 @@
         </p:nvSpPr>
         <p:spPr>
           <a:xfrm>
-            <a:off x="457200" y="1072458"/>
-            <a:ext cx="8153400" cy="3046988"/>
+            <a:off x="457200" y="580016"/>
+            <a:ext cx="8153400" cy="4031873"/>
           </a:xfrm>
           <a:prstGeom prst="rect">
             <a:avLst/>
@@ -18404,7 +18411,7 @@
               <a:rPr lang="en-US" sz="3200" dirty="0">
                 <a:hlinkClick r:id="rId2"/>
               </a:rPr>
-              <a:t>https://fhir.cerner.com/authorization/</a:t>
+              <a:t>https://docs.oracle.com/en/industries/health/millennium-platform-apis/fhir-authorization-framework/#authorization</a:t>
             </a:r>
             <a:endParaRPr lang="en-US" sz="3200" dirty="0"/>
           </a:p>

--- a/smart-authorization-presentation.pptx
+++ b/smart-authorization-presentation.pptx
@@ -473,7 +473,7 @@
           <a:p>
             <a:fld id="{5943B5BA-8FE1-4769-B5B1-BD8C362CA2D3}" type="datetimeFigureOut">
               <a:rPr lang="en-US" smtClean="0"/>
-              <a:t>9/19/2024</a:t>
+              <a:t>12/2/2024</a:t>
             </a:fld>
             <a:endParaRPr lang="en-US"/>
           </a:p>
@@ -9059,7 +9059,7 @@
           <a:p>
             <a:fld id="{DC509093-0A88-4CE0-881F-99629760210A}" type="datetimeFigureOut">
               <a:rPr lang="en-US" smtClean="0"/>
-              <a:t>9/19/2024</a:t>
+              <a:t>12/2/2024</a:t>
             </a:fld>
             <a:endParaRPr lang="en-US"/>
           </a:p>
@@ -9227,7 +9227,7 @@
           <a:p>
             <a:fld id="{DC509093-0A88-4CE0-881F-99629760210A}" type="datetimeFigureOut">
               <a:rPr lang="en-US" smtClean="0"/>
-              <a:t>9/19/2024</a:t>
+              <a:t>12/2/2024</a:t>
             </a:fld>
             <a:endParaRPr lang="en-US"/>
           </a:p>
@@ -9405,7 +9405,7 @@
           <a:p>
             <a:fld id="{DC509093-0A88-4CE0-881F-99629760210A}" type="datetimeFigureOut">
               <a:rPr lang="en-US" smtClean="0"/>
-              <a:t>9/19/2024</a:t>
+              <a:t>12/2/2024</a:t>
             </a:fld>
             <a:endParaRPr lang="en-US"/>
           </a:p>
@@ -10673,7 +10673,7 @@
           <a:p>
             <a:fld id="{DC509093-0A88-4CE0-881F-99629760210A}" type="datetimeFigureOut">
               <a:rPr lang="en-US" smtClean="0"/>
-              <a:t>9/19/2024</a:t>
+              <a:t>12/2/2024</a:t>
             </a:fld>
             <a:endParaRPr lang="en-US"/>
           </a:p>
@@ -11687,7 +11687,7 @@
           <a:p>
             <a:fld id="{DC509093-0A88-4CE0-881F-99629760210A}" type="datetimeFigureOut">
               <a:rPr lang="en-US" smtClean="0"/>
-              <a:t>9/19/2024</a:t>
+              <a:t>12/2/2024</a:t>
             </a:fld>
             <a:endParaRPr lang="en-US"/>
           </a:p>
@@ -11972,7 +11972,7 @@
           <a:p>
             <a:fld id="{DC509093-0A88-4CE0-881F-99629760210A}" type="datetimeFigureOut">
               <a:rPr lang="en-US" smtClean="0"/>
-              <a:t>9/19/2024</a:t>
+              <a:t>12/2/2024</a:t>
             </a:fld>
             <a:endParaRPr lang="en-US"/>
           </a:p>
@@ -12391,7 +12391,7 @@
           <a:p>
             <a:fld id="{DC509093-0A88-4CE0-881F-99629760210A}" type="datetimeFigureOut">
               <a:rPr lang="en-US" smtClean="0"/>
-              <a:t>9/19/2024</a:t>
+              <a:t>12/2/2024</a:t>
             </a:fld>
             <a:endParaRPr lang="en-US"/>
           </a:p>
@@ -12508,7 +12508,7 @@
           <a:p>
             <a:fld id="{DC509093-0A88-4CE0-881F-99629760210A}" type="datetimeFigureOut">
               <a:rPr lang="en-US" smtClean="0"/>
-              <a:t>9/19/2024</a:t>
+              <a:t>12/2/2024</a:t>
             </a:fld>
             <a:endParaRPr lang="en-US"/>
           </a:p>
@@ -12603,7 +12603,7 @@
           <a:p>
             <a:fld id="{DC509093-0A88-4CE0-881F-99629760210A}" type="datetimeFigureOut">
               <a:rPr lang="en-US" smtClean="0"/>
-              <a:t>9/19/2024</a:t>
+              <a:t>12/2/2024</a:t>
             </a:fld>
             <a:endParaRPr lang="en-US"/>
           </a:p>
@@ -12878,7 +12878,7 @@
           <a:p>
             <a:fld id="{DC509093-0A88-4CE0-881F-99629760210A}" type="datetimeFigureOut">
               <a:rPr lang="en-US" smtClean="0"/>
-              <a:t>9/19/2024</a:t>
+              <a:t>12/2/2024</a:t>
             </a:fld>
             <a:endParaRPr lang="en-US"/>
           </a:p>
@@ -13130,7 +13130,7 @@
           <a:p>
             <a:fld id="{DC509093-0A88-4CE0-881F-99629760210A}" type="datetimeFigureOut">
               <a:rPr lang="en-US" smtClean="0"/>
-              <a:t>9/19/2024</a:t>
+              <a:t>12/2/2024</a:t>
             </a:fld>
             <a:endParaRPr lang="en-US"/>
           </a:p>
@@ -13341,7 +13341,7 @@
           <a:p>
             <a:fld id="{DC509093-0A88-4CE0-881F-99629760210A}" type="datetimeFigureOut">
               <a:rPr lang="en-US" smtClean="0"/>
-              <a:t>9/19/2024</a:t>
+              <a:t>12/2/2024</a:t>
             </a:fld>
             <a:endParaRPr lang="en-US"/>
           </a:p>
@@ -14643,7 +14643,7 @@
           <a:p>
             <a:r>
               <a:rPr lang="en-US" dirty="0"/>
-              <a:t>19</a:t>
+              <a:t>5</a:t>
             </a:r>
             <a:r>
               <a:rPr lang="en-US" baseline="30000" dirty="0"/>
@@ -14651,7 +14651,15 @@
             </a:r>
             <a:r>
               <a:rPr lang="en-US" dirty="0"/>
-              <a:t> of September, 2024</a:t>
+              <a:t> </a:t>
+            </a:r>
+            <a:r>
+              <a:rPr lang="en-US"/>
+              <a:t>of December, </a:t>
+            </a:r>
+            <a:r>
+              <a:rPr lang="en-US" dirty="0"/>
+              <a:t>2024</a:t>
             </a:r>
           </a:p>
         </p:txBody>

--- a/smart-authorization-presentation.pptx
+++ b/smart-authorization-presentation.pptx
@@ -473,7 +473,7 @@
           <a:p>
             <a:fld id="{5943B5BA-8FE1-4769-B5B1-BD8C362CA2D3}" type="datetimeFigureOut">
               <a:rPr lang="en-US" smtClean="0"/>
-              <a:t>12/2/2024</a:t>
+              <a:t>8/25/2025</a:t>
             </a:fld>
             <a:endParaRPr lang="en-US"/>
           </a:p>
@@ -9059,7 +9059,7 @@
           <a:p>
             <a:fld id="{DC509093-0A88-4CE0-881F-99629760210A}" type="datetimeFigureOut">
               <a:rPr lang="en-US" smtClean="0"/>
-              <a:t>12/2/2024</a:t>
+              <a:t>8/25/2025</a:t>
             </a:fld>
             <a:endParaRPr lang="en-US"/>
           </a:p>
@@ -9227,7 +9227,7 @@
           <a:p>
             <a:fld id="{DC509093-0A88-4CE0-881F-99629760210A}" type="datetimeFigureOut">
               <a:rPr lang="en-US" smtClean="0"/>
-              <a:t>12/2/2024</a:t>
+              <a:t>8/25/2025</a:t>
             </a:fld>
             <a:endParaRPr lang="en-US"/>
           </a:p>
@@ -9405,7 +9405,7 @@
           <a:p>
             <a:fld id="{DC509093-0A88-4CE0-881F-99629760210A}" type="datetimeFigureOut">
               <a:rPr lang="en-US" smtClean="0"/>
-              <a:t>12/2/2024</a:t>
+              <a:t>8/25/2025</a:t>
             </a:fld>
             <a:endParaRPr lang="en-US"/>
           </a:p>
@@ -10673,7 +10673,7 @@
           <a:p>
             <a:fld id="{DC509093-0A88-4CE0-881F-99629760210A}" type="datetimeFigureOut">
               <a:rPr lang="en-US" smtClean="0"/>
-              <a:t>12/2/2024</a:t>
+              <a:t>8/25/2025</a:t>
             </a:fld>
             <a:endParaRPr lang="en-US"/>
           </a:p>
@@ -11687,7 +11687,7 @@
           <a:p>
             <a:fld id="{DC509093-0A88-4CE0-881F-99629760210A}" type="datetimeFigureOut">
               <a:rPr lang="en-US" smtClean="0"/>
-              <a:t>12/2/2024</a:t>
+              <a:t>8/25/2025</a:t>
             </a:fld>
             <a:endParaRPr lang="en-US"/>
           </a:p>
@@ -11972,7 +11972,7 @@
           <a:p>
             <a:fld id="{DC509093-0A88-4CE0-881F-99629760210A}" type="datetimeFigureOut">
               <a:rPr lang="en-US" smtClean="0"/>
-              <a:t>12/2/2024</a:t>
+              <a:t>8/25/2025</a:t>
             </a:fld>
             <a:endParaRPr lang="en-US"/>
           </a:p>
@@ -12391,7 +12391,7 @@
           <a:p>
             <a:fld id="{DC509093-0A88-4CE0-881F-99629760210A}" type="datetimeFigureOut">
               <a:rPr lang="en-US" smtClean="0"/>
-              <a:t>12/2/2024</a:t>
+              <a:t>8/25/2025</a:t>
             </a:fld>
             <a:endParaRPr lang="en-US"/>
           </a:p>
@@ -12508,7 +12508,7 @@
           <a:p>
             <a:fld id="{DC509093-0A88-4CE0-881F-99629760210A}" type="datetimeFigureOut">
               <a:rPr lang="en-US" smtClean="0"/>
-              <a:t>12/2/2024</a:t>
+              <a:t>8/25/2025</a:t>
             </a:fld>
             <a:endParaRPr lang="en-US"/>
           </a:p>
@@ -12603,7 +12603,7 @@
           <a:p>
             <a:fld id="{DC509093-0A88-4CE0-881F-99629760210A}" type="datetimeFigureOut">
               <a:rPr lang="en-US" smtClean="0"/>
-              <a:t>12/2/2024</a:t>
+              <a:t>8/25/2025</a:t>
             </a:fld>
             <a:endParaRPr lang="en-US"/>
           </a:p>
@@ -12878,7 +12878,7 @@
           <a:p>
             <a:fld id="{DC509093-0A88-4CE0-881F-99629760210A}" type="datetimeFigureOut">
               <a:rPr lang="en-US" smtClean="0"/>
-              <a:t>12/2/2024</a:t>
+              <a:t>8/25/2025</a:t>
             </a:fld>
             <a:endParaRPr lang="en-US"/>
           </a:p>
@@ -13130,7 +13130,7 @@
           <a:p>
             <a:fld id="{DC509093-0A88-4CE0-881F-99629760210A}" type="datetimeFigureOut">
               <a:rPr lang="en-US" smtClean="0"/>
-              <a:t>12/2/2024</a:t>
+              <a:t>8/25/2025</a:t>
             </a:fld>
             <a:endParaRPr lang="en-US"/>
           </a:p>
@@ -13341,7 +13341,7 @@
           <a:p>
             <a:fld id="{DC509093-0A88-4CE0-881F-99629760210A}" type="datetimeFigureOut">
               <a:rPr lang="en-US" smtClean="0"/>
-              <a:t>12/2/2024</a:t>
+              <a:t>8/25/2025</a:t>
             </a:fld>
             <a:endParaRPr lang="en-US"/>
           </a:p>
@@ -14643,7 +14643,7 @@
           <a:p>
             <a:r>
               <a:rPr lang="en-US" dirty="0"/>
-              <a:t>5</a:t>
+              <a:t>28</a:t>
             </a:r>
             <a:r>
               <a:rPr lang="en-US" baseline="30000" dirty="0"/>
@@ -14651,15 +14651,7 @@
             </a:r>
             <a:r>
               <a:rPr lang="en-US" dirty="0"/>
-              <a:t> </a:t>
-            </a:r>
-            <a:r>
-              <a:rPr lang="en-US"/>
-              <a:t>of December, </a:t>
-            </a:r>
-            <a:r>
-              <a:rPr lang="en-US" dirty="0"/>
-              <a:t>2024</a:t>
+              <a:t> of August, 2025</a:t>
             </a:r>
           </a:p>
         </p:txBody>

--- a/smart-authorization-presentation.pptx
+++ b/smart-authorization-presentation.pptx
@@ -473,7 +473,7 @@
           <a:p>
             <a:fld id="{5943B5BA-8FE1-4769-B5B1-BD8C362CA2D3}" type="datetimeFigureOut">
               <a:rPr lang="en-US" smtClean="0"/>
-              <a:t>8/25/2025</a:t>
+              <a:t>12/13/2025</a:t>
             </a:fld>
             <a:endParaRPr lang="en-US"/>
           </a:p>
@@ -7732,6 +7732,25 @@
           <a:bodyPr/>
           <a:lstStyle/>
           <a:p>
+            <a:r>
+              <a:rPr lang="en-US" dirty="0"/>
+              <a:t>JSON Web Keys </a:t>
+            </a:r>
+            <a:r>
+              <a:rPr lang="en-US"/>
+              <a:t>for accounts</a:t>
+            </a:r>
+            <a:br>
+              <a:rPr lang="en-US"/>
+            </a:br>
+            <a:r>
+              <a:rPr lang="en-US" b="0" i="0" u="none" strike="noStrike">
+                <a:effectLst/>
+                <a:latin typeface="Slack-Lato"/>
+                <a:hlinkClick r:id="rId3"/>
+              </a:rPr>
+              <a:t>https://wiki.cerner.com/display/public/CernerCentral/Managing+JSON+Web+Key+Sets+in+System+Account+Management</a:t>
+            </a:r>
             <a:endParaRPr lang="en-US" dirty="0"/>
           </a:p>
         </p:txBody>
@@ -9059,7 +9078,7 @@
           <a:p>
             <a:fld id="{DC509093-0A88-4CE0-881F-99629760210A}" type="datetimeFigureOut">
               <a:rPr lang="en-US" smtClean="0"/>
-              <a:t>8/25/2025</a:t>
+              <a:t>12/13/2025</a:t>
             </a:fld>
             <a:endParaRPr lang="en-US"/>
           </a:p>
@@ -9227,7 +9246,7 @@
           <a:p>
             <a:fld id="{DC509093-0A88-4CE0-881F-99629760210A}" type="datetimeFigureOut">
               <a:rPr lang="en-US" smtClean="0"/>
-              <a:t>8/25/2025</a:t>
+              <a:t>12/13/2025</a:t>
             </a:fld>
             <a:endParaRPr lang="en-US"/>
           </a:p>
@@ -9405,7 +9424,7 @@
           <a:p>
             <a:fld id="{DC509093-0A88-4CE0-881F-99629760210A}" type="datetimeFigureOut">
               <a:rPr lang="en-US" smtClean="0"/>
-              <a:t>8/25/2025</a:t>
+              <a:t>12/13/2025</a:t>
             </a:fld>
             <a:endParaRPr lang="en-US"/>
           </a:p>
@@ -10673,7 +10692,7 @@
           <a:p>
             <a:fld id="{DC509093-0A88-4CE0-881F-99629760210A}" type="datetimeFigureOut">
               <a:rPr lang="en-US" smtClean="0"/>
-              <a:t>8/25/2025</a:t>
+              <a:t>12/13/2025</a:t>
             </a:fld>
             <a:endParaRPr lang="en-US"/>
           </a:p>
@@ -11687,7 +11706,7 @@
           <a:p>
             <a:fld id="{DC509093-0A88-4CE0-881F-99629760210A}" type="datetimeFigureOut">
               <a:rPr lang="en-US" smtClean="0"/>
-              <a:t>8/25/2025</a:t>
+              <a:t>12/13/2025</a:t>
             </a:fld>
             <a:endParaRPr lang="en-US"/>
           </a:p>
@@ -11972,7 +11991,7 @@
           <a:p>
             <a:fld id="{DC509093-0A88-4CE0-881F-99629760210A}" type="datetimeFigureOut">
               <a:rPr lang="en-US" smtClean="0"/>
-              <a:t>8/25/2025</a:t>
+              <a:t>12/13/2025</a:t>
             </a:fld>
             <a:endParaRPr lang="en-US"/>
           </a:p>
@@ -12391,7 +12410,7 @@
           <a:p>
             <a:fld id="{DC509093-0A88-4CE0-881F-99629760210A}" type="datetimeFigureOut">
               <a:rPr lang="en-US" smtClean="0"/>
-              <a:t>8/25/2025</a:t>
+              <a:t>12/13/2025</a:t>
             </a:fld>
             <a:endParaRPr lang="en-US"/>
           </a:p>
@@ -12508,7 +12527,7 @@
           <a:p>
             <a:fld id="{DC509093-0A88-4CE0-881F-99629760210A}" type="datetimeFigureOut">
               <a:rPr lang="en-US" smtClean="0"/>
-              <a:t>8/25/2025</a:t>
+              <a:t>12/13/2025</a:t>
             </a:fld>
             <a:endParaRPr lang="en-US"/>
           </a:p>
@@ -12603,7 +12622,7 @@
           <a:p>
             <a:fld id="{DC509093-0A88-4CE0-881F-99629760210A}" type="datetimeFigureOut">
               <a:rPr lang="en-US" smtClean="0"/>
-              <a:t>8/25/2025</a:t>
+              <a:t>12/13/2025</a:t>
             </a:fld>
             <a:endParaRPr lang="en-US"/>
           </a:p>
@@ -12878,7 +12897,7 @@
           <a:p>
             <a:fld id="{DC509093-0A88-4CE0-881F-99629760210A}" type="datetimeFigureOut">
               <a:rPr lang="en-US" smtClean="0"/>
-              <a:t>8/25/2025</a:t>
+              <a:t>12/13/2025</a:t>
             </a:fld>
             <a:endParaRPr lang="en-US"/>
           </a:p>
@@ -13130,7 +13149,7 @@
           <a:p>
             <a:fld id="{DC509093-0A88-4CE0-881F-99629760210A}" type="datetimeFigureOut">
               <a:rPr lang="en-US" smtClean="0"/>
-              <a:t>8/25/2025</a:t>
+              <a:t>12/13/2025</a:t>
             </a:fld>
             <a:endParaRPr lang="en-US"/>
           </a:p>
@@ -13341,7 +13360,7 @@
           <a:p>
             <a:fld id="{DC509093-0A88-4CE0-881F-99629760210A}" type="datetimeFigureOut">
               <a:rPr lang="en-US" smtClean="0"/>
-              <a:t>8/25/2025</a:t>
+              <a:t>12/13/2025</a:t>
             </a:fld>
             <a:endParaRPr lang="en-US"/>
           </a:p>
@@ -14643,7 +14662,7 @@
           <a:p>
             <a:r>
               <a:rPr lang="en-US" dirty="0"/>
-              <a:t>28</a:t>
+              <a:t>17</a:t>
             </a:r>
             <a:r>
               <a:rPr lang="en-US" baseline="30000" dirty="0"/>
@@ -14651,7 +14670,7 @@
             </a:r>
             <a:r>
               <a:rPr lang="en-US" dirty="0"/>
-              <a:t> of August, 2025</a:t>
+              <a:t> of December, 2025</a:t>
             </a:r>
           </a:p>
         </p:txBody>
@@ -27428,6 +27447,7 @@
 
 <file path=docMetadata/LabelInfo.xml><?xml version="1.0" encoding="utf-8"?>
 <clbl:labelList xmlns:clbl="http://schemas.microsoft.com/office/2020/mipLabelMetadata">
+  <clbl:label id="{56665055-977f-4acd-9884-1bec8e5ad200}" enabled="1" method="Standard" siteId="{4e2c6054-71cb-48f1-bd6c-3a9705aca71b}" contentBits="3" removed="0"/>
   <clbl:label id="{b1851626-05c4-426e-b768-1c35733f6fea}" enabled="1" method="Standard" siteId="{fbc493a8-0d24-4454-a815-f4ca58e8c09d}" removed="0"/>
 </clbl:labelList>
 </file>
--- a/smart-authorization-presentation.pptx
+++ b/smart-authorization-presentation.pptx
@@ -473,7 +473,7 @@
           <a:p>
             <a:fld id="{5943B5BA-8FE1-4769-B5B1-BD8C362CA2D3}" type="datetimeFigureOut">
               <a:rPr lang="en-US" smtClean="0"/>
-              <a:t>12/13/2025</a:t>
+              <a:t>1/19/2026</a:t>
             </a:fld>
             <a:endParaRPr lang="en-US"/>
           </a:p>
@@ -9078,7 +9078,7 @@
           <a:p>
             <a:fld id="{DC509093-0A88-4CE0-881F-99629760210A}" type="datetimeFigureOut">
               <a:rPr lang="en-US" smtClean="0"/>
-              <a:t>12/13/2025</a:t>
+              <a:t>1/19/2026</a:t>
             </a:fld>
             <a:endParaRPr lang="en-US"/>
           </a:p>
@@ -9246,7 +9246,7 @@
           <a:p>
             <a:fld id="{DC509093-0A88-4CE0-881F-99629760210A}" type="datetimeFigureOut">
               <a:rPr lang="en-US" smtClean="0"/>
-              <a:t>12/13/2025</a:t>
+              <a:t>1/19/2026</a:t>
             </a:fld>
             <a:endParaRPr lang="en-US"/>
           </a:p>
@@ -9424,7 +9424,7 @@
           <a:p>
             <a:fld id="{DC509093-0A88-4CE0-881F-99629760210A}" type="datetimeFigureOut">
               <a:rPr lang="en-US" smtClean="0"/>
-              <a:t>12/13/2025</a:t>
+              <a:t>1/19/2026</a:t>
             </a:fld>
             <a:endParaRPr lang="en-US"/>
           </a:p>
@@ -10692,7 +10692,7 @@
           <a:p>
             <a:fld id="{DC509093-0A88-4CE0-881F-99629760210A}" type="datetimeFigureOut">
               <a:rPr lang="en-US" smtClean="0"/>
-              <a:t>12/13/2025</a:t>
+              <a:t>1/19/2026</a:t>
             </a:fld>
             <a:endParaRPr lang="en-US"/>
           </a:p>
@@ -11706,7 +11706,7 @@
           <a:p>
             <a:fld id="{DC509093-0A88-4CE0-881F-99629760210A}" type="datetimeFigureOut">
               <a:rPr lang="en-US" smtClean="0"/>
-              <a:t>12/13/2025</a:t>
+              <a:t>1/19/2026</a:t>
             </a:fld>
             <a:endParaRPr lang="en-US"/>
           </a:p>
@@ -11991,7 +11991,7 @@
           <a:p>
             <a:fld id="{DC509093-0A88-4CE0-881F-99629760210A}" type="datetimeFigureOut">
               <a:rPr lang="en-US" smtClean="0"/>
-              <a:t>12/13/2025</a:t>
+              <a:t>1/19/2026</a:t>
             </a:fld>
             <a:endParaRPr lang="en-US"/>
           </a:p>
@@ -12410,7 +12410,7 @@
           <a:p>
             <a:fld id="{DC509093-0A88-4CE0-881F-99629760210A}" type="datetimeFigureOut">
               <a:rPr lang="en-US" smtClean="0"/>
-              <a:t>12/13/2025</a:t>
+              <a:t>1/19/2026</a:t>
             </a:fld>
             <a:endParaRPr lang="en-US"/>
           </a:p>
@@ -12527,7 +12527,7 @@
           <a:p>
             <a:fld id="{DC509093-0A88-4CE0-881F-99629760210A}" type="datetimeFigureOut">
               <a:rPr lang="en-US" smtClean="0"/>
-              <a:t>12/13/2025</a:t>
+              <a:t>1/19/2026</a:t>
             </a:fld>
             <a:endParaRPr lang="en-US"/>
           </a:p>
@@ -12622,7 +12622,7 @@
           <a:p>
             <a:fld id="{DC509093-0A88-4CE0-881F-99629760210A}" type="datetimeFigureOut">
               <a:rPr lang="en-US" smtClean="0"/>
-              <a:t>12/13/2025</a:t>
+              <a:t>1/19/2026</a:t>
             </a:fld>
             <a:endParaRPr lang="en-US"/>
           </a:p>
@@ -12897,7 +12897,7 @@
           <a:p>
             <a:fld id="{DC509093-0A88-4CE0-881F-99629760210A}" type="datetimeFigureOut">
               <a:rPr lang="en-US" smtClean="0"/>
-              <a:t>12/13/2025</a:t>
+              <a:t>1/19/2026</a:t>
             </a:fld>
             <a:endParaRPr lang="en-US"/>
           </a:p>
@@ -13149,7 +13149,7 @@
           <a:p>
             <a:fld id="{DC509093-0A88-4CE0-881F-99629760210A}" type="datetimeFigureOut">
               <a:rPr lang="en-US" smtClean="0"/>
-              <a:t>12/13/2025</a:t>
+              <a:t>1/19/2026</a:t>
             </a:fld>
             <a:endParaRPr lang="en-US"/>
           </a:p>
@@ -13360,7 +13360,7 @@
           <a:p>
             <a:fld id="{DC509093-0A88-4CE0-881F-99629760210A}" type="datetimeFigureOut">
               <a:rPr lang="en-US" smtClean="0"/>
-              <a:t>12/13/2025</a:t>
+              <a:t>1/19/2026</a:t>
             </a:fld>
             <a:endParaRPr lang="en-US"/>
           </a:p>
@@ -14661,17 +14661,18 @@
           <a:lstStyle/>
           <a:p>
             <a:r>
-              <a:rPr lang="en-US" dirty="0"/>
-              <a:t>17</a:t>
-            </a:r>
-            <a:r>
-              <a:rPr lang="en-US" baseline="30000" dirty="0"/>
+              <a:rPr lang="en-US"/>
+              <a:t>22</a:t>
+            </a:r>
+            <a:r>
+              <a:rPr lang="en-US" baseline="30000"/>
               <a:t>th</a:t>
             </a:r>
             <a:r>
-              <a:rPr lang="en-US" dirty="0"/>
-              <a:t> of December, 2025</a:t>
-            </a:r>
+              <a:rPr lang="en-US"/>
+              <a:t> of January 2026</a:t>
+            </a:r>
+            <a:endParaRPr lang="en-US" dirty="0"/>
           </a:p>
         </p:txBody>
       </p:sp>
